--- a/Facial Emotion Recognition.pptx
+++ b/Facial Emotion Recognition.pptx
@@ -4,6 +4,9 @@
   <p:sldMasterIdLst>
     <p:sldMasterId id="2147483648" r:id="rId1"/>
   </p:sldMasterIdLst>
+  <p:notesMasterIdLst>
+    <p:notesMasterId r:id="rId26"/>
+  </p:notesMasterIdLst>
   <p:sldIdLst>
     <p:sldId id="256" r:id="rId2"/>
     <p:sldId id="257" r:id="rId3"/>
@@ -15,15 +18,20 @@
     <p:sldId id="263" r:id="rId9"/>
     <p:sldId id="273" r:id="rId10"/>
     <p:sldId id="274" r:id="rId11"/>
-    <p:sldId id="266" r:id="rId12"/>
-    <p:sldId id="264" r:id="rId13"/>
-    <p:sldId id="267" r:id="rId14"/>
-    <p:sldId id="268" r:id="rId15"/>
-    <p:sldId id="269" r:id="rId16"/>
-    <p:sldId id="270" r:id="rId17"/>
-    <p:sldId id="271" r:id="rId18"/>
-    <p:sldId id="272" r:id="rId19"/>
-    <p:sldId id="265" r:id="rId20"/>
+    <p:sldId id="275" r:id="rId12"/>
+    <p:sldId id="266" r:id="rId13"/>
+    <p:sldId id="264" r:id="rId14"/>
+    <p:sldId id="276" r:id="rId15"/>
+    <p:sldId id="267" r:id="rId16"/>
+    <p:sldId id="268" r:id="rId17"/>
+    <p:sldId id="277" r:id="rId18"/>
+    <p:sldId id="269" r:id="rId19"/>
+    <p:sldId id="270" r:id="rId20"/>
+    <p:sldId id="278" r:id="rId21"/>
+    <p:sldId id="271" r:id="rId22"/>
+    <p:sldId id="272" r:id="rId23"/>
+    <p:sldId id="265" r:id="rId24"/>
+    <p:sldId id="280" r:id="rId25"/>
   </p:sldIdLst>
   <p:sldSz cx="12192000" cy="6858000"/>
   <p:notesSz cx="6858000" cy="9144000"/>
@@ -131,753 +139,6 @@
 </file>
 
 <file path=ppt/diagrams/colors1.xml><?xml version="1.0" encoding="utf-8"?>
-<dgm:colorsDef xmlns:dgm="http://schemas.openxmlformats.org/drawingml/2006/diagram" xmlns:a="http://schemas.openxmlformats.org/drawingml/2006/main" uniqueId="urn:microsoft.com/office/officeart/2005/8/colors/accent1_2">
-  <dgm:title val=""/>
-  <dgm:desc val=""/>
-  <dgm:catLst>
-    <dgm:cat type="accent1" pri="11200"/>
-  </dgm:catLst>
-  <dgm:styleLbl name="node0">
-    <dgm:fillClrLst meth="repeat">
-      <a:schemeClr val="accent1"/>
-    </dgm:fillClrLst>
-    <dgm:linClrLst meth="repeat">
-      <a:schemeClr val="lt1"/>
-    </dgm:linClrLst>
-    <dgm:effectClrLst/>
-    <dgm:txLinClrLst/>
-    <dgm:txFillClrLst/>
-    <dgm:txEffectClrLst/>
-  </dgm:styleLbl>
-  <dgm:styleLbl name="alignNode1">
-    <dgm:fillClrLst meth="repeat">
-      <a:schemeClr val="accent1"/>
-    </dgm:fillClrLst>
-    <dgm:linClrLst meth="repeat">
-      <a:schemeClr val="accent1"/>
-    </dgm:linClrLst>
-    <dgm:effectClrLst/>
-    <dgm:txLinClrLst/>
-    <dgm:txFillClrLst/>
-    <dgm:txEffectClrLst/>
-  </dgm:styleLbl>
-  <dgm:styleLbl name="node1">
-    <dgm:fillClrLst meth="repeat">
-      <a:schemeClr val="accent1"/>
-    </dgm:fillClrLst>
-    <dgm:linClrLst meth="repeat">
-      <a:schemeClr val="lt1"/>
-    </dgm:linClrLst>
-    <dgm:effectClrLst/>
-    <dgm:txLinClrLst/>
-    <dgm:txFillClrLst/>
-    <dgm:txEffectClrLst/>
-  </dgm:styleLbl>
-  <dgm:styleLbl name="lnNode1">
-    <dgm:fillClrLst meth="repeat">
-      <a:schemeClr val="accent1"/>
-    </dgm:fillClrLst>
-    <dgm:linClrLst meth="repeat">
-      <a:schemeClr val="lt1"/>
-    </dgm:linClrLst>
-    <dgm:effectClrLst/>
-    <dgm:txLinClrLst/>
-    <dgm:txFillClrLst/>
-    <dgm:txEffectClrLst/>
-  </dgm:styleLbl>
-  <dgm:styleLbl name="vennNode1">
-    <dgm:fillClrLst meth="repeat">
-      <a:schemeClr val="accent1">
-        <a:alpha val="50000"/>
-      </a:schemeClr>
-    </dgm:fillClrLst>
-    <dgm:linClrLst meth="repeat">
-      <a:schemeClr val="lt1"/>
-    </dgm:linClrLst>
-    <dgm:effectClrLst/>
-    <dgm:txLinClrLst/>
-    <dgm:txFillClrLst/>
-    <dgm:txEffectClrLst/>
-  </dgm:styleLbl>
-  <dgm:styleLbl name="node2">
-    <dgm:fillClrLst meth="repeat">
-      <a:schemeClr val="accent1"/>
-    </dgm:fillClrLst>
-    <dgm:linClrLst meth="repeat">
-      <a:schemeClr val="lt1"/>
-    </dgm:linClrLst>
-    <dgm:effectClrLst/>
-    <dgm:txLinClrLst/>
-    <dgm:txFillClrLst/>
-    <dgm:txEffectClrLst/>
-  </dgm:styleLbl>
-  <dgm:styleLbl name="node3">
-    <dgm:fillClrLst meth="repeat">
-      <a:schemeClr val="accent1"/>
-    </dgm:fillClrLst>
-    <dgm:linClrLst meth="repeat">
-      <a:schemeClr val="lt1"/>
-    </dgm:linClrLst>
-    <dgm:effectClrLst/>
-    <dgm:txLinClrLst/>
-    <dgm:txFillClrLst/>
-    <dgm:txEffectClrLst/>
-  </dgm:styleLbl>
-  <dgm:styleLbl name="node4">
-    <dgm:fillClrLst meth="repeat">
-      <a:schemeClr val="accent1"/>
-    </dgm:fillClrLst>
-    <dgm:linClrLst meth="repeat">
-      <a:schemeClr val="lt1"/>
-    </dgm:linClrLst>
-    <dgm:effectClrLst/>
-    <dgm:txLinClrLst/>
-    <dgm:txFillClrLst/>
-    <dgm:txEffectClrLst/>
-  </dgm:styleLbl>
-  <dgm:styleLbl name="fgImgPlace1">
-    <dgm:fillClrLst meth="repeat">
-      <a:schemeClr val="accent1">
-        <a:tint val="50000"/>
-      </a:schemeClr>
-    </dgm:fillClrLst>
-    <dgm:linClrLst meth="repeat">
-      <a:schemeClr val="lt1"/>
-    </dgm:linClrLst>
-    <dgm:effectClrLst/>
-    <dgm:txLinClrLst/>
-    <dgm:txFillClrLst meth="repeat">
-      <a:schemeClr val="lt1"/>
-    </dgm:txFillClrLst>
-    <dgm:txEffectClrLst/>
-  </dgm:styleLbl>
-  <dgm:styleLbl name="alignImgPlace1">
-    <dgm:fillClrLst meth="repeat">
-      <a:schemeClr val="accent1">
-        <a:tint val="50000"/>
-      </a:schemeClr>
-    </dgm:fillClrLst>
-    <dgm:linClrLst meth="repeat">
-      <a:schemeClr val="lt1"/>
-    </dgm:linClrLst>
-    <dgm:effectClrLst/>
-    <dgm:txLinClrLst/>
-    <dgm:txFillClrLst meth="repeat">
-      <a:schemeClr val="lt1"/>
-    </dgm:txFillClrLst>
-    <dgm:txEffectClrLst/>
-  </dgm:styleLbl>
-  <dgm:styleLbl name="bgImgPlace1">
-    <dgm:fillClrLst meth="repeat">
-      <a:schemeClr val="accent1">
-        <a:tint val="50000"/>
-      </a:schemeClr>
-    </dgm:fillClrLst>
-    <dgm:linClrLst meth="repeat">
-      <a:schemeClr val="lt1"/>
-    </dgm:linClrLst>
-    <dgm:effectClrLst/>
-    <dgm:txLinClrLst/>
-    <dgm:txFillClrLst meth="repeat">
-      <a:schemeClr val="lt1"/>
-    </dgm:txFillClrLst>
-    <dgm:txEffectClrLst/>
-  </dgm:styleLbl>
-  <dgm:styleLbl name="sibTrans2D1">
-    <dgm:fillClrLst meth="repeat">
-      <a:schemeClr val="accent1">
-        <a:tint val="60000"/>
-      </a:schemeClr>
-    </dgm:fillClrLst>
-    <dgm:linClrLst meth="repeat">
-      <a:schemeClr val="accent1">
-        <a:tint val="60000"/>
-      </a:schemeClr>
-    </dgm:linClrLst>
-    <dgm:effectClrLst/>
-    <dgm:txLinClrLst/>
-    <dgm:txFillClrLst/>
-    <dgm:txEffectClrLst/>
-  </dgm:styleLbl>
-  <dgm:styleLbl name="fgSibTrans2D1">
-    <dgm:fillClrLst meth="repeat">
-      <a:schemeClr val="accent1">
-        <a:tint val="60000"/>
-      </a:schemeClr>
-    </dgm:fillClrLst>
-    <dgm:linClrLst meth="repeat">
-      <a:schemeClr val="accent1">
-        <a:tint val="60000"/>
-      </a:schemeClr>
-    </dgm:linClrLst>
-    <dgm:effectClrLst/>
-    <dgm:txLinClrLst/>
-    <dgm:txFillClrLst/>
-    <dgm:txEffectClrLst/>
-  </dgm:styleLbl>
-  <dgm:styleLbl name="bgSibTrans2D1">
-    <dgm:fillClrLst meth="repeat">
-      <a:schemeClr val="accent1">
-        <a:tint val="60000"/>
-      </a:schemeClr>
-    </dgm:fillClrLst>
-    <dgm:linClrLst meth="repeat">
-      <a:schemeClr val="accent1">
-        <a:tint val="60000"/>
-      </a:schemeClr>
-    </dgm:linClrLst>
-    <dgm:effectClrLst/>
-    <dgm:txLinClrLst/>
-    <dgm:txFillClrLst/>
-    <dgm:txEffectClrLst/>
-  </dgm:styleLbl>
-  <dgm:styleLbl name="sibTrans1D1">
-    <dgm:fillClrLst meth="repeat">
-      <a:schemeClr val="accent1"/>
-    </dgm:fillClrLst>
-    <dgm:linClrLst meth="repeat">
-      <a:schemeClr val="accent1"/>
-    </dgm:linClrLst>
-    <dgm:effectClrLst/>
-    <dgm:txLinClrLst/>
-    <dgm:txFillClrLst meth="repeat">
-      <a:schemeClr val="tx1"/>
-    </dgm:txFillClrLst>
-    <dgm:txEffectClrLst/>
-  </dgm:styleLbl>
-  <dgm:styleLbl name="callout">
-    <dgm:fillClrLst meth="repeat">
-      <a:schemeClr val="accent1"/>
-    </dgm:fillClrLst>
-    <dgm:linClrLst meth="repeat">
-      <a:schemeClr val="accent1">
-        <a:tint val="50000"/>
-      </a:schemeClr>
-    </dgm:linClrLst>
-    <dgm:effectClrLst/>
-    <dgm:txLinClrLst/>
-    <dgm:txFillClrLst meth="repeat">
-      <a:schemeClr val="tx1"/>
-    </dgm:txFillClrLst>
-    <dgm:txEffectClrLst/>
-  </dgm:styleLbl>
-  <dgm:styleLbl name="asst0">
-    <dgm:fillClrLst meth="repeat">
-      <a:schemeClr val="accent1"/>
-    </dgm:fillClrLst>
-    <dgm:linClrLst meth="repeat">
-      <a:schemeClr val="lt1"/>
-    </dgm:linClrLst>
-    <dgm:effectClrLst/>
-    <dgm:txLinClrLst/>
-    <dgm:txFillClrLst/>
-    <dgm:txEffectClrLst/>
-  </dgm:styleLbl>
-  <dgm:styleLbl name="asst1">
-    <dgm:fillClrLst meth="repeat">
-      <a:schemeClr val="accent1"/>
-    </dgm:fillClrLst>
-    <dgm:linClrLst meth="repeat">
-      <a:schemeClr val="lt1"/>
-    </dgm:linClrLst>
-    <dgm:effectClrLst/>
-    <dgm:txLinClrLst/>
-    <dgm:txFillClrLst/>
-    <dgm:txEffectClrLst/>
-  </dgm:styleLbl>
-  <dgm:styleLbl name="asst2">
-    <dgm:fillClrLst meth="repeat">
-      <a:schemeClr val="accent1"/>
-    </dgm:fillClrLst>
-    <dgm:linClrLst meth="repeat">
-      <a:schemeClr val="lt1"/>
-    </dgm:linClrLst>
-    <dgm:effectClrLst/>
-    <dgm:txLinClrLst/>
-    <dgm:txFillClrLst/>
-    <dgm:txEffectClrLst/>
-  </dgm:styleLbl>
-  <dgm:styleLbl name="asst3">
-    <dgm:fillClrLst meth="repeat">
-      <a:schemeClr val="accent1"/>
-    </dgm:fillClrLst>
-    <dgm:linClrLst meth="repeat">
-      <a:schemeClr val="lt1"/>
-    </dgm:linClrLst>
-    <dgm:effectClrLst/>
-    <dgm:txLinClrLst/>
-    <dgm:txFillClrLst/>
-    <dgm:txEffectClrLst/>
-  </dgm:styleLbl>
-  <dgm:styleLbl name="asst4">
-    <dgm:fillClrLst meth="repeat">
-      <a:schemeClr val="accent1"/>
-    </dgm:fillClrLst>
-    <dgm:linClrLst meth="repeat">
-      <a:schemeClr val="lt1"/>
-    </dgm:linClrLst>
-    <dgm:effectClrLst/>
-    <dgm:txLinClrLst/>
-    <dgm:txFillClrLst/>
-    <dgm:txEffectClrLst/>
-  </dgm:styleLbl>
-  <dgm:styleLbl name="parChTrans2D1">
-    <dgm:fillClrLst meth="repeat">
-      <a:schemeClr val="accent1">
-        <a:tint val="60000"/>
-      </a:schemeClr>
-    </dgm:fillClrLst>
-    <dgm:linClrLst meth="repeat">
-      <a:schemeClr val="accent1">
-        <a:tint val="60000"/>
-      </a:schemeClr>
-    </dgm:linClrLst>
-    <dgm:effectClrLst/>
-    <dgm:txLinClrLst/>
-    <dgm:txFillClrLst meth="repeat">
-      <a:schemeClr val="lt1"/>
-    </dgm:txFillClrLst>
-    <dgm:txEffectClrLst/>
-  </dgm:styleLbl>
-  <dgm:styleLbl name="parChTrans2D2">
-    <dgm:fillClrLst meth="repeat">
-      <a:schemeClr val="accent1"/>
-    </dgm:fillClrLst>
-    <dgm:linClrLst meth="repeat">
-      <a:schemeClr val="accent1"/>
-    </dgm:linClrLst>
-    <dgm:effectClrLst/>
-    <dgm:txLinClrLst/>
-    <dgm:txFillClrLst meth="repeat">
-      <a:schemeClr val="lt1"/>
-    </dgm:txFillClrLst>
-    <dgm:txEffectClrLst/>
-  </dgm:styleLbl>
-  <dgm:styleLbl name="parChTrans2D3">
-    <dgm:fillClrLst meth="repeat">
-      <a:schemeClr val="accent1"/>
-    </dgm:fillClrLst>
-    <dgm:linClrLst meth="repeat">
-      <a:schemeClr val="accent1"/>
-    </dgm:linClrLst>
-    <dgm:effectClrLst/>
-    <dgm:txLinClrLst/>
-    <dgm:txFillClrLst meth="repeat">
-      <a:schemeClr val="lt1"/>
-    </dgm:txFillClrLst>
-    <dgm:txEffectClrLst/>
-  </dgm:styleLbl>
-  <dgm:styleLbl name="parChTrans2D4">
-    <dgm:fillClrLst meth="repeat">
-      <a:schemeClr val="accent1"/>
-    </dgm:fillClrLst>
-    <dgm:linClrLst meth="repeat">
-      <a:schemeClr val="accent1"/>
-    </dgm:linClrLst>
-    <dgm:effectClrLst/>
-    <dgm:txLinClrLst/>
-    <dgm:txFillClrLst meth="repeat">
-      <a:schemeClr val="lt1"/>
-    </dgm:txFillClrLst>
-    <dgm:txEffectClrLst/>
-  </dgm:styleLbl>
-  <dgm:styleLbl name="parChTrans1D1">
-    <dgm:fillClrLst meth="repeat">
-      <a:schemeClr val="accent1"/>
-    </dgm:fillClrLst>
-    <dgm:linClrLst meth="repeat">
-      <a:schemeClr val="accent1">
-        <a:shade val="60000"/>
-      </a:schemeClr>
-    </dgm:linClrLst>
-    <dgm:effectClrLst/>
-    <dgm:txLinClrLst/>
-    <dgm:txFillClrLst meth="repeat">
-      <a:schemeClr val="tx1"/>
-    </dgm:txFillClrLst>
-    <dgm:txEffectClrLst/>
-  </dgm:styleLbl>
-  <dgm:styleLbl name="parChTrans1D2">
-    <dgm:fillClrLst meth="repeat">
-      <a:schemeClr val="accent1"/>
-    </dgm:fillClrLst>
-    <dgm:linClrLst meth="repeat">
-      <a:schemeClr val="accent1">
-        <a:shade val="60000"/>
-      </a:schemeClr>
-    </dgm:linClrLst>
-    <dgm:effectClrLst/>
-    <dgm:txLinClrLst/>
-    <dgm:txFillClrLst meth="repeat">
-      <a:schemeClr val="tx1"/>
-    </dgm:txFillClrLst>
-    <dgm:txEffectClrLst/>
-  </dgm:styleLbl>
-  <dgm:styleLbl name="parChTrans1D3">
-    <dgm:fillClrLst meth="repeat">
-      <a:schemeClr val="accent1"/>
-    </dgm:fillClrLst>
-    <dgm:linClrLst meth="repeat">
-      <a:schemeClr val="accent1">
-        <a:shade val="80000"/>
-      </a:schemeClr>
-    </dgm:linClrLst>
-    <dgm:effectClrLst/>
-    <dgm:txLinClrLst/>
-    <dgm:txFillClrLst meth="repeat">
-      <a:schemeClr val="tx1"/>
-    </dgm:txFillClrLst>
-    <dgm:txEffectClrLst/>
-  </dgm:styleLbl>
-  <dgm:styleLbl name="parChTrans1D4">
-    <dgm:fillClrLst meth="repeat">
-      <a:schemeClr val="accent1"/>
-    </dgm:fillClrLst>
-    <dgm:linClrLst meth="repeat">
-      <a:schemeClr val="accent1">
-        <a:shade val="80000"/>
-      </a:schemeClr>
-    </dgm:linClrLst>
-    <dgm:effectClrLst/>
-    <dgm:txLinClrLst/>
-    <dgm:txFillClrLst meth="repeat">
-      <a:schemeClr val="tx1"/>
-    </dgm:txFillClrLst>
-    <dgm:txEffectClrLst/>
-  </dgm:styleLbl>
-  <dgm:styleLbl name="fgAcc1">
-    <dgm:fillClrLst meth="repeat">
-      <a:schemeClr val="lt1">
-        <a:alpha val="90000"/>
-      </a:schemeClr>
-    </dgm:fillClrLst>
-    <dgm:linClrLst meth="repeat">
-      <a:schemeClr val="accent1"/>
-    </dgm:linClrLst>
-    <dgm:effectClrLst/>
-    <dgm:txLinClrLst/>
-    <dgm:txFillClrLst meth="repeat">
-      <a:schemeClr val="dk1"/>
-    </dgm:txFillClrLst>
-    <dgm:txEffectClrLst/>
-  </dgm:styleLbl>
-  <dgm:styleLbl name="conFgAcc1">
-    <dgm:fillClrLst meth="repeat">
-      <a:schemeClr val="lt1">
-        <a:alpha val="90000"/>
-      </a:schemeClr>
-    </dgm:fillClrLst>
-    <dgm:linClrLst meth="repeat">
-      <a:schemeClr val="accent1"/>
-    </dgm:linClrLst>
-    <dgm:effectClrLst/>
-    <dgm:txLinClrLst/>
-    <dgm:txFillClrLst meth="repeat">
-      <a:schemeClr val="dk1"/>
-    </dgm:txFillClrLst>
-    <dgm:txEffectClrLst/>
-  </dgm:styleLbl>
-  <dgm:styleLbl name="alignAcc1">
-    <dgm:fillClrLst meth="repeat">
-      <a:schemeClr val="lt1">
-        <a:alpha val="90000"/>
-      </a:schemeClr>
-    </dgm:fillClrLst>
-    <dgm:linClrLst meth="repeat">
-      <a:schemeClr val="accent1"/>
-    </dgm:linClrLst>
-    <dgm:effectClrLst/>
-    <dgm:txLinClrLst/>
-    <dgm:txFillClrLst meth="repeat">
-      <a:schemeClr val="dk1"/>
-    </dgm:txFillClrLst>
-    <dgm:txEffectClrLst/>
-  </dgm:styleLbl>
-  <dgm:styleLbl name="trAlignAcc1">
-    <dgm:fillClrLst meth="repeat">
-      <a:schemeClr val="lt1">
-        <a:alpha val="40000"/>
-      </a:schemeClr>
-    </dgm:fillClrLst>
-    <dgm:linClrLst meth="repeat">
-      <a:schemeClr val="accent1"/>
-    </dgm:linClrLst>
-    <dgm:effectClrLst/>
-    <dgm:txLinClrLst/>
-    <dgm:txFillClrLst meth="repeat">
-      <a:schemeClr val="dk1"/>
-    </dgm:txFillClrLst>
-    <dgm:txEffectClrLst/>
-  </dgm:styleLbl>
-  <dgm:styleLbl name="bgAcc1">
-    <dgm:fillClrLst meth="repeat">
-      <a:schemeClr val="lt1">
-        <a:alpha val="90000"/>
-      </a:schemeClr>
-    </dgm:fillClrLst>
-    <dgm:linClrLst meth="repeat">
-      <a:schemeClr val="accent1"/>
-    </dgm:linClrLst>
-    <dgm:effectClrLst/>
-    <dgm:txLinClrLst/>
-    <dgm:txFillClrLst meth="repeat">
-      <a:schemeClr val="dk1"/>
-    </dgm:txFillClrLst>
-    <dgm:txEffectClrLst/>
-  </dgm:styleLbl>
-  <dgm:styleLbl name="solidFgAcc1">
-    <dgm:fillClrLst meth="repeat">
-      <a:schemeClr val="lt1"/>
-    </dgm:fillClrLst>
-    <dgm:linClrLst meth="repeat">
-      <a:schemeClr val="accent1"/>
-    </dgm:linClrLst>
-    <dgm:effectClrLst/>
-    <dgm:txLinClrLst/>
-    <dgm:txFillClrLst meth="repeat">
-      <a:schemeClr val="dk1"/>
-    </dgm:txFillClrLst>
-    <dgm:txEffectClrLst/>
-  </dgm:styleLbl>
-  <dgm:styleLbl name="solidAlignAcc1">
-    <dgm:fillClrLst meth="repeat">
-      <a:schemeClr val="lt1"/>
-    </dgm:fillClrLst>
-    <dgm:linClrLst meth="repeat">
-      <a:schemeClr val="accent1"/>
-    </dgm:linClrLst>
-    <dgm:effectClrLst/>
-    <dgm:txLinClrLst/>
-    <dgm:txFillClrLst meth="repeat">
-      <a:schemeClr val="dk1"/>
-    </dgm:txFillClrLst>
-    <dgm:txEffectClrLst/>
-  </dgm:styleLbl>
-  <dgm:styleLbl name="solidBgAcc1">
-    <dgm:fillClrLst meth="repeat">
-      <a:schemeClr val="lt1"/>
-    </dgm:fillClrLst>
-    <dgm:linClrLst meth="repeat">
-      <a:schemeClr val="accent1"/>
-    </dgm:linClrLst>
-    <dgm:effectClrLst/>
-    <dgm:txLinClrLst/>
-    <dgm:txFillClrLst meth="repeat">
-      <a:schemeClr val="dk1"/>
-    </dgm:txFillClrLst>
-    <dgm:txEffectClrLst/>
-  </dgm:styleLbl>
-  <dgm:styleLbl name="fgAccFollowNode1">
-    <dgm:fillClrLst meth="repeat">
-      <a:schemeClr val="accent1">
-        <a:alpha val="90000"/>
-        <a:tint val="40000"/>
-      </a:schemeClr>
-    </dgm:fillClrLst>
-    <dgm:linClrLst meth="repeat">
-      <a:schemeClr val="accent1">
-        <a:alpha val="90000"/>
-        <a:tint val="40000"/>
-      </a:schemeClr>
-    </dgm:linClrLst>
-    <dgm:effectClrLst/>
-    <dgm:txLinClrLst/>
-    <dgm:txFillClrLst meth="repeat">
-      <a:schemeClr val="dk1"/>
-    </dgm:txFillClrLst>
-    <dgm:txEffectClrLst/>
-  </dgm:styleLbl>
-  <dgm:styleLbl name="alignAccFollowNode1">
-    <dgm:fillClrLst meth="repeat">
-      <a:schemeClr val="accent1">
-        <a:alpha val="90000"/>
-        <a:tint val="40000"/>
-      </a:schemeClr>
-    </dgm:fillClrLst>
-    <dgm:linClrLst meth="repeat">
-      <a:schemeClr val="accent1">
-        <a:alpha val="90000"/>
-        <a:tint val="40000"/>
-      </a:schemeClr>
-    </dgm:linClrLst>
-    <dgm:effectClrLst/>
-    <dgm:txLinClrLst/>
-    <dgm:txFillClrLst meth="repeat">
-      <a:schemeClr val="dk1"/>
-    </dgm:txFillClrLst>
-    <dgm:txEffectClrLst/>
-  </dgm:styleLbl>
-  <dgm:styleLbl name="bgAccFollowNode1">
-    <dgm:fillClrLst meth="repeat">
-      <a:schemeClr val="accent1">
-        <a:alpha val="90000"/>
-        <a:tint val="40000"/>
-      </a:schemeClr>
-    </dgm:fillClrLst>
-    <dgm:linClrLst meth="repeat">
-      <a:schemeClr val="accent1">
-        <a:alpha val="90000"/>
-        <a:tint val="40000"/>
-      </a:schemeClr>
-    </dgm:linClrLst>
-    <dgm:effectClrLst/>
-    <dgm:txLinClrLst/>
-    <dgm:txFillClrLst meth="repeat">
-      <a:schemeClr val="dk1"/>
-    </dgm:txFillClrLst>
-    <dgm:txEffectClrLst/>
-  </dgm:styleLbl>
-  <dgm:styleLbl name="fgAcc0">
-    <dgm:fillClrLst meth="repeat">
-      <a:schemeClr val="lt1">
-        <a:alpha val="90000"/>
-      </a:schemeClr>
-    </dgm:fillClrLst>
-    <dgm:linClrLst meth="repeat">
-      <a:schemeClr val="accent1"/>
-    </dgm:linClrLst>
-    <dgm:effectClrLst/>
-    <dgm:txLinClrLst/>
-    <dgm:txFillClrLst meth="repeat">
-      <a:schemeClr val="dk1"/>
-    </dgm:txFillClrLst>
-    <dgm:txEffectClrLst/>
-  </dgm:styleLbl>
-  <dgm:styleLbl name="fgAcc2">
-    <dgm:fillClrLst meth="repeat">
-      <a:schemeClr val="lt1">
-        <a:alpha val="90000"/>
-      </a:schemeClr>
-    </dgm:fillClrLst>
-    <dgm:linClrLst meth="repeat">
-      <a:schemeClr val="accent1"/>
-    </dgm:linClrLst>
-    <dgm:effectClrLst/>
-    <dgm:txLinClrLst/>
-    <dgm:txFillClrLst meth="repeat">
-      <a:schemeClr val="dk1"/>
-    </dgm:txFillClrLst>
-    <dgm:txEffectClrLst/>
-  </dgm:styleLbl>
-  <dgm:styleLbl name="fgAcc3">
-    <dgm:fillClrLst meth="repeat">
-      <a:schemeClr val="lt1">
-        <a:alpha val="90000"/>
-      </a:schemeClr>
-    </dgm:fillClrLst>
-    <dgm:linClrLst meth="repeat">
-      <a:schemeClr val="accent1"/>
-    </dgm:linClrLst>
-    <dgm:effectClrLst/>
-    <dgm:txLinClrLst/>
-    <dgm:txFillClrLst meth="repeat">
-      <a:schemeClr val="dk1"/>
-    </dgm:txFillClrLst>
-    <dgm:txEffectClrLst/>
-  </dgm:styleLbl>
-  <dgm:styleLbl name="fgAcc4">
-    <dgm:fillClrLst meth="repeat">
-      <a:schemeClr val="lt1">
-        <a:alpha val="90000"/>
-      </a:schemeClr>
-    </dgm:fillClrLst>
-    <dgm:linClrLst meth="repeat">
-      <a:schemeClr val="accent1"/>
-    </dgm:linClrLst>
-    <dgm:effectClrLst/>
-    <dgm:txLinClrLst/>
-    <dgm:txFillClrLst meth="repeat">
-      <a:schemeClr val="dk1"/>
-    </dgm:txFillClrLst>
-    <dgm:txEffectClrLst/>
-  </dgm:styleLbl>
-  <dgm:styleLbl name="bgShp">
-    <dgm:fillClrLst meth="repeat">
-      <a:schemeClr val="accent1">
-        <a:tint val="40000"/>
-      </a:schemeClr>
-    </dgm:fillClrLst>
-    <dgm:linClrLst meth="repeat">
-      <a:schemeClr val="accent1"/>
-    </dgm:linClrLst>
-    <dgm:effectClrLst/>
-    <dgm:txLinClrLst/>
-    <dgm:txFillClrLst meth="repeat">
-      <a:schemeClr val="dk1"/>
-    </dgm:txFillClrLst>
-    <dgm:txEffectClrLst/>
-  </dgm:styleLbl>
-  <dgm:styleLbl name="dkBgShp">
-    <dgm:fillClrLst meth="repeat">
-      <a:schemeClr val="accent1">
-        <a:shade val="80000"/>
-      </a:schemeClr>
-    </dgm:fillClrLst>
-    <dgm:linClrLst meth="repeat">
-      <a:schemeClr val="accent1"/>
-    </dgm:linClrLst>
-    <dgm:effectClrLst/>
-    <dgm:txLinClrLst/>
-    <dgm:txFillClrLst meth="repeat">
-      <a:schemeClr val="lt1"/>
-    </dgm:txFillClrLst>
-    <dgm:txEffectClrLst/>
-  </dgm:styleLbl>
-  <dgm:styleLbl name="trBgShp">
-    <dgm:fillClrLst meth="repeat">
-      <a:schemeClr val="accent1">
-        <a:tint val="50000"/>
-        <a:alpha val="40000"/>
-      </a:schemeClr>
-    </dgm:fillClrLst>
-    <dgm:linClrLst meth="repeat">
-      <a:schemeClr val="accent1"/>
-    </dgm:linClrLst>
-    <dgm:effectClrLst/>
-    <dgm:txLinClrLst/>
-    <dgm:txFillClrLst meth="repeat">
-      <a:schemeClr val="lt1"/>
-    </dgm:txFillClrLst>
-    <dgm:txEffectClrLst/>
-  </dgm:styleLbl>
-  <dgm:styleLbl name="fgShp">
-    <dgm:fillClrLst meth="repeat">
-      <a:schemeClr val="accent1">
-        <a:tint val="60000"/>
-      </a:schemeClr>
-    </dgm:fillClrLst>
-    <dgm:linClrLst meth="repeat">
-      <a:schemeClr val="lt1"/>
-    </dgm:linClrLst>
-    <dgm:effectClrLst/>
-    <dgm:txLinClrLst/>
-    <dgm:txFillClrLst meth="repeat">
-      <a:schemeClr val="dk1"/>
-    </dgm:txFillClrLst>
-    <dgm:txEffectClrLst/>
-  </dgm:styleLbl>
-  <dgm:styleLbl name="revTx">
-    <dgm:fillClrLst meth="repeat">
-      <a:schemeClr val="lt1">
-        <a:alpha val="0"/>
-      </a:schemeClr>
-    </dgm:fillClrLst>
-    <dgm:linClrLst meth="repeat">
-      <a:schemeClr val="dk1">
-        <a:alpha val="0"/>
-      </a:schemeClr>
-    </dgm:linClrLst>
-    <dgm:effectClrLst/>
-    <dgm:txLinClrLst/>
-    <dgm:txFillClrLst meth="repeat">
-      <a:schemeClr val="tx1"/>
-    </dgm:txFillClrLst>
-    <dgm:txEffectClrLst/>
-  </dgm:styleLbl>
-</dgm:colorsDef>
-</file>
-
-<file path=ppt/diagrams/colors2.xml><?xml version="1.0" encoding="utf-8"?>
 <dgm:colorsDef xmlns:dgm="http://schemas.openxmlformats.org/drawingml/2006/diagram" xmlns:a="http://schemas.openxmlformats.org/drawingml/2006/main" uniqueId="urn:microsoft.com/office/officeart/2005/8/colors/colorful5">
   <dgm:title val=""/>
   <dgm:desc val=""/>
@@ -1659,11 +920,793 @@
 </dgm:colorsDef>
 </file>
 
+<file path=ppt/diagrams/colors2.xml><?xml version="1.0" encoding="utf-8"?>
+<dgm:colorsDef xmlns:dgm="http://schemas.openxmlformats.org/drawingml/2006/diagram" xmlns:a="http://schemas.openxmlformats.org/drawingml/2006/main" uniqueId="urn:microsoft.com/office/officeart/2005/8/colors/colorful5">
+  <dgm:title val=""/>
+  <dgm:desc val=""/>
+  <dgm:catLst>
+    <dgm:cat type="colorful" pri="10500"/>
+  </dgm:catLst>
+  <dgm:styleLbl name="node0">
+    <dgm:fillClrLst meth="repeat">
+      <a:schemeClr val="accent4"/>
+    </dgm:fillClrLst>
+    <dgm:linClrLst meth="repeat">
+      <a:schemeClr val="lt1"/>
+    </dgm:linClrLst>
+    <dgm:effectClrLst/>
+    <dgm:txLinClrLst/>
+    <dgm:txFillClrLst/>
+    <dgm:txEffectClrLst/>
+  </dgm:styleLbl>
+  <dgm:styleLbl name="node1">
+    <dgm:fillClrLst>
+      <a:schemeClr val="accent5"/>
+      <a:schemeClr val="accent6"/>
+    </dgm:fillClrLst>
+    <dgm:linClrLst meth="repeat">
+      <a:schemeClr val="lt1"/>
+    </dgm:linClrLst>
+    <dgm:effectClrLst/>
+    <dgm:txLinClrLst/>
+    <dgm:txFillClrLst/>
+    <dgm:txEffectClrLst/>
+  </dgm:styleLbl>
+  <dgm:styleLbl name="alignNode1">
+    <dgm:fillClrLst>
+      <a:schemeClr val="accent5"/>
+      <a:schemeClr val="accent6"/>
+    </dgm:fillClrLst>
+    <dgm:linClrLst>
+      <a:schemeClr val="accent5"/>
+      <a:schemeClr val="accent6"/>
+    </dgm:linClrLst>
+    <dgm:effectClrLst/>
+    <dgm:txLinClrLst/>
+    <dgm:txFillClrLst/>
+    <dgm:txEffectClrLst/>
+  </dgm:styleLbl>
+  <dgm:styleLbl name="lnNode1">
+    <dgm:fillClrLst>
+      <a:schemeClr val="accent5"/>
+      <a:schemeClr val="accent6"/>
+    </dgm:fillClrLst>
+    <dgm:linClrLst meth="repeat">
+      <a:schemeClr val="lt1"/>
+    </dgm:linClrLst>
+    <dgm:effectClrLst/>
+    <dgm:txLinClrLst/>
+    <dgm:txFillClrLst/>
+    <dgm:txEffectClrLst/>
+  </dgm:styleLbl>
+  <dgm:styleLbl name="vennNode1">
+    <dgm:fillClrLst>
+      <a:schemeClr val="accent5">
+        <a:alpha val="50000"/>
+      </a:schemeClr>
+      <a:schemeClr val="accent6">
+        <a:alpha val="50000"/>
+      </a:schemeClr>
+    </dgm:fillClrLst>
+    <dgm:linClrLst meth="repeat">
+      <a:schemeClr val="lt1"/>
+    </dgm:linClrLst>
+    <dgm:effectClrLst/>
+    <dgm:txLinClrLst/>
+    <dgm:txFillClrLst/>
+    <dgm:txEffectClrLst/>
+  </dgm:styleLbl>
+  <dgm:styleLbl name="node2">
+    <dgm:fillClrLst>
+      <a:schemeClr val="accent6"/>
+    </dgm:fillClrLst>
+    <dgm:linClrLst meth="repeat">
+      <a:schemeClr val="lt1"/>
+    </dgm:linClrLst>
+    <dgm:effectClrLst/>
+    <dgm:txLinClrLst/>
+    <dgm:txFillClrLst/>
+    <dgm:txEffectClrLst/>
+  </dgm:styleLbl>
+  <dgm:styleLbl name="node3">
+    <dgm:fillClrLst>
+      <a:schemeClr val="accent1"/>
+    </dgm:fillClrLst>
+    <dgm:linClrLst meth="repeat">
+      <a:schemeClr val="lt1"/>
+    </dgm:linClrLst>
+    <dgm:effectClrLst/>
+    <dgm:txLinClrLst/>
+    <dgm:txFillClrLst/>
+    <dgm:txEffectClrLst/>
+  </dgm:styleLbl>
+  <dgm:styleLbl name="node4">
+    <dgm:fillClrLst>
+      <a:schemeClr val="accent2"/>
+    </dgm:fillClrLst>
+    <dgm:linClrLst meth="repeat">
+      <a:schemeClr val="lt1"/>
+    </dgm:linClrLst>
+    <dgm:effectClrLst/>
+    <dgm:txLinClrLst/>
+    <dgm:txFillClrLst/>
+    <dgm:txEffectClrLst/>
+  </dgm:styleLbl>
+  <dgm:styleLbl name="fgImgPlace1">
+    <dgm:fillClrLst>
+      <a:schemeClr val="accent5">
+        <a:tint val="50000"/>
+      </a:schemeClr>
+      <a:schemeClr val="accent6">
+        <a:tint val="50000"/>
+      </a:schemeClr>
+    </dgm:fillClrLst>
+    <dgm:linClrLst meth="repeat">
+      <a:schemeClr val="lt1"/>
+    </dgm:linClrLst>
+    <dgm:effectClrLst/>
+    <dgm:txLinClrLst/>
+    <dgm:txFillClrLst meth="repeat">
+      <a:schemeClr val="lt1"/>
+    </dgm:txFillClrLst>
+    <dgm:txEffectClrLst/>
+  </dgm:styleLbl>
+  <dgm:styleLbl name="alignImgPlace1">
+    <dgm:fillClrLst>
+      <a:schemeClr val="accent5">
+        <a:tint val="50000"/>
+      </a:schemeClr>
+      <a:schemeClr val="accent6">
+        <a:tint val="20000"/>
+      </a:schemeClr>
+    </dgm:fillClrLst>
+    <dgm:linClrLst meth="repeat">
+      <a:schemeClr val="lt1"/>
+    </dgm:linClrLst>
+    <dgm:effectClrLst/>
+    <dgm:txLinClrLst/>
+    <dgm:txFillClrLst meth="repeat">
+      <a:schemeClr val="lt1"/>
+    </dgm:txFillClrLst>
+    <dgm:txEffectClrLst/>
+  </dgm:styleLbl>
+  <dgm:styleLbl name="bgImgPlace1">
+    <dgm:fillClrLst>
+      <a:schemeClr val="accent5">
+        <a:tint val="50000"/>
+      </a:schemeClr>
+      <a:schemeClr val="accent6">
+        <a:tint val="20000"/>
+      </a:schemeClr>
+    </dgm:fillClrLst>
+    <dgm:linClrLst meth="repeat">
+      <a:schemeClr val="lt1"/>
+    </dgm:linClrLst>
+    <dgm:effectClrLst/>
+    <dgm:txLinClrLst/>
+    <dgm:txFillClrLst meth="repeat">
+      <a:schemeClr val="lt1"/>
+    </dgm:txFillClrLst>
+    <dgm:txEffectClrLst/>
+  </dgm:styleLbl>
+  <dgm:styleLbl name="sibTrans2D1">
+    <dgm:fillClrLst>
+      <a:schemeClr val="accent5"/>
+      <a:schemeClr val="accent6"/>
+    </dgm:fillClrLst>
+    <dgm:linClrLst meth="repeat">
+      <a:schemeClr val="lt1"/>
+    </dgm:linClrLst>
+    <dgm:effectClrLst/>
+    <dgm:txLinClrLst/>
+    <dgm:txFillClrLst/>
+    <dgm:txEffectClrLst/>
+  </dgm:styleLbl>
+  <dgm:styleLbl name="fgSibTrans2D1">
+    <dgm:fillClrLst>
+      <a:schemeClr val="accent5"/>
+      <a:schemeClr val="accent6"/>
+    </dgm:fillClrLst>
+    <dgm:linClrLst meth="repeat">
+      <a:schemeClr val="lt1"/>
+    </dgm:linClrLst>
+    <dgm:effectClrLst/>
+    <dgm:txLinClrLst/>
+    <dgm:txFillClrLst meth="repeat">
+      <a:schemeClr val="lt1"/>
+    </dgm:txFillClrLst>
+    <dgm:txEffectClrLst/>
+  </dgm:styleLbl>
+  <dgm:styleLbl name="bgSibTrans2D1">
+    <dgm:fillClrLst>
+      <a:schemeClr val="accent5"/>
+      <a:schemeClr val="accent6"/>
+    </dgm:fillClrLst>
+    <dgm:linClrLst meth="repeat">
+      <a:schemeClr val="lt1"/>
+    </dgm:linClrLst>
+    <dgm:effectClrLst/>
+    <dgm:txLinClrLst/>
+    <dgm:txFillClrLst meth="repeat">
+      <a:schemeClr val="lt1"/>
+    </dgm:txFillClrLst>
+    <dgm:txEffectClrLst/>
+  </dgm:styleLbl>
+  <dgm:styleLbl name="sibTrans1D1">
+    <dgm:fillClrLst/>
+    <dgm:linClrLst>
+      <a:schemeClr val="accent5"/>
+      <a:schemeClr val="accent6"/>
+    </dgm:linClrLst>
+    <dgm:effectClrLst/>
+    <dgm:txLinClrLst/>
+    <dgm:txFillClrLst meth="repeat">
+      <a:schemeClr val="tx1"/>
+    </dgm:txFillClrLst>
+    <dgm:txEffectClrLst/>
+  </dgm:styleLbl>
+  <dgm:styleLbl name="callout">
+    <dgm:fillClrLst meth="repeat">
+      <a:schemeClr val="accent5"/>
+    </dgm:fillClrLst>
+    <dgm:linClrLst meth="repeat">
+      <a:schemeClr val="accent5">
+        <a:tint val="50000"/>
+      </a:schemeClr>
+    </dgm:linClrLst>
+    <dgm:effectClrLst/>
+    <dgm:txLinClrLst/>
+    <dgm:txFillClrLst meth="repeat">
+      <a:schemeClr val="tx1"/>
+    </dgm:txFillClrLst>
+    <dgm:txEffectClrLst/>
+  </dgm:styleLbl>
+  <dgm:styleLbl name="asst0">
+    <dgm:fillClrLst meth="repeat">
+      <a:schemeClr val="accent5"/>
+    </dgm:fillClrLst>
+    <dgm:linClrLst meth="repeat">
+      <a:schemeClr val="lt1">
+        <a:shade val="80000"/>
+      </a:schemeClr>
+    </dgm:linClrLst>
+    <dgm:effectClrLst/>
+    <dgm:txLinClrLst/>
+    <dgm:txFillClrLst/>
+    <dgm:txEffectClrLst/>
+  </dgm:styleLbl>
+  <dgm:styleLbl name="asst1">
+    <dgm:fillClrLst meth="repeat">
+      <a:schemeClr val="accent6"/>
+    </dgm:fillClrLst>
+    <dgm:linClrLst meth="repeat">
+      <a:schemeClr val="lt1">
+        <a:shade val="80000"/>
+      </a:schemeClr>
+    </dgm:linClrLst>
+    <dgm:effectClrLst/>
+    <dgm:txLinClrLst/>
+    <dgm:txFillClrLst/>
+    <dgm:txEffectClrLst/>
+  </dgm:styleLbl>
+  <dgm:styleLbl name="asst2">
+    <dgm:fillClrLst>
+      <a:schemeClr val="accent1"/>
+    </dgm:fillClrLst>
+    <dgm:linClrLst meth="repeat">
+      <a:schemeClr val="lt1"/>
+    </dgm:linClrLst>
+    <dgm:effectClrLst/>
+    <dgm:txLinClrLst/>
+    <dgm:txFillClrLst/>
+    <dgm:txEffectClrLst/>
+  </dgm:styleLbl>
+  <dgm:styleLbl name="asst3">
+    <dgm:fillClrLst>
+      <a:schemeClr val="accent2"/>
+    </dgm:fillClrLst>
+    <dgm:linClrLst meth="repeat">
+      <a:schemeClr val="lt1"/>
+    </dgm:linClrLst>
+    <dgm:effectClrLst/>
+    <dgm:txLinClrLst/>
+    <dgm:txFillClrLst/>
+    <dgm:txEffectClrLst/>
+  </dgm:styleLbl>
+  <dgm:styleLbl name="asst4">
+    <dgm:fillClrLst>
+      <a:schemeClr val="accent3"/>
+    </dgm:fillClrLst>
+    <dgm:linClrLst meth="repeat">
+      <a:schemeClr val="lt1"/>
+    </dgm:linClrLst>
+    <dgm:effectClrLst/>
+    <dgm:txLinClrLst/>
+    <dgm:txFillClrLst/>
+    <dgm:txEffectClrLst/>
+  </dgm:styleLbl>
+  <dgm:styleLbl name="parChTrans2D1">
+    <dgm:fillClrLst meth="repeat">
+      <a:schemeClr val="accent5"/>
+    </dgm:fillClrLst>
+    <dgm:linClrLst meth="repeat">
+      <a:schemeClr val="lt1"/>
+    </dgm:linClrLst>
+    <dgm:effectClrLst/>
+    <dgm:txLinClrLst/>
+    <dgm:txFillClrLst meth="repeat">
+      <a:schemeClr val="lt1"/>
+    </dgm:txFillClrLst>
+    <dgm:txEffectClrLst/>
+  </dgm:styleLbl>
+  <dgm:styleLbl name="parChTrans2D2">
+    <dgm:fillClrLst meth="repeat">
+      <a:schemeClr val="accent6"/>
+    </dgm:fillClrLst>
+    <dgm:linClrLst meth="repeat">
+      <a:schemeClr val="lt1"/>
+    </dgm:linClrLst>
+    <dgm:effectClrLst/>
+    <dgm:txLinClrLst/>
+    <dgm:txFillClrLst/>
+    <dgm:txEffectClrLst/>
+  </dgm:styleLbl>
+  <dgm:styleLbl name="parChTrans2D3">
+    <dgm:fillClrLst meth="repeat">
+      <a:schemeClr val="accent6"/>
+    </dgm:fillClrLst>
+    <dgm:linClrLst meth="repeat">
+      <a:schemeClr val="lt1"/>
+    </dgm:linClrLst>
+    <dgm:effectClrLst/>
+    <dgm:txLinClrLst/>
+    <dgm:txFillClrLst/>
+    <dgm:txEffectClrLst/>
+  </dgm:styleLbl>
+  <dgm:styleLbl name="parChTrans2D4">
+    <dgm:fillClrLst meth="repeat">
+      <a:schemeClr val="accent1"/>
+    </dgm:fillClrLst>
+    <dgm:linClrLst meth="repeat">
+      <a:schemeClr val="lt1"/>
+    </dgm:linClrLst>
+    <dgm:effectClrLst/>
+    <dgm:txLinClrLst/>
+    <dgm:txFillClrLst meth="repeat">
+      <a:schemeClr val="lt1"/>
+    </dgm:txFillClrLst>
+    <dgm:txEffectClrLst/>
+  </dgm:styleLbl>
+  <dgm:styleLbl name="parChTrans1D1">
+    <dgm:fillClrLst meth="repeat">
+      <a:schemeClr val="accent5"/>
+    </dgm:fillClrLst>
+    <dgm:linClrLst meth="repeat">
+      <a:schemeClr val="accent5"/>
+    </dgm:linClrLst>
+    <dgm:effectClrLst/>
+    <dgm:txLinClrLst/>
+    <dgm:txFillClrLst meth="repeat">
+      <a:schemeClr val="tx1"/>
+    </dgm:txFillClrLst>
+    <dgm:txEffectClrLst/>
+  </dgm:styleLbl>
+  <dgm:styleLbl name="parChTrans1D2">
+    <dgm:fillClrLst meth="repeat">
+      <a:schemeClr val="accent6">
+        <a:tint val="90000"/>
+      </a:schemeClr>
+    </dgm:fillClrLst>
+    <dgm:linClrLst meth="repeat">
+      <a:schemeClr val="accent6"/>
+    </dgm:linClrLst>
+    <dgm:effectClrLst/>
+    <dgm:txLinClrLst/>
+    <dgm:txFillClrLst meth="repeat">
+      <a:schemeClr val="tx1"/>
+    </dgm:txFillClrLst>
+    <dgm:txEffectClrLst/>
+  </dgm:styleLbl>
+  <dgm:styleLbl name="parChTrans1D3">
+    <dgm:fillClrLst meth="repeat">
+      <a:schemeClr val="accent6">
+        <a:tint val="70000"/>
+      </a:schemeClr>
+    </dgm:fillClrLst>
+    <dgm:linClrLst meth="repeat">
+      <a:schemeClr val="accent1"/>
+    </dgm:linClrLst>
+    <dgm:effectClrLst/>
+    <dgm:txLinClrLst/>
+    <dgm:txFillClrLst meth="repeat">
+      <a:schemeClr val="tx1"/>
+    </dgm:txFillClrLst>
+    <dgm:txEffectClrLst/>
+  </dgm:styleLbl>
+  <dgm:styleLbl name="parChTrans1D4">
+    <dgm:fillClrLst meth="repeat">
+      <a:schemeClr val="accent6">
+        <a:tint val="50000"/>
+      </a:schemeClr>
+    </dgm:fillClrLst>
+    <dgm:linClrLst meth="repeat">
+      <a:schemeClr val="accent2"/>
+    </dgm:linClrLst>
+    <dgm:effectClrLst/>
+    <dgm:txLinClrLst/>
+    <dgm:txFillClrLst meth="repeat">
+      <a:schemeClr val="tx1"/>
+    </dgm:txFillClrLst>
+    <dgm:txEffectClrLst/>
+  </dgm:styleLbl>
+  <dgm:styleLbl name="fgAcc1">
+    <dgm:fillClrLst meth="repeat">
+      <a:schemeClr val="lt1">
+        <a:alpha val="90000"/>
+      </a:schemeClr>
+    </dgm:fillClrLst>
+    <dgm:linClrLst>
+      <a:schemeClr val="accent5"/>
+      <a:schemeClr val="accent6"/>
+    </dgm:linClrLst>
+    <dgm:effectClrLst/>
+    <dgm:txLinClrLst/>
+    <dgm:txFillClrLst meth="repeat">
+      <a:schemeClr val="dk1"/>
+    </dgm:txFillClrLst>
+    <dgm:txEffectClrLst/>
+  </dgm:styleLbl>
+  <dgm:styleLbl name="conFgAcc1">
+    <dgm:fillClrLst meth="repeat">
+      <a:schemeClr val="lt1">
+        <a:alpha val="90000"/>
+      </a:schemeClr>
+    </dgm:fillClrLst>
+    <dgm:linClrLst>
+      <a:schemeClr val="accent5"/>
+      <a:schemeClr val="accent6"/>
+    </dgm:linClrLst>
+    <dgm:effectClrLst/>
+    <dgm:txLinClrLst/>
+    <dgm:txFillClrLst meth="repeat">
+      <a:schemeClr val="dk1"/>
+    </dgm:txFillClrLst>
+    <dgm:txEffectClrLst/>
+  </dgm:styleLbl>
+  <dgm:styleLbl name="alignAcc1">
+    <dgm:fillClrLst meth="repeat">
+      <a:schemeClr val="lt1">
+        <a:alpha val="90000"/>
+      </a:schemeClr>
+    </dgm:fillClrLst>
+    <dgm:linClrLst>
+      <a:schemeClr val="accent5"/>
+      <a:schemeClr val="accent6"/>
+    </dgm:linClrLst>
+    <dgm:effectClrLst/>
+    <dgm:txLinClrLst/>
+    <dgm:txFillClrLst meth="repeat">
+      <a:schemeClr val="dk1"/>
+    </dgm:txFillClrLst>
+    <dgm:txEffectClrLst/>
+  </dgm:styleLbl>
+  <dgm:styleLbl name="trAlignAcc1">
+    <dgm:fillClrLst meth="repeat">
+      <a:schemeClr val="lt1">
+        <a:alpha val="40000"/>
+      </a:schemeClr>
+    </dgm:fillClrLst>
+    <dgm:linClrLst meth="repeat">
+      <a:schemeClr val="accent5"/>
+    </dgm:linClrLst>
+    <dgm:effectClrLst/>
+    <dgm:txLinClrLst/>
+    <dgm:txFillClrLst meth="repeat">
+      <a:schemeClr val="dk1"/>
+    </dgm:txFillClrLst>
+    <dgm:txEffectClrLst/>
+  </dgm:styleLbl>
+  <dgm:styleLbl name="bgAcc1">
+    <dgm:fillClrLst meth="repeat">
+      <a:schemeClr val="lt1">
+        <a:alpha val="90000"/>
+      </a:schemeClr>
+    </dgm:fillClrLst>
+    <dgm:linClrLst>
+      <a:schemeClr val="accent5"/>
+      <a:schemeClr val="accent6"/>
+    </dgm:linClrLst>
+    <dgm:effectClrLst/>
+    <dgm:txLinClrLst/>
+    <dgm:txFillClrLst meth="repeat">
+      <a:schemeClr val="dk1"/>
+    </dgm:txFillClrLst>
+    <dgm:txEffectClrLst/>
+  </dgm:styleLbl>
+  <dgm:styleLbl name="solidFgAcc1">
+    <dgm:fillClrLst meth="repeat">
+      <a:schemeClr val="lt1"/>
+    </dgm:fillClrLst>
+    <dgm:linClrLst>
+      <a:schemeClr val="accent5"/>
+      <a:schemeClr val="accent6"/>
+    </dgm:linClrLst>
+    <dgm:effectClrLst/>
+    <dgm:txLinClrLst/>
+    <dgm:txFillClrLst meth="repeat">
+      <a:schemeClr val="dk1"/>
+    </dgm:txFillClrLst>
+    <dgm:txEffectClrLst/>
+  </dgm:styleLbl>
+  <dgm:styleLbl name="solidAlignAcc1">
+    <dgm:fillClrLst meth="repeat">
+      <a:schemeClr val="lt1"/>
+    </dgm:fillClrLst>
+    <dgm:linClrLst>
+      <a:schemeClr val="accent5"/>
+      <a:schemeClr val="accent6"/>
+    </dgm:linClrLst>
+    <dgm:effectClrLst/>
+    <dgm:txLinClrLst/>
+    <dgm:txFillClrLst meth="repeat">
+      <a:schemeClr val="dk1"/>
+    </dgm:txFillClrLst>
+    <dgm:txEffectClrLst/>
+  </dgm:styleLbl>
+  <dgm:styleLbl name="solidBgAcc1">
+    <dgm:fillClrLst meth="repeat">
+      <a:schemeClr val="lt1"/>
+    </dgm:fillClrLst>
+    <dgm:linClrLst>
+      <a:schemeClr val="accent5"/>
+      <a:schemeClr val="accent6"/>
+    </dgm:linClrLst>
+    <dgm:effectClrLst/>
+    <dgm:txLinClrLst/>
+    <dgm:txFillClrLst meth="repeat">
+      <a:schemeClr val="dk1"/>
+    </dgm:txFillClrLst>
+    <dgm:txEffectClrLst/>
+  </dgm:styleLbl>
+  <dgm:styleLbl name="fgAccFollowNode1">
+    <dgm:fillClrLst>
+      <a:schemeClr val="accent5">
+        <a:tint val="40000"/>
+        <a:alpha val="90000"/>
+      </a:schemeClr>
+      <a:schemeClr val="accent6">
+        <a:tint val="40000"/>
+        <a:alpha val="90000"/>
+      </a:schemeClr>
+    </dgm:fillClrLst>
+    <dgm:linClrLst>
+      <a:schemeClr val="accent5">
+        <a:tint val="40000"/>
+        <a:alpha val="90000"/>
+      </a:schemeClr>
+      <a:schemeClr val="accent5">
+        <a:tint val="40000"/>
+        <a:alpha val="90000"/>
+      </a:schemeClr>
+    </dgm:linClrLst>
+    <dgm:effectClrLst/>
+    <dgm:txLinClrLst/>
+    <dgm:txFillClrLst meth="repeat">
+      <a:schemeClr val="dk1"/>
+    </dgm:txFillClrLst>
+    <dgm:txEffectClrLst/>
+  </dgm:styleLbl>
+  <dgm:styleLbl name="alignAccFollowNode1">
+    <dgm:fillClrLst>
+      <a:schemeClr val="accent5">
+        <a:tint val="40000"/>
+        <a:alpha val="90000"/>
+      </a:schemeClr>
+      <a:schemeClr val="accent6">
+        <a:tint val="40000"/>
+        <a:alpha val="90000"/>
+      </a:schemeClr>
+    </dgm:fillClrLst>
+    <dgm:linClrLst>
+      <a:schemeClr val="accent5">
+        <a:tint val="40000"/>
+        <a:alpha val="90000"/>
+      </a:schemeClr>
+      <a:schemeClr val="accent6">
+        <a:tint val="40000"/>
+        <a:alpha val="90000"/>
+      </a:schemeClr>
+    </dgm:linClrLst>
+    <dgm:effectClrLst/>
+    <dgm:txLinClrLst/>
+    <dgm:txFillClrLst meth="repeat">
+      <a:schemeClr val="dk1"/>
+    </dgm:txFillClrLst>
+    <dgm:txEffectClrLst/>
+  </dgm:styleLbl>
+  <dgm:styleLbl name="bgAccFollowNode1">
+    <dgm:fillClrLst>
+      <a:schemeClr val="accent5">
+        <a:tint val="40000"/>
+        <a:alpha val="90000"/>
+      </a:schemeClr>
+      <a:schemeClr val="accent6">
+        <a:tint val="40000"/>
+        <a:alpha val="90000"/>
+      </a:schemeClr>
+    </dgm:fillClrLst>
+    <dgm:linClrLst>
+      <a:schemeClr val="accent5">
+        <a:tint val="40000"/>
+        <a:alpha val="90000"/>
+      </a:schemeClr>
+      <a:schemeClr val="accent6">
+        <a:tint val="40000"/>
+        <a:alpha val="90000"/>
+      </a:schemeClr>
+    </dgm:linClrLst>
+    <dgm:effectClrLst/>
+    <dgm:txLinClrLst/>
+    <dgm:txFillClrLst meth="repeat">
+      <a:schemeClr val="dk1"/>
+    </dgm:txFillClrLst>
+    <dgm:txEffectClrLst/>
+  </dgm:styleLbl>
+  <dgm:styleLbl name="fgAcc0">
+    <dgm:fillClrLst meth="repeat">
+      <a:schemeClr val="lt1">
+        <a:alpha val="90000"/>
+      </a:schemeClr>
+    </dgm:fillClrLst>
+    <dgm:linClrLst>
+      <a:schemeClr val="accent4"/>
+    </dgm:linClrLst>
+    <dgm:effectClrLst/>
+    <dgm:txLinClrLst/>
+    <dgm:txFillClrLst meth="repeat">
+      <a:schemeClr val="dk1"/>
+    </dgm:txFillClrLst>
+    <dgm:txEffectClrLst/>
+  </dgm:styleLbl>
+  <dgm:styleLbl name="fgAcc2">
+    <dgm:fillClrLst meth="repeat">
+      <a:schemeClr val="lt1">
+        <a:alpha val="90000"/>
+      </a:schemeClr>
+    </dgm:fillClrLst>
+    <dgm:linClrLst>
+      <a:schemeClr val="accent6"/>
+    </dgm:linClrLst>
+    <dgm:effectClrLst/>
+    <dgm:txLinClrLst/>
+    <dgm:txFillClrLst meth="repeat">
+      <a:schemeClr val="dk1"/>
+    </dgm:txFillClrLst>
+    <dgm:txEffectClrLst/>
+  </dgm:styleLbl>
+  <dgm:styleLbl name="fgAcc3">
+    <dgm:fillClrLst meth="repeat">
+      <a:schemeClr val="lt1">
+        <a:alpha val="90000"/>
+      </a:schemeClr>
+    </dgm:fillClrLst>
+    <dgm:linClrLst>
+      <a:schemeClr val="accent1"/>
+    </dgm:linClrLst>
+    <dgm:effectClrLst/>
+    <dgm:txLinClrLst/>
+    <dgm:txFillClrLst meth="repeat">
+      <a:schemeClr val="dk1"/>
+    </dgm:txFillClrLst>
+    <dgm:txEffectClrLst/>
+  </dgm:styleLbl>
+  <dgm:styleLbl name="fgAcc4">
+    <dgm:fillClrLst meth="repeat">
+      <a:schemeClr val="lt1">
+        <a:alpha val="90000"/>
+      </a:schemeClr>
+    </dgm:fillClrLst>
+    <dgm:linClrLst>
+      <a:schemeClr val="accent2"/>
+    </dgm:linClrLst>
+    <dgm:effectClrLst/>
+    <dgm:txLinClrLst/>
+    <dgm:txFillClrLst meth="repeat">
+      <a:schemeClr val="dk1"/>
+    </dgm:txFillClrLst>
+    <dgm:txEffectClrLst/>
+  </dgm:styleLbl>
+  <dgm:styleLbl name="bgShp">
+    <dgm:fillClrLst meth="repeat">
+      <a:schemeClr val="accent5">
+        <a:tint val="40000"/>
+      </a:schemeClr>
+    </dgm:fillClrLst>
+    <dgm:linClrLst meth="repeat">
+      <a:schemeClr val="dk1"/>
+    </dgm:linClrLst>
+    <dgm:effectClrLst/>
+    <dgm:txLinClrLst/>
+    <dgm:txFillClrLst meth="repeat">
+      <a:schemeClr val="dk1"/>
+    </dgm:txFillClrLst>
+    <dgm:txEffectClrLst/>
+  </dgm:styleLbl>
+  <dgm:styleLbl name="dkBgShp">
+    <dgm:fillClrLst meth="repeat">
+      <a:schemeClr val="accent5">
+        <a:shade val="90000"/>
+      </a:schemeClr>
+    </dgm:fillClrLst>
+    <dgm:linClrLst meth="repeat">
+      <a:schemeClr val="dk1"/>
+    </dgm:linClrLst>
+    <dgm:effectClrLst/>
+    <dgm:txLinClrLst/>
+    <dgm:txFillClrLst meth="repeat">
+      <a:schemeClr val="lt1"/>
+    </dgm:txFillClrLst>
+    <dgm:txEffectClrLst/>
+  </dgm:styleLbl>
+  <dgm:styleLbl name="trBgShp">
+    <dgm:fillClrLst meth="repeat">
+      <a:schemeClr val="accent5">
+        <a:tint val="50000"/>
+        <a:alpha val="40000"/>
+      </a:schemeClr>
+    </dgm:fillClrLst>
+    <dgm:linClrLst meth="repeat">
+      <a:schemeClr val="accent5"/>
+    </dgm:linClrLst>
+    <dgm:effectClrLst/>
+    <dgm:txLinClrLst/>
+    <dgm:txFillClrLst meth="repeat">
+      <a:schemeClr val="lt1"/>
+    </dgm:txFillClrLst>
+    <dgm:txEffectClrLst/>
+  </dgm:styleLbl>
+  <dgm:styleLbl name="fgShp">
+    <dgm:fillClrLst meth="repeat">
+      <a:schemeClr val="accent5">
+        <a:tint val="40000"/>
+      </a:schemeClr>
+    </dgm:fillClrLst>
+    <dgm:linClrLst meth="repeat">
+      <a:schemeClr val="lt1"/>
+    </dgm:linClrLst>
+    <dgm:effectClrLst/>
+    <dgm:txLinClrLst/>
+    <dgm:txFillClrLst meth="repeat">
+      <a:schemeClr val="dk1"/>
+    </dgm:txFillClrLst>
+    <dgm:txEffectClrLst/>
+  </dgm:styleLbl>
+  <dgm:styleLbl name="revTx">
+    <dgm:fillClrLst meth="repeat">
+      <a:schemeClr val="lt1">
+        <a:alpha val="0"/>
+      </a:schemeClr>
+    </dgm:fillClrLst>
+    <dgm:linClrLst meth="repeat">
+      <a:schemeClr val="dk1">
+        <a:alpha val="0"/>
+      </a:schemeClr>
+    </dgm:linClrLst>
+    <dgm:effectClrLst/>
+    <dgm:txLinClrLst/>
+    <dgm:txFillClrLst meth="repeat">
+      <a:schemeClr val="tx1"/>
+    </dgm:txFillClrLst>
+    <dgm:txEffectClrLst/>
+  </dgm:styleLbl>
+</dgm:colorsDef>
+</file>
+
 <file path=ppt/diagrams/data1.xml><?xml version="1.0" encoding="utf-8"?>
 <dgm:dataModel xmlns:dgm="http://schemas.openxmlformats.org/drawingml/2006/diagram" xmlns:a="http://schemas.openxmlformats.org/drawingml/2006/main">
   <dgm:ptLst>
     <dgm:pt modelId="{05E4DC53-B0BF-461D-8A35-E4A603E30553}" type="doc">
-      <dgm:prSet loTypeId="urn:microsoft.com/office/officeart/2005/8/layout/list1" loCatId="list" qsTypeId="urn:microsoft.com/office/officeart/2005/8/quickstyle/simple1" qsCatId="simple" csTypeId="urn:microsoft.com/office/officeart/2005/8/colors/accent1_2" csCatId="accent1"/>
+      <dgm:prSet loTypeId="urn:microsoft.com/office/officeart/2005/8/layout/list1" loCatId="list" qsTypeId="urn:microsoft.com/office/officeart/2005/8/quickstyle/simple1" qsCatId="simple" csTypeId="urn:microsoft.com/office/officeart/2005/8/colors/colorful5" csCatId="colorful"/>
       <dgm:spPr/>
       <dgm:t>
         <a:bodyPr/>
@@ -2123,7 +2166,7 @@
         </a:p>
       </dgm:t>
     </dgm:pt>
-    <dgm:pt modelId="{C9BE317A-691C-4BDD-8FFE-C800B949BCED}" type="pres">
+    <dgm:pt modelId="{33B0EE5A-CC11-4410-A9F8-3BDB44C73811}" type="pres">
       <dgm:prSet presAssocID="{05E4DC53-B0BF-461D-8A35-E4A603E30553}" presName="linear" presStyleCnt="0">
         <dgm:presLayoutVars>
           <dgm:dir/>
@@ -2133,15 +2176,15 @@
       </dgm:prSet>
       <dgm:spPr/>
     </dgm:pt>
-    <dgm:pt modelId="{98C4ACC3-9390-4259-8AFF-615B418EDE67}" type="pres">
+    <dgm:pt modelId="{9C8C4178-5AD7-4E4A-876B-059BDC8671B6}" type="pres">
       <dgm:prSet presAssocID="{3129785A-055C-466E-A451-3CBFF089D14D}" presName="parentLin" presStyleCnt="0"/>
       <dgm:spPr/>
     </dgm:pt>
-    <dgm:pt modelId="{E92459B6-A571-40B8-93A0-DF57032A167B}" type="pres">
+    <dgm:pt modelId="{071921A6-4EE1-4A44-B46D-5DADEC7CD16F}" type="pres">
       <dgm:prSet presAssocID="{3129785A-055C-466E-A451-3CBFF089D14D}" presName="parentLeftMargin" presStyleLbl="node1" presStyleIdx="0" presStyleCnt="4"/>
       <dgm:spPr/>
     </dgm:pt>
-    <dgm:pt modelId="{3D256087-567C-4291-8EEB-8965F6AB30AE}" type="pres">
+    <dgm:pt modelId="{738FA29A-2A89-4C1C-BED0-040CEF4749E4}" type="pres">
       <dgm:prSet presAssocID="{3129785A-055C-466E-A451-3CBFF089D14D}" presName="parentText" presStyleLbl="node1" presStyleIdx="0" presStyleCnt="4">
         <dgm:presLayoutVars>
           <dgm:chMax val="0"/>
@@ -2150,11 +2193,11 @@
       </dgm:prSet>
       <dgm:spPr/>
     </dgm:pt>
-    <dgm:pt modelId="{97AF02FC-4FC1-46B2-B4DD-E577A437957B}" type="pres">
+    <dgm:pt modelId="{BE8915C6-19C4-4868-BA55-8C2C9160F438}" type="pres">
       <dgm:prSet presAssocID="{3129785A-055C-466E-A451-3CBFF089D14D}" presName="negativeSpace" presStyleCnt="0"/>
       <dgm:spPr/>
     </dgm:pt>
-    <dgm:pt modelId="{25DCDB5E-FB3F-4B1E-9D78-839BEA442CA5}" type="pres">
+    <dgm:pt modelId="{E182BB1A-CE4A-4676-8B32-886E890C4C76}" type="pres">
       <dgm:prSet presAssocID="{3129785A-055C-466E-A451-3CBFF089D14D}" presName="childText" presStyleLbl="conFgAcc1" presStyleIdx="0" presStyleCnt="4">
         <dgm:presLayoutVars>
           <dgm:bulletEnabled val="1"/>
@@ -2162,19 +2205,19 @@
       </dgm:prSet>
       <dgm:spPr/>
     </dgm:pt>
-    <dgm:pt modelId="{4B2ACBB8-1752-4666-ADB7-C0A89E17F036}" type="pres">
+    <dgm:pt modelId="{F707F3EE-DA9E-4247-961D-69D5CBADCCB0}" type="pres">
       <dgm:prSet presAssocID="{E70751D5-4E04-4599-B8B8-ECC4DA6CDF20}" presName="spaceBetweenRectangles" presStyleCnt="0"/>
       <dgm:spPr/>
     </dgm:pt>
-    <dgm:pt modelId="{BE492AC9-97EC-4AD3-8387-B02F6E349BBA}" type="pres">
+    <dgm:pt modelId="{8C01CA8D-DD73-49EE-A305-4FE951F976D6}" type="pres">
       <dgm:prSet presAssocID="{BF00333B-F455-4136-8EBF-36DFD1B9CEB7}" presName="parentLin" presStyleCnt="0"/>
       <dgm:spPr/>
     </dgm:pt>
-    <dgm:pt modelId="{FE055018-1DBF-403B-9CFB-315C4859A413}" type="pres">
+    <dgm:pt modelId="{899790E9-82F2-48EA-A83D-2AFBA667A0AB}" type="pres">
       <dgm:prSet presAssocID="{BF00333B-F455-4136-8EBF-36DFD1B9CEB7}" presName="parentLeftMargin" presStyleLbl="node1" presStyleIdx="0" presStyleCnt="4"/>
       <dgm:spPr/>
     </dgm:pt>
-    <dgm:pt modelId="{687F63AD-066F-4A0A-A2C8-8F9578CC7030}" type="pres">
+    <dgm:pt modelId="{45C30957-11C6-4B89-BFC3-523FE514E19C}" type="pres">
       <dgm:prSet presAssocID="{BF00333B-F455-4136-8EBF-36DFD1B9CEB7}" presName="parentText" presStyleLbl="node1" presStyleIdx="1" presStyleCnt="4">
         <dgm:presLayoutVars>
           <dgm:chMax val="0"/>
@@ -2183,11 +2226,11 @@
       </dgm:prSet>
       <dgm:spPr/>
     </dgm:pt>
-    <dgm:pt modelId="{9BB28519-1420-489B-B30B-EA3F3DB398C6}" type="pres">
+    <dgm:pt modelId="{24005ABB-AEA1-49CD-BA73-8E0973019D82}" type="pres">
       <dgm:prSet presAssocID="{BF00333B-F455-4136-8EBF-36DFD1B9CEB7}" presName="negativeSpace" presStyleCnt="0"/>
       <dgm:spPr/>
     </dgm:pt>
-    <dgm:pt modelId="{5E406F99-F0EC-4FC0-96C7-A3A1B1D8F9A7}" type="pres">
+    <dgm:pt modelId="{E6E10CF4-9530-45FE-9F55-70D1163641E1}" type="pres">
       <dgm:prSet presAssocID="{BF00333B-F455-4136-8EBF-36DFD1B9CEB7}" presName="childText" presStyleLbl="conFgAcc1" presStyleIdx="1" presStyleCnt="4">
         <dgm:presLayoutVars>
           <dgm:bulletEnabled val="1"/>
@@ -2195,19 +2238,19 @@
       </dgm:prSet>
       <dgm:spPr/>
     </dgm:pt>
-    <dgm:pt modelId="{C5ACCEB8-2FA8-4489-92C2-FAA7705E6D6F}" type="pres">
+    <dgm:pt modelId="{25B9FA0F-3CD9-4BE9-8D06-A385906DC123}" type="pres">
       <dgm:prSet presAssocID="{2E1B5A03-413A-40A2-BB7D-44F10F067453}" presName="spaceBetweenRectangles" presStyleCnt="0"/>
       <dgm:spPr/>
     </dgm:pt>
-    <dgm:pt modelId="{E9123947-CF71-4B3D-BEDC-7E9249A615FC}" type="pres">
+    <dgm:pt modelId="{4D338C21-566F-4903-9E87-20C7F60AC1EF}" type="pres">
       <dgm:prSet presAssocID="{35EDC5D9-AB6E-4909-8FE0-7618B2DA10D2}" presName="parentLin" presStyleCnt="0"/>
       <dgm:spPr/>
     </dgm:pt>
-    <dgm:pt modelId="{B843CFFF-B29E-42BB-9B81-F093030AC79B}" type="pres">
+    <dgm:pt modelId="{58B21368-39B9-4210-9318-CBCE3F725175}" type="pres">
       <dgm:prSet presAssocID="{35EDC5D9-AB6E-4909-8FE0-7618B2DA10D2}" presName="parentLeftMargin" presStyleLbl="node1" presStyleIdx="1" presStyleCnt="4"/>
       <dgm:spPr/>
     </dgm:pt>
-    <dgm:pt modelId="{1CF89C5C-AE5F-40A7-BE74-9DEC72FB5476}" type="pres">
+    <dgm:pt modelId="{D586E7A5-E9FC-499C-93AF-EE6754118DAF}" type="pres">
       <dgm:prSet presAssocID="{35EDC5D9-AB6E-4909-8FE0-7618B2DA10D2}" presName="parentText" presStyleLbl="node1" presStyleIdx="2" presStyleCnt="4">
         <dgm:presLayoutVars>
           <dgm:chMax val="0"/>
@@ -2216,11 +2259,11 @@
       </dgm:prSet>
       <dgm:spPr/>
     </dgm:pt>
-    <dgm:pt modelId="{A4BD9B1B-C10B-4BDD-82F6-931C31769EE0}" type="pres">
+    <dgm:pt modelId="{F3BCABA9-5C5F-4745-9FC2-FC8B5BC45B25}" type="pres">
       <dgm:prSet presAssocID="{35EDC5D9-AB6E-4909-8FE0-7618B2DA10D2}" presName="negativeSpace" presStyleCnt="0"/>
       <dgm:spPr/>
     </dgm:pt>
-    <dgm:pt modelId="{6649E9DF-AC4E-4734-99AA-206FAEEAB02F}" type="pres">
+    <dgm:pt modelId="{EC703CCC-9026-4C80-8F5B-7CEF10E5D5EB}" type="pres">
       <dgm:prSet presAssocID="{35EDC5D9-AB6E-4909-8FE0-7618B2DA10D2}" presName="childText" presStyleLbl="conFgAcc1" presStyleIdx="2" presStyleCnt="4">
         <dgm:presLayoutVars>
           <dgm:bulletEnabled val="1"/>
@@ -2228,19 +2271,19 @@
       </dgm:prSet>
       <dgm:spPr/>
     </dgm:pt>
-    <dgm:pt modelId="{A030D1A1-C1D6-498B-BD0F-036548720FD5}" type="pres">
+    <dgm:pt modelId="{3AAAF91D-676F-42A9-BFA9-18C0E38F083C}" type="pres">
       <dgm:prSet presAssocID="{623C82ED-3367-4056-A3C1-E6BDA3D90B84}" presName="spaceBetweenRectangles" presStyleCnt="0"/>
       <dgm:spPr/>
     </dgm:pt>
-    <dgm:pt modelId="{1CE83150-78B2-4B80-9567-031F4906943C}" type="pres">
+    <dgm:pt modelId="{37450A47-7848-4563-B996-B1913286BD7B}" type="pres">
       <dgm:prSet presAssocID="{348D6E4D-633E-4004-9474-9333E3DF16E5}" presName="parentLin" presStyleCnt="0"/>
       <dgm:spPr/>
     </dgm:pt>
-    <dgm:pt modelId="{FE9631E4-8420-4917-BE2F-DD84801BD8F9}" type="pres">
+    <dgm:pt modelId="{F33F10FB-52F2-434E-ACAF-EF8E1C39D2E5}" type="pres">
       <dgm:prSet presAssocID="{348D6E4D-633E-4004-9474-9333E3DF16E5}" presName="parentLeftMargin" presStyleLbl="node1" presStyleIdx="2" presStyleCnt="4"/>
       <dgm:spPr/>
     </dgm:pt>
-    <dgm:pt modelId="{2C908412-30B7-4D09-898F-D245AEE349ED}" type="pres">
+    <dgm:pt modelId="{BB29BFA2-9421-40F7-9E29-2A4C92D506D1}" type="pres">
       <dgm:prSet presAssocID="{348D6E4D-633E-4004-9474-9333E3DF16E5}" presName="parentText" presStyleLbl="node1" presStyleIdx="3" presStyleCnt="4">
         <dgm:presLayoutVars>
           <dgm:chMax val="0"/>
@@ -2249,11 +2292,11 @@
       </dgm:prSet>
       <dgm:spPr/>
     </dgm:pt>
-    <dgm:pt modelId="{FD93C275-3457-4D52-AC6B-3C93431E6DFA}" type="pres">
+    <dgm:pt modelId="{0513C26E-8A2A-44EE-93A1-5531D9F7A3FB}" type="pres">
       <dgm:prSet presAssocID="{348D6E4D-633E-4004-9474-9333E3DF16E5}" presName="negativeSpace" presStyleCnt="0"/>
       <dgm:spPr/>
     </dgm:pt>
-    <dgm:pt modelId="{A58DD28B-5091-4D40-8978-B7739F3E68C1}" type="pres">
+    <dgm:pt modelId="{7C524191-0762-4B3F-9799-58DF225262CB}" type="pres">
       <dgm:prSet presAssocID="{348D6E4D-633E-4004-9474-9333E3DF16E5}" presName="childText" presStyleLbl="conFgAcc1" presStyleIdx="3" presStyleCnt="4">
         <dgm:presLayoutVars>
           <dgm:bulletEnabled val="1"/>
@@ -2263,56 +2306,56 @@
     </dgm:pt>
   </dgm:ptLst>
   <dgm:cxnLst>
-    <dgm:cxn modelId="{DC6DCB05-C7C6-48B3-BA19-1B13E2AECE7A}" type="presOf" srcId="{661C0521-9303-423C-86D6-2CFD390A4FBB}" destId="{A58DD28B-5091-4D40-8978-B7739F3E68C1}" srcOrd="0" destOrd="0" presId="urn:microsoft.com/office/officeart/2005/8/layout/list1"/>
-    <dgm:cxn modelId="{2C587119-E211-40B9-8B24-671E82DAA48F}" type="presOf" srcId="{3129785A-055C-466E-A451-3CBFF089D14D}" destId="{E92459B6-A571-40B8-93A0-DF57032A167B}" srcOrd="0" destOrd="0" presId="urn:microsoft.com/office/officeart/2005/8/layout/list1"/>
-    <dgm:cxn modelId="{595D2A1F-E1B4-41E8-97D9-099D93892926}" type="presOf" srcId="{05E4DC53-B0BF-461D-8A35-E4A603E30553}" destId="{C9BE317A-691C-4BDD-8FFE-C800B949BCED}" srcOrd="0" destOrd="0" presId="urn:microsoft.com/office/officeart/2005/8/layout/list1"/>
-    <dgm:cxn modelId="{166D7C1F-E068-422D-97BB-EE5761BCFBF8}" type="presOf" srcId="{35EDC5D9-AB6E-4909-8FE0-7618B2DA10D2}" destId="{B843CFFF-B29E-42BB-9B81-F093030AC79B}" srcOrd="0" destOrd="0" presId="urn:microsoft.com/office/officeart/2005/8/layout/list1"/>
     <dgm:cxn modelId="{5EA54F20-9533-445F-8F70-2C5DEF1D0BE5}" srcId="{3129785A-055C-466E-A451-3CBFF089D14D}" destId="{A2BC1BBF-9CEE-48C2-81D1-56B6748DE9D0}" srcOrd="0" destOrd="0" parTransId="{CE76F5C9-4470-4C4E-A226-FCDA01A575B6}" sibTransId="{EF06CD6F-06B6-47F9-9D44-2944ABE8FEB8}"/>
-    <dgm:cxn modelId="{B5DD2227-CF20-4CFB-AD37-949DB0084322}" type="presOf" srcId="{C6614079-6F2D-4684-A0E7-57AB3D14EFBE}" destId="{5E406F99-F0EC-4FC0-96C7-A3A1B1D8F9A7}" srcOrd="0" destOrd="0" presId="urn:microsoft.com/office/officeart/2005/8/layout/list1"/>
-    <dgm:cxn modelId="{FD2DD828-0B87-4033-BC5F-98D862300D66}" type="presOf" srcId="{5591D4F4-5E5D-409C-88AA-1E06A2031FA1}" destId="{6649E9DF-AC4E-4734-99AA-206FAEEAB02F}" srcOrd="0" destOrd="0" presId="urn:microsoft.com/office/officeart/2005/8/layout/list1"/>
+    <dgm:cxn modelId="{F0398C20-1EA4-451D-A77E-0EA038AC063C}" type="presOf" srcId="{05E4DC53-B0BF-461D-8A35-E4A603E30553}" destId="{33B0EE5A-CC11-4410-A9F8-3BDB44C73811}" srcOrd="0" destOrd="0" presId="urn:microsoft.com/office/officeart/2005/8/layout/list1"/>
+    <dgm:cxn modelId="{FA7BDA26-F8F6-41EA-A741-3741DBC39411}" type="presOf" srcId="{BF00333B-F455-4136-8EBF-36DFD1B9CEB7}" destId="{899790E9-82F2-48EA-A83D-2AFBA667A0AB}" srcOrd="0" destOrd="0" presId="urn:microsoft.com/office/officeart/2005/8/layout/list1"/>
     <dgm:cxn modelId="{DC98452B-CBFC-479A-803D-917D115F3E8A}" srcId="{05E4DC53-B0BF-461D-8A35-E4A603E30553}" destId="{35EDC5D9-AB6E-4909-8FE0-7618B2DA10D2}" srcOrd="2" destOrd="0" parTransId="{413616ED-450A-4AF5-BFDC-1FA194F93161}" sibTransId="{623C82ED-3367-4056-A3C1-E6BDA3D90B84}"/>
-    <dgm:cxn modelId="{BA301F2C-A35C-4261-A2D5-F605ED57FDDC}" type="presOf" srcId="{35EDC5D9-AB6E-4909-8FE0-7618B2DA10D2}" destId="{1CF89C5C-AE5F-40A7-BE74-9DEC72FB5476}" srcOrd="1" destOrd="0" presId="urn:microsoft.com/office/officeart/2005/8/layout/list1"/>
-    <dgm:cxn modelId="{9FDA282F-C974-480D-A39E-67C779B71B60}" type="presOf" srcId="{348D6E4D-633E-4004-9474-9333E3DF16E5}" destId="{FE9631E4-8420-4917-BE2F-DD84801BD8F9}" srcOrd="0" destOrd="0" presId="urn:microsoft.com/office/officeart/2005/8/layout/list1"/>
+    <dgm:cxn modelId="{AA25E96C-6072-4049-95B6-485258EA74EC}" type="presOf" srcId="{35EDC5D9-AB6E-4909-8FE0-7618B2DA10D2}" destId="{58B21368-39B9-4210-9318-CBCE3F725175}" srcOrd="0" destOrd="0" presId="urn:microsoft.com/office/officeart/2005/8/layout/list1"/>
+    <dgm:cxn modelId="{CD117A79-7819-45D6-9B6F-EF24F4B9D7CF}" type="presOf" srcId="{5591D4F4-5E5D-409C-88AA-1E06A2031FA1}" destId="{EC703CCC-9026-4C80-8F5B-7CEF10E5D5EB}" srcOrd="0" destOrd="0" presId="urn:microsoft.com/office/officeart/2005/8/layout/list1"/>
     <dgm:cxn modelId="{3356B781-9BB8-4BD5-8FFB-99015CBE606D}" srcId="{BF00333B-F455-4136-8EBF-36DFD1B9CEB7}" destId="{C6614079-6F2D-4684-A0E7-57AB3D14EFBE}" srcOrd="0" destOrd="0" parTransId="{32C55D73-2CFA-4201-A1D4-FFE7500E8111}" sibTransId="{770DDDDC-8445-4077-819F-3F3CCEE4A366}"/>
-    <dgm:cxn modelId="{54407184-1858-48A3-A258-9DA1A194D3D9}" type="presOf" srcId="{BF00333B-F455-4136-8EBF-36DFD1B9CEB7}" destId="{687F63AD-066F-4A0A-A2C8-8F9578CC7030}" srcOrd="1" destOrd="0" presId="urn:microsoft.com/office/officeart/2005/8/layout/list1"/>
-    <dgm:cxn modelId="{0583E38C-E8E4-4CB0-893B-D3B4F22F90D9}" type="presOf" srcId="{3129785A-055C-466E-A451-3CBFF089D14D}" destId="{3D256087-567C-4291-8EEB-8965F6AB30AE}" srcOrd="1" destOrd="0" presId="urn:microsoft.com/office/officeart/2005/8/layout/list1"/>
+    <dgm:cxn modelId="{DFFDF38B-A621-4C7A-A5E4-36893024E904}" type="presOf" srcId="{348D6E4D-633E-4004-9474-9333E3DF16E5}" destId="{F33F10FB-52F2-434E-ACAF-EF8E1C39D2E5}" srcOrd="0" destOrd="0" presId="urn:microsoft.com/office/officeart/2005/8/layout/list1"/>
+    <dgm:cxn modelId="{11E62C8D-F9C9-4B9F-8276-F754A75BDC70}" type="presOf" srcId="{BF00333B-F455-4136-8EBF-36DFD1B9CEB7}" destId="{45C30957-11C6-4B89-BFC3-523FE514E19C}" srcOrd="1" destOrd="0" presId="urn:microsoft.com/office/officeart/2005/8/layout/list1"/>
     <dgm:cxn modelId="{3DB48695-F7EB-4A30-BAAA-FAAA7D2BC090}" srcId="{05E4DC53-B0BF-461D-8A35-E4A603E30553}" destId="{3129785A-055C-466E-A451-3CBFF089D14D}" srcOrd="0" destOrd="0" parTransId="{5E8BADEA-1380-4D6D-BAD3-CD3C848C856E}" sibTransId="{E70751D5-4E04-4599-B8B8-ECC4DA6CDF20}"/>
-    <dgm:cxn modelId="{4A33F998-8DA7-4844-9C40-7E17B5CBB92E}" type="presOf" srcId="{348D6E4D-633E-4004-9474-9333E3DF16E5}" destId="{2C908412-30B7-4D09-898F-D245AEE349ED}" srcOrd="1" destOrd="0" presId="urn:microsoft.com/office/officeart/2005/8/layout/list1"/>
+    <dgm:cxn modelId="{C0C35B9A-5EBB-42D9-A767-C59FB66051FE}" type="presOf" srcId="{35EDC5D9-AB6E-4909-8FE0-7618B2DA10D2}" destId="{D586E7A5-E9FC-499C-93AF-EE6754118DAF}" srcOrd="1" destOrd="0" presId="urn:microsoft.com/office/officeart/2005/8/layout/list1"/>
+    <dgm:cxn modelId="{8690019D-2BA4-4FF4-84B9-80D53260E696}" type="presOf" srcId="{3129785A-055C-466E-A451-3CBFF089D14D}" destId="{071921A6-4EE1-4A44-B46D-5DADEC7CD16F}" srcOrd="0" destOrd="0" presId="urn:microsoft.com/office/officeart/2005/8/layout/list1"/>
+    <dgm:cxn modelId="{B86A9BA4-6E61-4CA6-B7B4-B30B0C92E168}" type="presOf" srcId="{348D6E4D-633E-4004-9474-9333E3DF16E5}" destId="{BB29BFA2-9421-40F7-9E29-2A4C92D506D1}" srcOrd="1" destOrd="0" presId="urn:microsoft.com/office/officeart/2005/8/layout/list1"/>
+    <dgm:cxn modelId="{304874B3-CA80-48D6-B6E1-21FE8A581F2C}" type="presOf" srcId="{661C0521-9303-423C-86D6-2CFD390A4FBB}" destId="{7C524191-0762-4B3F-9799-58DF225262CB}" srcOrd="0" destOrd="0" presId="urn:microsoft.com/office/officeart/2005/8/layout/list1"/>
     <dgm:cxn modelId="{F3938EB8-BCA1-4800-B158-82F4B768C9E5}" srcId="{35EDC5D9-AB6E-4909-8FE0-7618B2DA10D2}" destId="{5591D4F4-5E5D-409C-88AA-1E06A2031FA1}" srcOrd="0" destOrd="0" parTransId="{5278CD80-0CD0-4454-B9E3-DB082317024A}" sibTransId="{5F60CA9C-E848-4A50-B0F5-5677EB3F76A2}"/>
     <dgm:cxn modelId="{1252F0B9-281F-4465-B9C1-249DD489422F}" srcId="{05E4DC53-B0BF-461D-8A35-E4A603E30553}" destId="{BF00333B-F455-4136-8EBF-36DFD1B9CEB7}" srcOrd="1" destOrd="0" parTransId="{7E9163B9-86A8-4A5D-A734-BBEFE95F61BE}" sibTransId="{2E1B5A03-413A-40A2-BB7D-44F10F067453}"/>
     <dgm:cxn modelId="{D6AC41C1-6699-4C09-916C-427578A4C32B}" srcId="{05E4DC53-B0BF-461D-8A35-E4A603E30553}" destId="{348D6E4D-633E-4004-9474-9333E3DF16E5}" srcOrd="3" destOrd="0" parTransId="{813AEBF0-188B-4BAD-8FE8-54D19A84B745}" sibTransId="{B673EB30-31C1-429D-8BD2-47396731E734}"/>
-    <dgm:cxn modelId="{A0B059CF-3938-4863-8199-330EC07F9B56}" type="presOf" srcId="{A2BC1BBF-9CEE-48C2-81D1-56B6748DE9D0}" destId="{25DCDB5E-FB3F-4B1E-9D78-839BEA442CA5}" srcOrd="0" destOrd="0" presId="urn:microsoft.com/office/officeart/2005/8/layout/list1"/>
+    <dgm:cxn modelId="{F3394ECD-48AA-4324-92C8-E38F0BF28D38}" type="presOf" srcId="{A2BC1BBF-9CEE-48C2-81D1-56B6748DE9D0}" destId="{E182BB1A-CE4A-4676-8B32-886E890C4C76}" srcOrd="0" destOrd="0" presId="urn:microsoft.com/office/officeart/2005/8/layout/list1"/>
+    <dgm:cxn modelId="{53A702DE-B663-42A4-8189-8951604AD9F7}" type="presOf" srcId="{C6614079-6F2D-4684-A0E7-57AB3D14EFBE}" destId="{E6E10CF4-9530-45FE-9F55-70D1163641E1}" srcOrd="0" destOrd="0" presId="urn:microsoft.com/office/officeart/2005/8/layout/list1"/>
+    <dgm:cxn modelId="{2FCA7FE5-D53F-46BA-B784-FBA42A3B223D}" type="presOf" srcId="{3129785A-055C-466E-A451-3CBFF089D14D}" destId="{738FA29A-2A89-4C1C-BED0-040CEF4749E4}" srcOrd="1" destOrd="0" presId="urn:microsoft.com/office/officeart/2005/8/layout/list1"/>
     <dgm:cxn modelId="{988EECF5-4BC6-410E-8C2C-47B2C80B48DD}" srcId="{348D6E4D-633E-4004-9474-9333E3DF16E5}" destId="{661C0521-9303-423C-86D6-2CFD390A4FBB}" srcOrd="0" destOrd="0" parTransId="{26C1ECE5-93E5-421A-8E16-EB50DE451A23}" sibTransId="{97B1F220-BE8D-471A-9640-C4115F442B3D}"/>
-    <dgm:cxn modelId="{FA773FFE-09DB-4DFA-9C67-5402284196CF}" type="presOf" srcId="{BF00333B-F455-4136-8EBF-36DFD1B9CEB7}" destId="{FE055018-1DBF-403B-9CFB-315C4859A413}" srcOrd="0" destOrd="0" presId="urn:microsoft.com/office/officeart/2005/8/layout/list1"/>
-    <dgm:cxn modelId="{F5C9F346-A56A-4010-88F1-92449FBE8D12}" type="presParOf" srcId="{C9BE317A-691C-4BDD-8FFE-C800B949BCED}" destId="{98C4ACC3-9390-4259-8AFF-615B418EDE67}" srcOrd="0" destOrd="0" presId="urn:microsoft.com/office/officeart/2005/8/layout/list1"/>
-    <dgm:cxn modelId="{6913D10B-AB3F-43C7-898A-25DC4A6B2456}" type="presParOf" srcId="{98C4ACC3-9390-4259-8AFF-615B418EDE67}" destId="{E92459B6-A571-40B8-93A0-DF57032A167B}" srcOrd="0" destOrd="0" presId="urn:microsoft.com/office/officeart/2005/8/layout/list1"/>
-    <dgm:cxn modelId="{C47D719B-960B-4BCF-8139-BFDAEE3F1D52}" type="presParOf" srcId="{98C4ACC3-9390-4259-8AFF-615B418EDE67}" destId="{3D256087-567C-4291-8EEB-8965F6AB30AE}" srcOrd="1" destOrd="0" presId="urn:microsoft.com/office/officeart/2005/8/layout/list1"/>
-    <dgm:cxn modelId="{D5246236-AE10-4AEF-BF8E-EB6040287ADE}" type="presParOf" srcId="{C9BE317A-691C-4BDD-8FFE-C800B949BCED}" destId="{97AF02FC-4FC1-46B2-B4DD-E577A437957B}" srcOrd="1" destOrd="0" presId="urn:microsoft.com/office/officeart/2005/8/layout/list1"/>
-    <dgm:cxn modelId="{B3BBCAC6-D0A1-4EA2-A52B-C4C1F23AE5E4}" type="presParOf" srcId="{C9BE317A-691C-4BDD-8FFE-C800B949BCED}" destId="{25DCDB5E-FB3F-4B1E-9D78-839BEA442CA5}" srcOrd="2" destOrd="0" presId="urn:microsoft.com/office/officeart/2005/8/layout/list1"/>
-    <dgm:cxn modelId="{B64162E6-21B1-4DDF-879B-EBCC3CEAEC56}" type="presParOf" srcId="{C9BE317A-691C-4BDD-8FFE-C800B949BCED}" destId="{4B2ACBB8-1752-4666-ADB7-C0A89E17F036}" srcOrd="3" destOrd="0" presId="urn:microsoft.com/office/officeart/2005/8/layout/list1"/>
-    <dgm:cxn modelId="{FB99B9BD-33A3-4CFC-9E12-B13ABBBF7971}" type="presParOf" srcId="{C9BE317A-691C-4BDD-8FFE-C800B949BCED}" destId="{BE492AC9-97EC-4AD3-8387-B02F6E349BBA}" srcOrd="4" destOrd="0" presId="urn:microsoft.com/office/officeart/2005/8/layout/list1"/>
-    <dgm:cxn modelId="{C258E866-3C76-4D72-86EA-2D2D75C752F3}" type="presParOf" srcId="{BE492AC9-97EC-4AD3-8387-B02F6E349BBA}" destId="{FE055018-1DBF-403B-9CFB-315C4859A413}" srcOrd="0" destOrd="0" presId="urn:microsoft.com/office/officeart/2005/8/layout/list1"/>
-    <dgm:cxn modelId="{3ACAB7F7-A509-43EB-B6B6-02451E62EF93}" type="presParOf" srcId="{BE492AC9-97EC-4AD3-8387-B02F6E349BBA}" destId="{687F63AD-066F-4A0A-A2C8-8F9578CC7030}" srcOrd="1" destOrd="0" presId="urn:microsoft.com/office/officeart/2005/8/layout/list1"/>
-    <dgm:cxn modelId="{A735005E-9134-4A4A-8310-37032265701C}" type="presParOf" srcId="{C9BE317A-691C-4BDD-8FFE-C800B949BCED}" destId="{9BB28519-1420-489B-B30B-EA3F3DB398C6}" srcOrd="5" destOrd="0" presId="urn:microsoft.com/office/officeart/2005/8/layout/list1"/>
-    <dgm:cxn modelId="{91730F6F-A74B-4662-8F21-0F75BAE04B17}" type="presParOf" srcId="{C9BE317A-691C-4BDD-8FFE-C800B949BCED}" destId="{5E406F99-F0EC-4FC0-96C7-A3A1B1D8F9A7}" srcOrd="6" destOrd="0" presId="urn:microsoft.com/office/officeart/2005/8/layout/list1"/>
-    <dgm:cxn modelId="{9F2B08B9-7407-4DB8-BF2E-89104062B715}" type="presParOf" srcId="{C9BE317A-691C-4BDD-8FFE-C800B949BCED}" destId="{C5ACCEB8-2FA8-4489-92C2-FAA7705E6D6F}" srcOrd="7" destOrd="0" presId="urn:microsoft.com/office/officeart/2005/8/layout/list1"/>
-    <dgm:cxn modelId="{A10E21AE-3FFA-4C30-922D-B0E9DB255C17}" type="presParOf" srcId="{C9BE317A-691C-4BDD-8FFE-C800B949BCED}" destId="{E9123947-CF71-4B3D-BEDC-7E9249A615FC}" srcOrd="8" destOrd="0" presId="urn:microsoft.com/office/officeart/2005/8/layout/list1"/>
-    <dgm:cxn modelId="{A13E42D2-5B5F-4BA0-9916-E0F116C47D5C}" type="presParOf" srcId="{E9123947-CF71-4B3D-BEDC-7E9249A615FC}" destId="{B843CFFF-B29E-42BB-9B81-F093030AC79B}" srcOrd="0" destOrd="0" presId="urn:microsoft.com/office/officeart/2005/8/layout/list1"/>
-    <dgm:cxn modelId="{DE2E7C40-6071-455D-AF81-0F4267F57A18}" type="presParOf" srcId="{E9123947-CF71-4B3D-BEDC-7E9249A615FC}" destId="{1CF89C5C-AE5F-40A7-BE74-9DEC72FB5476}" srcOrd="1" destOrd="0" presId="urn:microsoft.com/office/officeart/2005/8/layout/list1"/>
-    <dgm:cxn modelId="{58E6F12D-FD0E-4123-9BB3-CC073CD85781}" type="presParOf" srcId="{C9BE317A-691C-4BDD-8FFE-C800B949BCED}" destId="{A4BD9B1B-C10B-4BDD-82F6-931C31769EE0}" srcOrd="9" destOrd="0" presId="urn:microsoft.com/office/officeart/2005/8/layout/list1"/>
-    <dgm:cxn modelId="{A366E58C-A680-4D9B-9578-91FE0908D140}" type="presParOf" srcId="{C9BE317A-691C-4BDD-8FFE-C800B949BCED}" destId="{6649E9DF-AC4E-4734-99AA-206FAEEAB02F}" srcOrd="10" destOrd="0" presId="urn:microsoft.com/office/officeart/2005/8/layout/list1"/>
-    <dgm:cxn modelId="{D54F177E-814B-455D-B1E6-18A7CFE86051}" type="presParOf" srcId="{C9BE317A-691C-4BDD-8FFE-C800B949BCED}" destId="{A030D1A1-C1D6-498B-BD0F-036548720FD5}" srcOrd="11" destOrd="0" presId="urn:microsoft.com/office/officeart/2005/8/layout/list1"/>
-    <dgm:cxn modelId="{128B40F5-5352-4F0A-9146-8CEC7479B175}" type="presParOf" srcId="{C9BE317A-691C-4BDD-8FFE-C800B949BCED}" destId="{1CE83150-78B2-4B80-9567-031F4906943C}" srcOrd="12" destOrd="0" presId="urn:microsoft.com/office/officeart/2005/8/layout/list1"/>
-    <dgm:cxn modelId="{52C18A3C-CCB8-4650-8FD4-345DB52EBEA6}" type="presParOf" srcId="{1CE83150-78B2-4B80-9567-031F4906943C}" destId="{FE9631E4-8420-4917-BE2F-DD84801BD8F9}" srcOrd="0" destOrd="0" presId="urn:microsoft.com/office/officeart/2005/8/layout/list1"/>
-    <dgm:cxn modelId="{CED85881-8C1B-48A2-8FF6-19A4F947CE62}" type="presParOf" srcId="{1CE83150-78B2-4B80-9567-031F4906943C}" destId="{2C908412-30B7-4D09-898F-D245AEE349ED}" srcOrd="1" destOrd="0" presId="urn:microsoft.com/office/officeart/2005/8/layout/list1"/>
-    <dgm:cxn modelId="{E3C6558D-E47D-4CB8-8D1E-A137CEF11957}" type="presParOf" srcId="{C9BE317A-691C-4BDD-8FFE-C800B949BCED}" destId="{FD93C275-3457-4D52-AC6B-3C93431E6DFA}" srcOrd="13" destOrd="0" presId="urn:microsoft.com/office/officeart/2005/8/layout/list1"/>
-    <dgm:cxn modelId="{D2617EA4-4751-4A58-B287-1BF9F27CEEE4}" type="presParOf" srcId="{C9BE317A-691C-4BDD-8FFE-C800B949BCED}" destId="{A58DD28B-5091-4D40-8978-B7739F3E68C1}" srcOrd="14" destOrd="0" presId="urn:microsoft.com/office/officeart/2005/8/layout/list1"/>
+    <dgm:cxn modelId="{8F1ADCA7-941D-4F62-B079-1FEBBE3C82C1}" type="presParOf" srcId="{33B0EE5A-CC11-4410-A9F8-3BDB44C73811}" destId="{9C8C4178-5AD7-4E4A-876B-059BDC8671B6}" srcOrd="0" destOrd="0" presId="urn:microsoft.com/office/officeart/2005/8/layout/list1"/>
+    <dgm:cxn modelId="{9F7E81EF-BC47-4A4F-9C7E-2E81A78117D5}" type="presParOf" srcId="{9C8C4178-5AD7-4E4A-876B-059BDC8671B6}" destId="{071921A6-4EE1-4A44-B46D-5DADEC7CD16F}" srcOrd="0" destOrd="0" presId="urn:microsoft.com/office/officeart/2005/8/layout/list1"/>
+    <dgm:cxn modelId="{467343BE-BB95-4B15-A477-FB64EAF51B1B}" type="presParOf" srcId="{9C8C4178-5AD7-4E4A-876B-059BDC8671B6}" destId="{738FA29A-2A89-4C1C-BED0-040CEF4749E4}" srcOrd="1" destOrd="0" presId="urn:microsoft.com/office/officeart/2005/8/layout/list1"/>
+    <dgm:cxn modelId="{591A1553-BB4B-4573-8CB0-207323B86942}" type="presParOf" srcId="{33B0EE5A-CC11-4410-A9F8-3BDB44C73811}" destId="{BE8915C6-19C4-4868-BA55-8C2C9160F438}" srcOrd="1" destOrd="0" presId="urn:microsoft.com/office/officeart/2005/8/layout/list1"/>
+    <dgm:cxn modelId="{2992C343-4110-48A2-B826-FAEE1A1C8D80}" type="presParOf" srcId="{33B0EE5A-CC11-4410-A9F8-3BDB44C73811}" destId="{E182BB1A-CE4A-4676-8B32-886E890C4C76}" srcOrd="2" destOrd="0" presId="urn:microsoft.com/office/officeart/2005/8/layout/list1"/>
+    <dgm:cxn modelId="{4D8B8AF4-9468-479C-868C-9CA5E921175F}" type="presParOf" srcId="{33B0EE5A-CC11-4410-A9F8-3BDB44C73811}" destId="{F707F3EE-DA9E-4247-961D-69D5CBADCCB0}" srcOrd="3" destOrd="0" presId="urn:microsoft.com/office/officeart/2005/8/layout/list1"/>
+    <dgm:cxn modelId="{DDDC3297-1B5A-4AE4-9BC9-EE37DE40CBCB}" type="presParOf" srcId="{33B0EE5A-CC11-4410-A9F8-3BDB44C73811}" destId="{8C01CA8D-DD73-49EE-A305-4FE951F976D6}" srcOrd="4" destOrd="0" presId="urn:microsoft.com/office/officeart/2005/8/layout/list1"/>
+    <dgm:cxn modelId="{ACAE744F-B4BB-4852-A688-63E5CE8FBDCD}" type="presParOf" srcId="{8C01CA8D-DD73-49EE-A305-4FE951F976D6}" destId="{899790E9-82F2-48EA-A83D-2AFBA667A0AB}" srcOrd="0" destOrd="0" presId="urn:microsoft.com/office/officeart/2005/8/layout/list1"/>
+    <dgm:cxn modelId="{882A0E35-3909-4FD5-8453-6E8E72FB37F6}" type="presParOf" srcId="{8C01CA8D-DD73-49EE-A305-4FE951F976D6}" destId="{45C30957-11C6-4B89-BFC3-523FE514E19C}" srcOrd="1" destOrd="0" presId="urn:microsoft.com/office/officeart/2005/8/layout/list1"/>
+    <dgm:cxn modelId="{DA8D2551-646F-4351-9020-F2E54831FA2B}" type="presParOf" srcId="{33B0EE5A-CC11-4410-A9F8-3BDB44C73811}" destId="{24005ABB-AEA1-49CD-BA73-8E0973019D82}" srcOrd="5" destOrd="0" presId="urn:microsoft.com/office/officeart/2005/8/layout/list1"/>
+    <dgm:cxn modelId="{FBB88AF0-409F-4634-86EB-8868393D5C96}" type="presParOf" srcId="{33B0EE5A-CC11-4410-A9F8-3BDB44C73811}" destId="{E6E10CF4-9530-45FE-9F55-70D1163641E1}" srcOrd="6" destOrd="0" presId="urn:microsoft.com/office/officeart/2005/8/layout/list1"/>
+    <dgm:cxn modelId="{9E8F48C0-89E4-4627-AA65-568D7B635ACB}" type="presParOf" srcId="{33B0EE5A-CC11-4410-A9F8-3BDB44C73811}" destId="{25B9FA0F-3CD9-4BE9-8D06-A385906DC123}" srcOrd="7" destOrd="0" presId="urn:microsoft.com/office/officeart/2005/8/layout/list1"/>
+    <dgm:cxn modelId="{E5285F8A-C6F4-41DE-9736-403EB42ABA43}" type="presParOf" srcId="{33B0EE5A-CC11-4410-A9F8-3BDB44C73811}" destId="{4D338C21-566F-4903-9E87-20C7F60AC1EF}" srcOrd="8" destOrd="0" presId="urn:microsoft.com/office/officeart/2005/8/layout/list1"/>
+    <dgm:cxn modelId="{6373B721-8589-4593-8028-778B649659CE}" type="presParOf" srcId="{4D338C21-566F-4903-9E87-20C7F60AC1EF}" destId="{58B21368-39B9-4210-9318-CBCE3F725175}" srcOrd="0" destOrd="0" presId="urn:microsoft.com/office/officeart/2005/8/layout/list1"/>
+    <dgm:cxn modelId="{B5548C1A-BD1B-4B55-ADCB-37BB813E5032}" type="presParOf" srcId="{4D338C21-566F-4903-9E87-20C7F60AC1EF}" destId="{D586E7A5-E9FC-499C-93AF-EE6754118DAF}" srcOrd="1" destOrd="0" presId="urn:microsoft.com/office/officeart/2005/8/layout/list1"/>
+    <dgm:cxn modelId="{7E1BCDC1-6705-4BBE-88D7-5BB26C9C74D7}" type="presParOf" srcId="{33B0EE5A-CC11-4410-A9F8-3BDB44C73811}" destId="{F3BCABA9-5C5F-4745-9FC2-FC8B5BC45B25}" srcOrd="9" destOrd="0" presId="urn:microsoft.com/office/officeart/2005/8/layout/list1"/>
+    <dgm:cxn modelId="{2FDEF967-5A74-41D9-B130-8BE18905C73A}" type="presParOf" srcId="{33B0EE5A-CC11-4410-A9F8-3BDB44C73811}" destId="{EC703CCC-9026-4C80-8F5B-7CEF10E5D5EB}" srcOrd="10" destOrd="0" presId="urn:microsoft.com/office/officeart/2005/8/layout/list1"/>
+    <dgm:cxn modelId="{36DA06EA-96D5-4898-986A-3B7222F11175}" type="presParOf" srcId="{33B0EE5A-CC11-4410-A9F8-3BDB44C73811}" destId="{3AAAF91D-676F-42A9-BFA9-18C0E38F083C}" srcOrd="11" destOrd="0" presId="urn:microsoft.com/office/officeart/2005/8/layout/list1"/>
+    <dgm:cxn modelId="{1EDF8ECB-DD57-4215-AA32-90CA14F106A6}" type="presParOf" srcId="{33B0EE5A-CC11-4410-A9F8-3BDB44C73811}" destId="{37450A47-7848-4563-B996-B1913286BD7B}" srcOrd="12" destOrd="0" presId="urn:microsoft.com/office/officeart/2005/8/layout/list1"/>
+    <dgm:cxn modelId="{8760F8FA-8B73-4868-A006-61D3EE51CB58}" type="presParOf" srcId="{37450A47-7848-4563-B996-B1913286BD7B}" destId="{F33F10FB-52F2-434E-ACAF-EF8E1C39D2E5}" srcOrd="0" destOrd="0" presId="urn:microsoft.com/office/officeart/2005/8/layout/list1"/>
+    <dgm:cxn modelId="{F7413A32-6293-4A98-A729-FC1664418ECB}" type="presParOf" srcId="{37450A47-7848-4563-B996-B1913286BD7B}" destId="{BB29BFA2-9421-40F7-9E29-2A4C92D506D1}" srcOrd="1" destOrd="0" presId="urn:microsoft.com/office/officeart/2005/8/layout/list1"/>
+    <dgm:cxn modelId="{47298C69-5B44-48E1-9D2E-1132331A9F6A}" type="presParOf" srcId="{33B0EE5A-CC11-4410-A9F8-3BDB44C73811}" destId="{0513C26E-8A2A-44EE-93A1-5531D9F7A3FB}" srcOrd="13" destOrd="0" presId="urn:microsoft.com/office/officeart/2005/8/layout/list1"/>
+    <dgm:cxn modelId="{54AF6034-EFE4-4F0C-8CE7-2EFB1AB0617B}" type="presParOf" srcId="{33B0EE5A-CC11-4410-A9F8-3BDB44C73811}" destId="{7C524191-0762-4B3F-9799-58DF225262CB}" srcOrd="14" destOrd="0" presId="urn:microsoft.com/office/officeart/2005/8/layout/list1"/>
   </dgm:cxnLst>
   <dgm:bg/>
   <dgm:whole/>
   <dgm:extLst>
     <a:ext uri="http://schemas.microsoft.com/office/drawing/2008/diagram">
-      <dsp:dataModelExt xmlns:dsp="http://schemas.microsoft.com/office/drawing/2008/diagram" relId="rId7" minVer="http://schemas.openxmlformats.org/drawingml/2006/diagram"/>
+      <dsp:dataModelExt xmlns:dsp="http://schemas.microsoft.com/office/drawing/2008/diagram" relId="rId8" minVer="http://schemas.openxmlformats.org/drawingml/2006/diagram"/>
     </a:ext>
   </dgm:extLst>
 </dgm:dataModel>
@@ -2381,10 +2424,10 @@
         <a:lstStyle/>
         <a:p>
           <a:r>
-            <a:rPr lang="en-US" b="1" i="0" dirty="0"/>
+            <a:rPr lang="en-US" b="1" i="0"/>
             <a:t>MLP Classifier</a:t>
           </a:r>
-          <a:endParaRPr lang="en-US" dirty="0"/>
+          <a:endParaRPr lang="en-US"/>
         </a:p>
       </dgm:t>
     </dgm:pt>
@@ -2679,7 +2722,7 @@
       <dgm:spPr/>
     </dgm:pt>
     <dgm:pt modelId="{52273634-DE5D-4787-B8F6-AFE628AE9AAC}" type="pres">
-      <dgm:prSet presAssocID="{EA44A33C-7154-4B14-A1F5-AC4AF8791562}" presName="parentText" presStyleLbl="node1" presStyleIdx="1" presStyleCnt="4">
+      <dgm:prSet presAssocID="{EA44A33C-7154-4B14-A1F5-AC4AF8791562}" presName="parentText" presStyleLbl="node1" presStyleIdx="1" presStyleCnt="4" custLinFactNeighborX="9264" custLinFactNeighborY="9930">
         <dgm:presLayoutVars>
           <dgm:chMax val="0"/>
           <dgm:bulletEnabled val="1"/>
@@ -2761,7 +2804,7 @@
   <dgm:whole/>
   <dgm:extLst>
     <a:ext uri="http://schemas.microsoft.com/office/drawing/2008/diagram">
-      <dsp:dataModelExt xmlns:dsp="http://schemas.microsoft.com/office/drawing/2008/diagram" relId="rId7" minVer="http://schemas.openxmlformats.org/drawingml/2006/diagram"/>
+      <dsp:dataModelExt xmlns:dsp="http://schemas.microsoft.com/office/drawing/2008/diagram" relId="rId6" minVer="http://schemas.openxmlformats.org/drawingml/2006/diagram"/>
     </a:ext>
   </dgm:extLst>
 </dgm:dataModel>
@@ -2775,15 +2818,15 @@
       <dsp:cNvGrpSpPr/>
     </dsp:nvGrpSpPr>
     <dsp:grpSpPr/>
-    <dsp:sp modelId="{25DCDB5E-FB3F-4B1E-9D78-839BEA442CA5}">
+    <dsp:sp modelId="{E182BB1A-CE4A-4676-8B32-886E890C4C76}">
       <dsp:nvSpPr>
         <dsp:cNvPr id="0" name=""/>
         <dsp:cNvSpPr/>
       </dsp:nvSpPr>
       <dsp:spPr>
         <a:xfrm>
-          <a:off x="0" y="300486"/>
-          <a:ext cx="5314543" cy="552825"/>
+          <a:off x="0" y="216155"/>
+          <a:ext cx="4969391" cy="552825"/>
         </a:xfrm>
         <a:prstGeom prst="rect">
           <a:avLst/>
@@ -2799,7 +2842,7 @@
         </a:solidFill>
         <a:ln w="12700" cap="flat" cmpd="sng" algn="ctr">
           <a:solidFill>
-            <a:schemeClr val="accent1">
+            <a:schemeClr val="accent5">
               <a:hueOff val="0"/>
               <a:satOff val="0"/>
               <a:lumOff val="0"/>
@@ -2824,7 +2867,7 @@
         <a:fontRef idx="minor"/>
       </dsp:style>
       <dsp:txBody>
-        <a:bodyPr spcFirstLastPara="0" vert="horz" wrap="square" lIns="412468" tIns="270764" rIns="412468" bIns="92456" numCol="1" spcCol="1270" anchor="t" anchorCtr="0">
+        <a:bodyPr spcFirstLastPara="0" vert="horz" wrap="square" lIns="385680" tIns="270764" rIns="385680" bIns="92456" numCol="1" spcCol="1270" anchor="t" anchorCtr="0">
           <a:noAutofit/>
         </a:bodyPr>
         <a:lstStyle/>
@@ -2863,25 +2906,25 @@
         </a:p>
       </dsp:txBody>
       <dsp:txXfrm>
-        <a:off x="0" y="300486"/>
-        <a:ext cx="5314543" cy="552825"/>
+        <a:off x="0" y="216155"/>
+        <a:ext cx="4969391" cy="552825"/>
       </dsp:txXfrm>
     </dsp:sp>
-    <dsp:sp modelId="{3D256087-567C-4291-8EEB-8965F6AB30AE}">
+    <dsp:sp modelId="{738FA29A-2A89-4C1C-BED0-040CEF4749E4}">
       <dsp:nvSpPr>
         <dsp:cNvPr id="0" name=""/>
         <dsp:cNvSpPr/>
       </dsp:nvSpPr>
       <dsp:spPr>
         <a:xfrm>
-          <a:off x="265727" y="108606"/>
-          <a:ext cx="3720180" cy="383760"/>
+          <a:off x="248469" y="24275"/>
+          <a:ext cx="3478573" cy="383760"/>
         </a:xfrm>
         <a:prstGeom prst="roundRect">
           <a:avLst/>
         </a:prstGeom>
         <a:solidFill>
-          <a:schemeClr val="accent1">
+          <a:schemeClr val="accent5">
             <a:hueOff val="0"/>
             <a:satOff val="0"/>
             <a:lumOff val="0"/>
@@ -2917,7 +2960,7 @@
         </a:fontRef>
       </dsp:style>
       <dsp:txBody>
-        <a:bodyPr spcFirstLastPara="0" vert="horz" wrap="square" lIns="140614" tIns="0" rIns="140614" bIns="0" numCol="1" spcCol="1270" anchor="ctr" anchorCtr="0">
+        <a:bodyPr spcFirstLastPara="0" vert="horz" wrap="square" lIns="131482" tIns="0" rIns="131482" bIns="0" numCol="1" spcCol="1270" anchor="ctr" anchorCtr="0">
           <a:noAutofit/>
         </a:bodyPr>
         <a:lstStyle/>
@@ -2962,19 +3005,19 @@
         </a:p>
       </dsp:txBody>
       <dsp:txXfrm>
-        <a:off x="284461" y="127340"/>
-        <a:ext cx="3682712" cy="346292"/>
+        <a:off x="267203" y="43009"/>
+        <a:ext cx="3441105" cy="346292"/>
       </dsp:txXfrm>
     </dsp:sp>
-    <dsp:sp modelId="{5E406F99-F0EC-4FC0-96C7-A3A1B1D8F9A7}">
+    <dsp:sp modelId="{E6E10CF4-9530-45FE-9F55-70D1163641E1}">
       <dsp:nvSpPr>
         <dsp:cNvPr id="0" name=""/>
         <dsp:cNvSpPr/>
       </dsp:nvSpPr>
       <dsp:spPr>
         <a:xfrm>
-          <a:off x="0" y="1115391"/>
-          <a:ext cx="5314543" cy="542587"/>
+          <a:off x="0" y="1031060"/>
+          <a:ext cx="4969391" cy="542587"/>
         </a:xfrm>
         <a:prstGeom prst="rect">
           <a:avLst/>
@@ -2990,10 +3033,10 @@
         </a:solidFill>
         <a:ln w="12700" cap="flat" cmpd="sng" algn="ctr">
           <a:solidFill>
-            <a:schemeClr val="accent1">
-              <a:hueOff val="0"/>
-              <a:satOff val="0"/>
-              <a:lumOff val="0"/>
+            <a:schemeClr val="accent5">
+              <a:hueOff val="-2252848"/>
+              <a:satOff val="-5806"/>
+              <a:lumOff val="-3922"/>
               <a:alphaOff val="0"/>
             </a:schemeClr>
           </a:solidFill>
@@ -3015,7 +3058,7 @@
         <a:fontRef idx="minor"/>
       </dsp:style>
       <dsp:txBody>
-        <a:bodyPr spcFirstLastPara="0" vert="horz" wrap="square" lIns="412468" tIns="270764" rIns="412468" bIns="92456" numCol="1" spcCol="1270" anchor="t" anchorCtr="0">
+        <a:bodyPr spcFirstLastPara="0" vert="horz" wrap="square" lIns="385680" tIns="270764" rIns="385680" bIns="92456" numCol="1" spcCol="1270" anchor="t" anchorCtr="0">
           <a:noAutofit/>
         </a:bodyPr>
         <a:lstStyle/>
@@ -3053,28 +3096,28 @@
         </a:p>
       </dsp:txBody>
       <dsp:txXfrm>
-        <a:off x="0" y="1115391"/>
-        <a:ext cx="5314543" cy="542587"/>
+        <a:off x="0" y="1031060"/>
+        <a:ext cx="4969391" cy="542587"/>
       </dsp:txXfrm>
     </dsp:sp>
-    <dsp:sp modelId="{687F63AD-066F-4A0A-A2C8-8F9578CC7030}">
+    <dsp:sp modelId="{45C30957-11C6-4B89-BFC3-523FE514E19C}">
       <dsp:nvSpPr>
         <dsp:cNvPr id="0" name=""/>
         <dsp:cNvSpPr/>
       </dsp:nvSpPr>
       <dsp:spPr>
         <a:xfrm>
-          <a:off x="265727" y="923511"/>
-          <a:ext cx="3720180" cy="383760"/>
+          <a:off x="248469" y="839180"/>
+          <a:ext cx="3478573" cy="383760"/>
         </a:xfrm>
         <a:prstGeom prst="roundRect">
           <a:avLst/>
         </a:prstGeom>
         <a:solidFill>
-          <a:schemeClr val="accent1">
-            <a:hueOff val="0"/>
-            <a:satOff val="0"/>
-            <a:lumOff val="0"/>
+          <a:schemeClr val="accent5">
+            <a:hueOff val="-2252848"/>
+            <a:satOff val="-5806"/>
+            <a:lumOff val="-3922"/>
             <a:alphaOff val="0"/>
           </a:schemeClr>
         </a:solidFill>
@@ -3107,7 +3150,7 @@
         </a:fontRef>
       </dsp:style>
       <dsp:txBody>
-        <a:bodyPr spcFirstLastPara="0" vert="horz" wrap="square" lIns="140614" tIns="0" rIns="140614" bIns="0" numCol="1" spcCol="1270" anchor="ctr" anchorCtr="0">
+        <a:bodyPr spcFirstLastPara="0" vert="horz" wrap="square" lIns="131482" tIns="0" rIns="131482" bIns="0" numCol="1" spcCol="1270" anchor="ctr" anchorCtr="0">
           <a:noAutofit/>
         </a:bodyPr>
         <a:lstStyle/>
@@ -3166,19 +3209,19 @@
         </a:p>
       </dsp:txBody>
       <dsp:txXfrm>
-        <a:off x="284461" y="942245"/>
-        <a:ext cx="3682712" cy="346292"/>
+        <a:off x="267203" y="857914"/>
+        <a:ext cx="3441105" cy="346292"/>
       </dsp:txXfrm>
     </dsp:sp>
-    <dsp:sp modelId="{6649E9DF-AC4E-4734-99AA-206FAEEAB02F}">
+    <dsp:sp modelId="{EC703CCC-9026-4C80-8F5B-7CEF10E5D5EB}">
       <dsp:nvSpPr>
         <dsp:cNvPr id="0" name=""/>
         <dsp:cNvSpPr/>
       </dsp:nvSpPr>
       <dsp:spPr>
         <a:xfrm>
-          <a:off x="0" y="1920058"/>
-          <a:ext cx="5314543" cy="542587"/>
+          <a:off x="0" y="1835727"/>
+          <a:ext cx="4969391" cy="542587"/>
         </a:xfrm>
         <a:prstGeom prst="rect">
           <a:avLst/>
@@ -3194,10 +3237,10 @@
         </a:solidFill>
         <a:ln w="12700" cap="flat" cmpd="sng" algn="ctr">
           <a:solidFill>
-            <a:schemeClr val="accent1">
-              <a:hueOff val="0"/>
-              <a:satOff val="0"/>
-              <a:lumOff val="0"/>
+            <a:schemeClr val="accent5">
+              <a:hueOff val="-4505695"/>
+              <a:satOff val="-11613"/>
+              <a:lumOff val="-7843"/>
               <a:alphaOff val="0"/>
             </a:schemeClr>
           </a:solidFill>
@@ -3219,7 +3262,7 @@
         <a:fontRef idx="minor"/>
       </dsp:style>
       <dsp:txBody>
-        <a:bodyPr spcFirstLastPara="0" vert="horz" wrap="square" lIns="412468" tIns="270764" rIns="412468" bIns="92456" numCol="1" spcCol="1270" anchor="t" anchorCtr="0">
+        <a:bodyPr spcFirstLastPara="0" vert="horz" wrap="square" lIns="385680" tIns="270764" rIns="385680" bIns="92456" numCol="1" spcCol="1270" anchor="t" anchorCtr="0">
           <a:noAutofit/>
         </a:bodyPr>
         <a:lstStyle/>
@@ -3257,28 +3300,28 @@
         </a:p>
       </dsp:txBody>
       <dsp:txXfrm>
-        <a:off x="0" y="1920058"/>
-        <a:ext cx="5314543" cy="542587"/>
+        <a:off x="0" y="1835727"/>
+        <a:ext cx="4969391" cy="542587"/>
       </dsp:txXfrm>
     </dsp:sp>
-    <dsp:sp modelId="{1CF89C5C-AE5F-40A7-BE74-9DEC72FB5476}">
+    <dsp:sp modelId="{D586E7A5-E9FC-499C-93AF-EE6754118DAF}">
       <dsp:nvSpPr>
         <dsp:cNvPr id="0" name=""/>
         <dsp:cNvSpPr/>
       </dsp:nvSpPr>
       <dsp:spPr>
         <a:xfrm>
-          <a:off x="265727" y="1728178"/>
-          <a:ext cx="3720180" cy="383760"/>
+          <a:off x="248469" y="1643847"/>
+          <a:ext cx="3478573" cy="383760"/>
         </a:xfrm>
         <a:prstGeom prst="roundRect">
           <a:avLst/>
         </a:prstGeom>
         <a:solidFill>
-          <a:schemeClr val="accent1">
-            <a:hueOff val="0"/>
-            <a:satOff val="0"/>
-            <a:lumOff val="0"/>
+          <a:schemeClr val="accent5">
+            <a:hueOff val="-4505695"/>
+            <a:satOff val="-11613"/>
+            <a:lumOff val="-7843"/>
             <a:alphaOff val="0"/>
           </a:schemeClr>
         </a:solidFill>
@@ -3311,7 +3354,7 @@
         </a:fontRef>
       </dsp:style>
       <dsp:txBody>
-        <a:bodyPr spcFirstLastPara="0" vert="horz" wrap="square" lIns="140614" tIns="0" rIns="140614" bIns="0" numCol="1" spcCol="1270" anchor="ctr" anchorCtr="0">
+        <a:bodyPr spcFirstLastPara="0" vert="horz" wrap="square" lIns="131482" tIns="0" rIns="131482" bIns="0" numCol="1" spcCol="1270" anchor="ctr" anchorCtr="0">
           <a:noAutofit/>
         </a:bodyPr>
         <a:lstStyle/>
@@ -3356,19 +3399,19 @@
         </a:p>
       </dsp:txBody>
       <dsp:txXfrm>
-        <a:off x="284461" y="1746912"/>
-        <a:ext cx="3682712" cy="346292"/>
+        <a:off x="267203" y="1662581"/>
+        <a:ext cx="3441105" cy="346292"/>
       </dsp:txXfrm>
     </dsp:sp>
-    <dsp:sp modelId="{A58DD28B-5091-4D40-8978-B7739F3E68C1}">
+    <dsp:sp modelId="{7C524191-0762-4B3F-9799-58DF225262CB}">
       <dsp:nvSpPr>
         <dsp:cNvPr id="0" name=""/>
         <dsp:cNvSpPr/>
       </dsp:nvSpPr>
       <dsp:spPr>
         <a:xfrm>
-          <a:off x="0" y="2724726"/>
-          <a:ext cx="5314543" cy="542587"/>
+          <a:off x="0" y="2640395"/>
+          <a:ext cx="4969391" cy="542587"/>
         </a:xfrm>
         <a:prstGeom prst="rect">
           <a:avLst/>
@@ -3384,10 +3427,10 @@
         </a:solidFill>
         <a:ln w="12700" cap="flat" cmpd="sng" algn="ctr">
           <a:solidFill>
-            <a:schemeClr val="accent1">
-              <a:hueOff val="0"/>
-              <a:satOff val="0"/>
-              <a:lumOff val="0"/>
+            <a:schemeClr val="accent5">
+              <a:hueOff val="-6758543"/>
+              <a:satOff val="-17419"/>
+              <a:lumOff val="-11765"/>
               <a:alphaOff val="0"/>
             </a:schemeClr>
           </a:solidFill>
@@ -3409,7 +3452,7 @@
         <a:fontRef idx="minor"/>
       </dsp:style>
       <dsp:txBody>
-        <a:bodyPr spcFirstLastPara="0" vert="horz" wrap="square" lIns="412468" tIns="270764" rIns="412468" bIns="92456" numCol="1" spcCol="1270" anchor="t" anchorCtr="0">
+        <a:bodyPr spcFirstLastPara="0" vert="horz" wrap="square" lIns="385680" tIns="270764" rIns="385680" bIns="92456" numCol="1" spcCol="1270" anchor="t" anchorCtr="0">
           <a:noAutofit/>
         </a:bodyPr>
         <a:lstStyle/>
@@ -3447,28 +3490,28 @@
         </a:p>
       </dsp:txBody>
       <dsp:txXfrm>
-        <a:off x="0" y="2724726"/>
-        <a:ext cx="5314543" cy="542587"/>
+        <a:off x="0" y="2640395"/>
+        <a:ext cx="4969391" cy="542587"/>
       </dsp:txXfrm>
     </dsp:sp>
-    <dsp:sp modelId="{2C908412-30B7-4D09-898F-D245AEE349ED}">
+    <dsp:sp modelId="{BB29BFA2-9421-40F7-9E29-2A4C92D506D1}">
       <dsp:nvSpPr>
         <dsp:cNvPr id="0" name=""/>
         <dsp:cNvSpPr/>
       </dsp:nvSpPr>
       <dsp:spPr>
         <a:xfrm>
-          <a:off x="265727" y="2532846"/>
-          <a:ext cx="3720180" cy="383760"/>
+          <a:off x="248469" y="2448515"/>
+          <a:ext cx="3478573" cy="383760"/>
         </a:xfrm>
         <a:prstGeom prst="roundRect">
           <a:avLst/>
         </a:prstGeom>
         <a:solidFill>
-          <a:schemeClr val="accent1">
-            <a:hueOff val="0"/>
-            <a:satOff val="0"/>
-            <a:lumOff val="0"/>
+          <a:schemeClr val="accent5">
+            <a:hueOff val="-6758543"/>
+            <a:satOff val="-17419"/>
+            <a:lumOff val="-11765"/>
             <a:alphaOff val="0"/>
           </a:schemeClr>
         </a:solidFill>
@@ -3501,7 +3544,7 @@
         </a:fontRef>
       </dsp:style>
       <dsp:txBody>
-        <a:bodyPr spcFirstLastPara="0" vert="horz" wrap="square" lIns="140614" tIns="0" rIns="140614" bIns="0" numCol="1" spcCol="1270" anchor="ctr" anchorCtr="0">
+        <a:bodyPr spcFirstLastPara="0" vert="horz" wrap="square" lIns="131482" tIns="0" rIns="131482" bIns="0" numCol="1" spcCol="1270" anchor="ctr" anchorCtr="0">
           <a:noAutofit/>
         </a:bodyPr>
         <a:lstStyle/>
@@ -3553,8 +3596,8 @@
         </a:p>
       </dsp:txBody>
       <dsp:txXfrm>
-        <a:off x="284461" y="2551580"/>
-        <a:ext cx="3682712" cy="346292"/>
+        <a:off x="267203" y="2467249"/>
+        <a:ext cx="3441105" cy="346292"/>
       </dsp:txXfrm>
     </dsp:sp>
   </dsp:spTree>
@@ -3576,8 +3619,8 @@
       </dsp:nvSpPr>
       <dsp:spPr>
         <a:xfrm>
-          <a:off x="0" y="66159"/>
-          <a:ext cx="5314543" cy="479700"/>
+          <a:off x="0" y="65712"/>
+          <a:ext cx="4597498" cy="479700"/>
         </a:xfrm>
         <a:prstGeom prst="roundRect">
           <a:avLst/>
@@ -3675,8 +3718,8 @@
         </a:p>
       </dsp:txBody>
       <dsp:txXfrm>
-        <a:off x="23417" y="89576"/>
-        <a:ext cx="5267709" cy="432866"/>
+        <a:off x="23417" y="89129"/>
+        <a:ext cx="4550664" cy="432866"/>
       </dsp:txXfrm>
     </dsp:sp>
     <dsp:sp modelId="{298F3283-A828-42F8-A182-1D2F4E5FB969}">
@@ -3686,8 +3729,8 @@
       </dsp:nvSpPr>
       <dsp:spPr>
         <a:xfrm>
-          <a:off x="0" y="545859"/>
-          <a:ext cx="5314543" cy="331200"/>
+          <a:off x="0" y="545412"/>
+          <a:ext cx="4597498" cy="331200"/>
         </a:xfrm>
         <a:prstGeom prst="rect">
           <a:avLst/>
@@ -3711,7 +3754,7 @@
         <a:fontRef idx="minor"/>
       </dsp:style>
       <dsp:txBody>
-        <a:bodyPr spcFirstLastPara="0" vert="horz" wrap="square" lIns="168737" tIns="25400" rIns="142240" bIns="25400" numCol="1" spcCol="1270" anchor="t" anchorCtr="0">
+        <a:bodyPr spcFirstLastPara="0" vert="horz" wrap="square" lIns="145971" tIns="25400" rIns="142240" bIns="25400" numCol="1" spcCol="1270" anchor="t" anchorCtr="0">
           <a:noAutofit/>
         </a:bodyPr>
         <a:lstStyle/>
@@ -3729,15 +3772,15 @@
             <a:buChar char="•"/>
           </a:pPr>
           <a:r>
-            <a:rPr lang="en-US" sz="1600" b="1" i="0" kern="1200" dirty="0"/>
+            <a:rPr lang="en-US" sz="1600" b="1" i="0" kern="1200"/>
             <a:t>MLP Classifier</a:t>
           </a:r>
-          <a:endParaRPr lang="en-US" sz="1600" kern="1200" dirty="0"/>
+          <a:endParaRPr lang="en-US" sz="1600" kern="1200"/>
         </a:p>
       </dsp:txBody>
       <dsp:txXfrm>
-        <a:off x="0" y="545859"/>
-        <a:ext cx="5314543" cy="331200"/>
+        <a:off x="0" y="545412"/>
+        <a:ext cx="4597498" cy="331200"/>
       </dsp:txXfrm>
     </dsp:sp>
     <dsp:sp modelId="{52273634-DE5D-4787-B8F6-AFE628AE9AAC}">
@@ -3747,8 +3790,8 @@
       </dsp:nvSpPr>
       <dsp:spPr>
         <a:xfrm>
-          <a:off x="0" y="877059"/>
-          <a:ext cx="5314543" cy="479700"/>
+          <a:off x="0" y="909500"/>
+          <a:ext cx="4597498" cy="479700"/>
         </a:xfrm>
         <a:prstGeom prst="roundRect">
           <a:avLst/>
@@ -3846,8 +3889,8 @@
         </a:p>
       </dsp:txBody>
       <dsp:txXfrm>
-        <a:off x="23417" y="900476"/>
-        <a:ext cx="5267709" cy="432866"/>
+        <a:off x="23417" y="932917"/>
+        <a:ext cx="4550664" cy="432866"/>
       </dsp:txXfrm>
     </dsp:sp>
     <dsp:sp modelId="{1833CB09-432E-4E97-A348-C3B73FB3C110}">
@@ -3857,8 +3900,8 @@
       </dsp:nvSpPr>
       <dsp:spPr>
         <a:xfrm>
-          <a:off x="0" y="1356759"/>
-          <a:ext cx="5314543" cy="331200"/>
+          <a:off x="0" y="1356312"/>
+          <a:ext cx="4597498" cy="331200"/>
         </a:xfrm>
         <a:prstGeom prst="rect">
           <a:avLst/>
@@ -3882,7 +3925,7 @@
         <a:fontRef idx="minor"/>
       </dsp:style>
       <dsp:txBody>
-        <a:bodyPr spcFirstLastPara="0" vert="horz" wrap="square" lIns="168737" tIns="25400" rIns="142240" bIns="25400" numCol="1" spcCol="1270" anchor="t" anchorCtr="0">
+        <a:bodyPr spcFirstLastPara="0" vert="horz" wrap="square" lIns="145971" tIns="25400" rIns="142240" bIns="25400" numCol="1" spcCol="1270" anchor="t" anchorCtr="0">
           <a:noAutofit/>
         </a:bodyPr>
         <a:lstStyle/>
@@ -3907,8 +3950,8 @@
         </a:p>
       </dsp:txBody>
       <dsp:txXfrm>
-        <a:off x="0" y="1356759"/>
-        <a:ext cx="5314543" cy="331200"/>
+        <a:off x="0" y="1356312"/>
+        <a:ext cx="4597498" cy="331200"/>
       </dsp:txXfrm>
     </dsp:sp>
     <dsp:sp modelId="{A4B96652-1DDD-418D-9B01-5881A29A92B0}">
@@ -3918,8 +3961,8 @@
       </dsp:nvSpPr>
       <dsp:spPr>
         <a:xfrm>
-          <a:off x="0" y="1687960"/>
-          <a:ext cx="5314543" cy="479700"/>
+          <a:off x="0" y="1687512"/>
+          <a:ext cx="4597498" cy="479700"/>
         </a:xfrm>
         <a:prstGeom prst="roundRect">
           <a:avLst/>
@@ -4017,8 +4060,8 @@
         </a:p>
       </dsp:txBody>
       <dsp:txXfrm>
-        <a:off x="23417" y="1711377"/>
-        <a:ext cx="5267709" cy="432866"/>
+        <a:off x="23417" y="1710929"/>
+        <a:ext cx="4550664" cy="432866"/>
       </dsp:txXfrm>
     </dsp:sp>
     <dsp:sp modelId="{7562E60F-0124-4BAD-86E1-7D937B71D8F2}">
@@ -4028,8 +4071,8 @@
       </dsp:nvSpPr>
       <dsp:spPr>
         <a:xfrm>
-          <a:off x="0" y="2167660"/>
-          <a:ext cx="5314543" cy="331200"/>
+          <a:off x="0" y="2167212"/>
+          <a:ext cx="4597498" cy="331200"/>
         </a:xfrm>
         <a:prstGeom prst="rect">
           <a:avLst/>
@@ -4053,7 +4096,7 @@
         <a:fontRef idx="minor"/>
       </dsp:style>
       <dsp:txBody>
-        <a:bodyPr spcFirstLastPara="0" vert="horz" wrap="square" lIns="168737" tIns="25400" rIns="142240" bIns="25400" numCol="1" spcCol="1270" anchor="t" anchorCtr="0">
+        <a:bodyPr spcFirstLastPara="0" vert="horz" wrap="square" lIns="145971" tIns="25400" rIns="142240" bIns="25400" numCol="1" spcCol="1270" anchor="t" anchorCtr="0">
           <a:noAutofit/>
         </a:bodyPr>
         <a:lstStyle/>
@@ -4086,8 +4129,8 @@
         </a:p>
       </dsp:txBody>
       <dsp:txXfrm>
-        <a:off x="0" y="2167660"/>
-        <a:ext cx="5314543" cy="331200"/>
+        <a:off x="0" y="2167212"/>
+        <a:ext cx="4597498" cy="331200"/>
       </dsp:txXfrm>
     </dsp:sp>
     <dsp:sp modelId="{F0F46189-01ED-46DD-AC37-434DF216E74B}">
@@ -4097,8 +4140,8 @@
       </dsp:nvSpPr>
       <dsp:spPr>
         <a:xfrm>
-          <a:off x="0" y="2498860"/>
-          <a:ext cx="5314543" cy="479700"/>
+          <a:off x="0" y="2498412"/>
+          <a:ext cx="4597498" cy="479700"/>
         </a:xfrm>
         <a:prstGeom prst="roundRect">
           <a:avLst/>
@@ -4196,8 +4239,8 @@
         </a:p>
       </dsp:txBody>
       <dsp:txXfrm>
-        <a:off x="23417" y="2522277"/>
-        <a:ext cx="5267709" cy="432866"/>
+        <a:off x="23417" y="2521829"/>
+        <a:ext cx="4550664" cy="432866"/>
       </dsp:txXfrm>
     </dsp:sp>
     <dsp:sp modelId="{783B79FE-799F-4A08-AF56-482143A0C5B1}">
@@ -4207,8 +4250,8 @@
       </dsp:nvSpPr>
       <dsp:spPr>
         <a:xfrm>
-          <a:off x="0" y="2978560"/>
-          <a:ext cx="5314543" cy="331200"/>
+          <a:off x="0" y="2978112"/>
+          <a:ext cx="4597498" cy="331200"/>
         </a:xfrm>
         <a:prstGeom prst="rect">
           <a:avLst/>
@@ -4232,7 +4275,7 @@
         <a:fontRef idx="minor"/>
       </dsp:style>
       <dsp:txBody>
-        <a:bodyPr spcFirstLastPara="0" vert="horz" wrap="square" lIns="168737" tIns="25400" rIns="142240" bIns="25400" numCol="1" spcCol="1270" anchor="t" anchorCtr="0">
+        <a:bodyPr spcFirstLastPara="0" vert="horz" wrap="square" lIns="145971" tIns="25400" rIns="142240" bIns="25400" numCol="1" spcCol="1270" anchor="t" anchorCtr="0">
           <a:noAutofit/>
         </a:bodyPr>
         <a:lstStyle/>
@@ -4257,8 +4300,8 @@
         </a:p>
       </dsp:txBody>
       <dsp:txXfrm>
-        <a:off x="0" y="2978560"/>
-        <a:ext cx="5314543" cy="331200"/>
+        <a:off x="0" y="2978112"/>
+        <a:ext cx="4597498" cy="331200"/>
       </dsp:txXfrm>
     </dsp:sp>
   </dsp:spTree>
@@ -6725,6 +6768,523 @@
 </dgm:styleDef>
 </file>
 
+<file path=ppt/notesMasters/notesMaster1.xml><?xml version="1.0" encoding="utf-8"?>
+<p:notesMaster xmlns:a="http://schemas.openxmlformats.org/drawingml/2006/main" xmlns:r="http://schemas.openxmlformats.org/officeDocument/2006/relationships" xmlns:p="http://schemas.openxmlformats.org/presentationml/2006/main">
+  <p:cSld>
+    <p:bg>
+      <p:bgRef idx="1001">
+        <a:schemeClr val="bg1"/>
+      </p:bgRef>
+    </p:bg>
+    <p:spTree>
+      <p:nvGrpSpPr>
+        <p:cNvPr id="1" name=""/>
+        <p:cNvGrpSpPr/>
+        <p:nvPr/>
+      </p:nvGrpSpPr>
+      <p:grpSpPr>
+        <a:xfrm>
+          <a:off x="0" y="0"/>
+          <a:ext cx="0" cy="0"/>
+          <a:chOff x="0" y="0"/>
+          <a:chExt cx="0" cy="0"/>
+        </a:xfrm>
+      </p:grpSpPr>
+      <p:sp>
+        <p:nvSpPr>
+          <p:cNvPr id="2" name="Header Placeholder 1"/>
+          <p:cNvSpPr>
+            <a:spLocks noGrp="1"/>
+          </p:cNvSpPr>
+          <p:nvPr>
+            <p:ph type="hdr" sz="quarter"/>
+          </p:nvPr>
+        </p:nvSpPr>
+        <p:spPr>
+          <a:xfrm>
+            <a:off x="0" y="0"/>
+            <a:ext cx="2971800" cy="458788"/>
+          </a:xfrm>
+          <a:prstGeom prst="rect">
+            <a:avLst/>
+          </a:prstGeom>
+        </p:spPr>
+        <p:txBody>
+          <a:bodyPr vert="horz" lIns="91440" tIns="45720" rIns="91440" bIns="45720" rtlCol="0"/>
+          <a:lstStyle>
+            <a:lvl1pPr algn="l">
+              <a:defRPr sz="1200"/>
+            </a:lvl1pPr>
+          </a:lstStyle>
+          <a:p>
+            <a:endParaRPr lang="en-US"/>
+          </a:p>
+        </p:txBody>
+      </p:sp>
+      <p:sp>
+        <p:nvSpPr>
+          <p:cNvPr id="3" name="Date Placeholder 2"/>
+          <p:cNvSpPr>
+            <a:spLocks noGrp="1"/>
+          </p:cNvSpPr>
+          <p:nvPr>
+            <p:ph type="dt" idx="1"/>
+          </p:nvPr>
+        </p:nvSpPr>
+        <p:spPr>
+          <a:xfrm>
+            <a:off x="3884613" y="0"/>
+            <a:ext cx="2971800" cy="458788"/>
+          </a:xfrm>
+          <a:prstGeom prst="rect">
+            <a:avLst/>
+          </a:prstGeom>
+        </p:spPr>
+        <p:txBody>
+          <a:bodyPr vert="horz" lIns="91440" tIns="45720" rIns="91440" bIns="45720" rtlCol="0"/>
+          <a:lstStyle>
+            <a:lvl1pPr algn="r">
+              <a:defRPr sz="1200"/>
+            </a:lvl1pPr>
+          </a:lstStyle>
+          <a:p>
+            <a:fld id="{CC8B467C-926B-4948-B4F8-03A77D2CE3C5}" type="datetimeFigureOut">
+              <a:rPr lang="en-US" smtClean="0"/>
+              <a:t>12/8/2022</a:t>
+            </a:fld>
+            <a:endParaRPr lang="en-US"/>
+          </a:p>
+        </p:txBody>
+      </p:sp>
+      <p:sp>
+        <p:nvSpPr>
+          <p:cNvPr id="4" name="Slide Image Placeholder 3"/>
+          <p:cNvSpPr>
+            <a:spLocks noGrp="1" noRot="1" noChangeAspect="1"/>
+          </p:cNvSpPr>
+          <p:nvPr>
+            <p:ph type="sldImg" idx="2"/>
+          </p:nvPr>
+        </p:nvSpPr>
+        <p:spPr>
+          <a:xfrm>
+            <a:off x="685800" y="1143000"/>
+            <a:ext cx="5486400" cy="3086100"/>
+          </a:xfrm>
+          <a:prstGeom prst="rect">
+            <a:avLst/>
+          </a:prstGeom>
+          <a:noFill/>
+          <a:ln w="12700">
+            <a:solidFill>
+              <a:prstClr val="black"/>
+            </a:solidFill>
+          </a:ln>
+        </p:spPr>
+        <p:txBody>
+          <a:bodyPr vert="horz" lIns="91440" tIns="45720" rIns="91440" bIns="45720" rtlCol="0" anchor="ctr"/>
+          <a:lstStyle/>
+          <a:p>
+            <a:endParaRPr lang="en-US"/>
+          </a:p>
+        </p:txBody>
+      </p:sp>
+      <p:sp>
+        <p:nvSpPr>
+          <p:cNvPr id="5" name="Notes Placeholder 4"/>
+          <p:cNvSpPr>
+            <a:spLocks noGrp="1"/>
+          </p:cNvSpPr>
+          <p:nvPr>
+            <p:ph type="body" sz="quarter" idx="3"/>
+          </p:nvPr>
+        </p:nvSpPr>
+        <p:spPr>
+          <a:xfrm>
+            <a:off x="685800" y="4400550"/>
+            <a:ext cx="5486400" cy="3600450"/>
+          </a:xfrm>
+          <a:prstGeom prst="rect">
+            <a:avLst/>
+          </a:prstGeom>
+        </p:spPr>
+        <p:txBody>
+          <a:bodyPr vert="horz" lIns="91440" tIns="45720" rIns="91440" bIns="45720" rtlCol="0"/>
+          <a:lstStyle/>
+          <a:p>
+            <a:pPr lvl="0"/>
+            <a:r>
+              <a:rPr lang="en-US"/>
+              <a:t>Click to edit Master text styles</a:t>
+            </a:r>
+          </a:p>
+          <a:p>
+            <a:pPr lvl="1"/>
+            <a:r>
+              <a:rPr lang="en-US"/>
+              <a:t>Second level</a:t>
+            </a:r>
+          </a:p>
+          <a:p>
+            <a:pPr lvl="2"/>
+            <a:r>
+              <a:rPr lang="en-US"/>
+              <a:t>Third level</a:t>
+            </a:r>
+          </a:p>
+          <a:p>
+            <a:pPr lvl="3"/>
+            <a:r>
+              <a:rPr lang="en-US"/>
+              <a:t>Fourth level</a:t>
+            </a:r>
+          </a:p>
+          <a:p>
+            <a:pPr lvl="4"/>
+            <a:r>
+              <a:rPr lang="en-US"/>
+              <a:t>Fifth level</a:t>
+            </a:r>
+          </a:p>
+        </p:txBody>
+      </p:sp>
+      <p:sp>
+        <p:nvSpPr>
+          <p:cNvPr id="6" name="Footer Placeholder 5"/>
+          <p:cNvSpPr>
+            <a:spLocks noGrp="1"/>
+          </p:cNvSpPr>
+          <p:nvPr>
+            <p:ph type="ftr" sz="quarter" idx="4"/>
+          </p:nvPr>
+        </p:nvSpPr>
+        <p:spPr>
+          <a:xfrm>
+            <a:off x="0" y="8685213"/>
+            <a:ext cx="2971800" cy="458787"/>
+          </a:xfrm>
+          <a:prstGeom prst="rect">
+            <a:avLst/>
+          </a:prstGeom>
+        </p:spPr>
+        <p:txBody>
+          <a:bodyPr vert="horz" lIns="91440" tIns="45720" rIns="91440" bIns="45720" rtlCol="0" anchor="b"/>
+          <a:lstStyle>
+            <a:lvl1pPr algn="l">
+              <a:defRPr sz="1200"/>
+            </a:lvl1pPr>
+          </a:lstStyle>
+          <a:p>
+            <a:endParaRPr lang="en-US"/>
+          </a:p>
+        </p:txBody>
+      </p:sp>
+      <p:sp>
+        <p:nvSpPr>
+          <p:cNvPr id="7" name="Slide Number Placeholder 6"/>
+          <p:cNvSpPr>
+            <a:spLocks noGrp="1"/>
+          </p:cNvSpPr>
+          <p:nvPr>
+            <p:ph type="sldNum" sz="quarter" idx="5"/>
+          </p:nvPr>
+        </p:nvSpPr>
+        <p:spPr>
+          <a:xfrm>
+            <a:off x="3884613" y="8685213"/>
+            <a:ext cx="2971800" cy="458787"/>
+          </a:xfrm>
+          <a:prstGeom prst="rect">
+            <a:avLst/>
+          </a:prstGeom>
+        </p:spPr>
+        <p:txBody>
+          <a:bodyPr vert="horz" lIns="91440" tIns="45720" rIns="91440" bIns="45720" rtlCol="0" anchor="b"/>
+          <a:lstStyle>
+            <a:lvl1pPr algn="r">
+              <a:defRPr sz="1200"/>
+            </a:lvl1pPr>
+          </a:lstStyle>
+          <a:p>
+            <a:fld id="{2731E36B-C437-43B0-B4E3-2A4633CEEAEC}" type="slidenum">
+              <a:rPr lang="en-US" smtClean="0"/>
+              <a:t>‹#›</a:t>
+            </a:fld>
+            <a:endParaRPr lang="en-US"/>
+          </a:p>
+        </p:txBody>
+      </p:sp>
+    </p:spTree>
+    <p:extLst>
+      <p:ext uri="{BB962C8B-B14F-4D97-AF65-F5344CB8AC3E}">
+        <p14:creationId xmlns:p14="http://schemas.microsoft.com/office/powerpoint/2010/main" val="3491747856"/>
+      </p:ext>
+    </p:extLst>
+  </p:cSld>
+  <p:clrMap bg1="lt1" tx1="dk1" bg2="lt2" tx2="dk2" accent1="accent1" accent2="accent2" accent3="accent3" accent4="accent4" accent5="accent5" accent6="accent6" hlink="hlink" folHlink="folHlink"/>
+  <p:notesStyle>
+    <a:lvl1pPr marL="0" algn="l" defTabSz="914400" rtl="0" eaLnBrk="1" latinLnBrk="0" hangingPunct="1">
+      <a:defRPr sz="1200" kern="1200">
+        <a:solidFill>
+          <a:schemeClr val="tx1"/>
+        </a:solidFill>
+        <a:latin typeface="+mn-lt"/>
+        <a:ea typeface="+mn-ea"/>
+        <a:cs typeface="+mn-cs"/>
+      </a:defRPr>
+    </a:lvl1pPr>
+    <a:lvl2pPr marL="457200" algn="l" defTabSz="914400" rtl="0" eaLnBrk="1" latinLnBrk="0" hangingPunct="1">
+      <a:defRPr sz="1200" kern="1200">
+        <a:solidFill>
+          <a:schemeClr val="tx1"/>
+        </a:solidFill>
+        <a:latin typeface="+mn-lt"/>
+        <a:ea typeface="+mn-ea"/>
+        <a:cs typeface="+mn-cs"/>
+      </a:defRPr>
+    </a:lvl2pPr>
+    <a:lvl3pPr marL="914400" algn="l" defTabSz="914400" rtl="0" eaLnBrk="1" latinLnBrk="0" hangingPunct="1">
+      <a:defRPr sz="1200" kern="1200">
+        <a:solidFill>
+          <a:schemeClr val="tx1"/>
+        </a:solidFill>
+        <a:latin typeface="+mn-lt"/>
+        <a:ea typeface="+mn-ea"/>
+        <a:cs typeface="+mn-cs"/>
+      </a:defRPr>
+    </a:lvl3pPr>
+    <a:lvl4pPr marL="1371600" algn="l" defTabSz="914400" rtl="0" eaLnBrk="1" latinLnBrk="0" hangingPunct="1">
+      <a:defRPr sz="1200" kern="1200">
+        <a:solidFill>
+          <a:schemeClr val="tx1"/>
+        </a:solidFill>
+        <a:latin typeface="+mn-lt"/>
+        <a:ea typeface="+mn-ea"/>
+        <a:cs typeface="+mn-cs"/>
+      </a:defRPr>
+    </a:lvl4pPr>
+    <a:lvl5pPr marL="1828800" algn="l" defTabSz="914400" rtl="0" eaLnBrk="1" latinLnBrk="0" hangingPunct="1">
+      <a:defRPr sz="1200" kern="1200">
+        <a:solidFill>
+          <a:schemeClr val="tx1"/>
+        </a:solidFill>
+        <a:latin typeface="+mn-lt"/>
+        <a:ea typeface="+mn-ea"/>
+        <a:cs typeface="+mn-cs"/>
+      </a:defRPr>
+    </a:lvl5pPr>
+    <a:lvl6pPr marL="2286000" algn="l" defTabSz="914400" rtl="0" eaLnBrk="1" latinLnBrk="0" hangingPunct="1">
+      <a:defRPr sz="1200" kern="1200">
+        <a:solidFill>
+          <a:schemeClr val="tx1"/>
+        </a:solidFill>
+        <a:latin typeface="+mn-lt"/>
+        <a:ea typeface="+mn-ea"/>
+        <a:cs typeface="+mn-cs"/>
+      </a:defRPr>
+    </a:lvl6pPr>
+    <a:lvl7pPr marL="2743200" algn="l" defTabSz="914400" rtl="0" eaLnBrk="1" latinLnBrk="0" hangingPunct="1">
+      <a:defRPr sz="1200" kern="1200">
+        <a:solidFill>
+          <a:schemeClr val="tx1"/>
+        </a:solidFill>
+        <a:latin typeface="+mn-lt"/>
+        <a:ea typeface="+mn-ea"/>
+        <a:cs typeface="+mn-cs"/>
+      </a:defRPr>
+    </a:lvl7pPr>
+    <a:lvl8pPr marL="3200400" algn="l" defTabSz="914400" rtl="0" eaLnBrk="1" latinLnBrk="0" hangingPunct="1">
+      <a:defRPr sz="1200" kern="1200">
+        <a:solidFill>
+          <a:schemeClr val="tx1"/>
+        </a:solidFill>
+        <a:latin typeface="+mn-lt"/>
+        <a:ea typeface="+mn-ea"/>
+        <a:cs typeface="+mn-cs"/>
+      </a:defRPr>
+    </a:lvl8pPr>
+    <a:lvl9pPr marL="3657600" algn="l" defTabSz="914400" rtl="0" eaLnBrk="1" latinLnBrk="0" hangingPunct="1">
+      <a:defRPr sz="1200" kern="1200">
+        <a:solidFill>
+          <a:schemeClr val="tx1"/>
+        </a:solidFill>
+        <a:latin typeface="+mn-lt"/>
+        <a:ea typeface="+mn-ea"/>
+        <a:cs typeface="+mn-cs"/>
+      </a:defRPr>
+    </a:lvl9pPr>
+  </p:notesStyle>
+</p:notesMaster>
+</file>
+
+<file path=ppt/notesSlides/notesSlide1.xml><?xml version="1.0" encoding="utf-8"?>
+<p:notes xmlns:a="http://schemas.openxmlformats.org/drawingml/2006/main" xmlns:r="http://schemas.openxmlformats.org/officeDocument/2006/relationships" xmlns:p="http://schemas.openxmlformats.org/presentationml/2006/main">
+  <p:cSld>
+    <p:spTree>
+      <p:nvGrpSpPr>
+        <p:cNvPr id="1" name=""/>
+        <p:cNvGrpSpPr/>
+        <p:nvPr/>
+      </p:nvGrpSpPr>
+      <p:grpSpPr>
+        <a:xfrm>
+          <a:off x="0" y="0"/>
+          <a:ext cx="0" cy="0"/>
+          <a:chOff x="0" y="0"/>
+          <a:chExt cx="0" cy="0"/>
+        </a:xfrm>
+      </p:grpSpPr>
+      <p:sp>
+        <p:nvSpPr>
+          <p:cNvPr id="2" name="Slide Image Placeholder 1"/>
+          <p:cNvSpPr>
+            <a:spLocks noGrp="1" noRot="1" noChangeAspect="1"/>
+          </p:cNvSpPr>
+          <p:nvPr>
+            <p:ph type="sldImg"/>
+          </p:nvPr>
+        </p:nvSpPr>
+        <p:spPr/>
+      </p:sp>
+      <p:sp>
+        <p:nvSpPr>
+          <p:cNvPr id="3" name="Notes Placeholder 2"/>
+          <p:cNvSpPr>
+            <a:spLocks noGrp="1"/>
+          </p:cNvSpPr>
+          <p:nvPr>
+            <p:ph type="body" idx="1"/>
+          </p:nvPr>
+        </p:nvSpPr>
+        <p:spPr/>
+        <p:txBody>
+          <a:bodyPr/>
+          <a:lstStyle/>
+          <a:p>
+            <a:endParaRPr lang="en-US" dirty="0"/>
+          </a:p>
+        </p:txBody>
+      </p:sp>
+      <p:sp>
+        <p:nvSpPr>
+          <p:cNvPr id="4" name="Slide Number Placeholder 3"/>
+          <p:cNvSpPr>
+            <a:spLocks noGrp="1"/>
+          </p:cNvSpPr>
+          <p:nvPr>
+            <p:ph type="sldNum" sz="quarter" idx="5"/>
+          </p:nvPr>
+        </p:nvSpPr>
+        <p:spPr/>
+        <p:txBody>
+          <a:bodyPr/>
+          <a:lstStyle/>
+          <a:p>
+            <a:fld id="{2731E36B-C437-43B0-B4E3-2A4633CEEAEC}" type="slidenum">
+              <a:rPr lang="en-US" smtClean="0"/>
+              <a:t>2</a:t>
+            </a:fld>
+            <a:endParaRPr lang="en-US"/>
+          </a:p>
+        </p:txBody>
+      </p:sp>
+    </p:spTree>
+    <p:extLst>
+      <p:ext uri="{BB962C8B-B14F-4D97-AF65-F5344CB8AC3E}">
+        <p14:creationId xmlns:p14="http://schemas.microsoft.com/office/powerpoint/2010/main" val="2783469617"/>
+      </p:ext>
+    </p:extLst>
+  </p:cSld>
+  <p:clrMapOvr>
+    <a:masterClrMapping/>
+  </p:clrMapOvr>
+</p:notes>
+</file>
+
+<file path=ppt/notesSlides/notesSlide2.xml><?xml version="1.0" encoding="utf-8"?>
+<p:notes xmlns:a="http://schemas.openxmlformats.org/drawingml/2006/main" xmlns:r="http://schemas.openxmlformats.org/officeDocument/2006/relationships" xmlns:p="http://schemas.openxmlformats.org/presentationml/2006/main">
+  <p:cSld>
+    <p:spTree>
+      <p:nvGrpSpPr>
+        <p:cNvPr id="1" name=""/>
+        <p:cNvGrpSpPr/>
+        <p:nvPr/>
+      </p:nvGrpSpPr>
+      <p:grpSpPr>
+        <a:xfrm>
+          <a:off x="0" y="0"/>
+          <a:ext cx="0" cy="0"/>
+          <a:chOff x="0" y="0"/>
+          <a:chExt cx="0" cy="0"/>
+        </a:xfrm>
+      </p:grpSpPr>
+      <p:sp>
+        <p:nvSpPr>
+          <p:cNvPr id="2" name="Slide Image Placeholder 1"/>
+          <p:cNvSpPr>
+            <a:spLocks noGrp="1" noRot="1" noChangeAspect="1"/>
+          </p:cNvSpPr>
+          <p:nvPr>
+            <p:ph type="sldImg"/>
+          </p:nvPr>
+        </p:nvSpPr>
+        <p:spPr/>
+      </p:sp>
+      <p:sp>
+        <p:nvSpPr>
+          <p:cNvPr id="3" name="Notes Placeholder 2"/>
+          <p:cNvSpPr>
+            <a:spLocks noGrp="1"/>
+          </p:cNvSpPr>
+          <p:nvPr>
+            <p:ph type="body" idx="1"/>
+          </p:nvPr>
+        </p:nvSpPr>
+        <p:spPr/>
+        <p:txBody>
+          <a:bodyPr/>
+          <a:lstStyle/>
+          <a:p>
+            <a:endParaRPr lang="en-US" dirty="0"/>
+          </a:p>
+        </p:txBody>
+      </p:sp>
+      <p:sp>
+        <p:nvSpPr>
+          <p:cNvPr id="4" name="Slide Number Placeholder 3"/>
+          <p:cNvSpPr>
+            <a:spLocks noGrp="1"/>
+          </p:cNvSpPr>
+          <p:nvPr>
+            <p:ph type="sldNum" sz="quarter" idx="5"/>
+          </p:nvPr>
+        </p:nvSpPr>
+        <p:spPr/>
+        <p:txBody>
+          <a:bodyPr/>
+          <a:lstStyle/>
+          <a:p>
+            <a:fld id="{2731E36B-C437-43B0-B4E3-2A4633CEEAEC}" type="slidenum">
+              <a:rPr lang="en-US" smtClean="0"/>
+              <a:t>10</a:t>
+            </a:fld>
+            <a:endParaRPr lang="en-US"/>
+          </a:p>
+        </p:txBody>
+      </p:sp>
+    </p:spTree>
+    <p:extLst>
+      <p:ext uri="{BB962C8B-B14F-4D97-AF65-F5344CB8AC3E}">
+        <p14:creationId xmlns:p14="http://schemas.microsoft.com/office/powerpoint/2010/main" val="479946767"/>
+      </p:ext>
+    </p:extLst>
+  </p:cSld>
+  <p:clrMapOvr>
+    <a:masterClrMapping/>
+  </p:clrMapOvr>
+</p:notes>
+</file>
+
 <file path=ppt/slideLayouts/slideLayout1.xml><?xml version="1.0" encoding="utf-8"?>
 <p:sldLayout xmlns:a="http://schemas.openxmlformats.org/drawingml/2006/main" xmlns:r="http://schemas.openxmlformats.org/officeDocument/2006/relationships" xmlns:p="http://schemas.openxmlformats.org/presentationml/2006/main" type="title" preserve="1">
   <p:cSld name="Title Slide">
@@ -6872,7 +7432,7 @@
           <a:p>
             <a:fld id="{BDCB8611-C7C1-6D48-908F-1608A169D105}" type="datetimeFigureOut">
               <a:rPr lang="en-US" smtClean="0"/>
-              <a:t>12/6/2022</a:t>
+              <a:t>12/8/2022</a:t>
             </a:fld>
             <a:endParaRPr lang="en-US"/>
           </a:p>
@@ -7070,7 +7630,7 @@
           <a:p>
             <a:fld id="{BDCB8611-C7C1-6D48-908F-1608A169D105}" type="datetimeFigureOut">
               <a:rPr lang="en-US" smtClean="0"/>
-              <a:t>12/6/2022</a:t>
+              <a:t>12/8/2022</a:t>
             </a:fld>
             <a:endParaRPr lang="en-US"/>
           </a:p>
@@ -7278,7 +7838,7 @@
           <a:p>
             <a:fld id="{BDCB8611-C7C1-6D48-908F-1608A169D105}" type="datetimeFigureOut">
               <a:rPr lang="en-US" smtClean="0"/>
-              <a:t>12/6/2022</a:t>
+              <a:t>12/8/2022</a:t>
             </a:fld>
             <a:endParaRPr lang="en-US"/>
           </a:p>
@@ -7476,7 +8036,7 @@
           <a:p>
             <a:fld id="{BDCB8611-C7C1-6D48-908F-1608A169D105}" type="datetimeFigureOut">
               <a:rPr lang="en-US" smtClean="0"/>
-              <a:t>12/6/2022</a:t>
+              <a:t>12/8/2022</a:t>
             </a:fld>
             <a:endParaRPr lang="en-US"/>
           </a:p>
@@ -7751,7 +8311,7 @@
           <a:p>
             <a:fld id="{BDCB8611-C7C1-6D48-908F-1608A169D105}" type="datetimeFigureOut">
               <a:rPr lang="en-US" smtClean="0"/>
-              <a:t>12/6/2022</a:t>
+              <a:t>12/8/2022</a:t>
             </a:fld>
             <a:endParaRPr lang="en-US"/>
           </a:p>
@@ -8016,7 +8576,7 @@
           <a:p>
             <a:fld id="{BDCB8611-C7C1-6D48-908F-1608A169D105}" type="datetimeFigureOut">
               <a:rPr lang="en-US" smtClean="0"/>
-              <a:t>12/6/2022</a:t>
+              <a:t>12/8/2022</a:t>
             </a:fld>
             <a:endParaRPr lang="en-US"/>
           </a:p>
@@ -8428,7 +8988,7 @@
           <a:p>
             <a:fld id="{BDCB8611-C7C1-6D48-908F-1608A169D105}" type="datetimeFigureOut">
               <a:rPr lang="en-US" smtClean="0"/>
-              <a:t>12/6/2022</a:t>
+              <a:t>12/8/2022</a:t>
             </a:fld>
             <a:endParaRPr lang="en-US"/>
           </a:p>
@@ -8569,7 +9129,7 @@
           <a:p>
             <a:fld id="{BDCB8611-C7C1-6D48-908F-1608A169D105}" type="datetimeFigureOut">
               <a:rPr lang="en-US" smtClean="0"/>
-              <a:t>12/6/2022</a:t>
+              <a:t>12/8/2022</a:t>
             </a:fld>
             <a:endParaRPr lang="en-US"/>
           </a:p>
@@ -8682,7 +9242,7 @@
           <a:p>
             <a:fld id="{BDCB8611-C7C1-6D48-908F-1608A169D105}" type="datetimeFigureOut">
               <a:rPr lang="en-US" smtClean="0"/>
-              <a:t>12/6/2022</a:t>
+              <a:t>12/8/2022</a:t>
             </a:fld>
             <a:endParaRPr lang="en-US"/>
           </a:p>
@@ -8993,7 +9553,7 @@
           <a:p>
             <a:fld id="{BDCB8611-C7C1-6D48-908F-1608A169D105}" type="datetimeFigureOut">
               <a:rPr lang="en-US" smtClean="0"/>
-              <a:t>12/6/2022</a:t>
+              <a:t>12/8/2022</a:t>
             </a:fld>
             <a:endParaRPr lang="en-US"/>
           </a:p>
@@ -9281,7 +9841,7 @@
           <a:p>
             <a:fld id="{BDCB8611-C7C1-6D48-908F-1608A169D105}" type="datetimeFigureOut">
               <a:rPr lang="en-US" smtClean="0"/>
-              <a:t>12/6/2022</a:t>
+              <a:t>12/8/2022</a:t>
             </a:fld>
             <a:endParaRPr lang="en-US"/>
           </a:p>
@@ -9522,7 +10082,7 @@
           <a:p>
             <a:fld id="{BDCB8611-C7C1-6D48-908F-1608A169D105}" type="datetimeFigureOut">
               <a:rPr lang="en-US" smtClean="0"/>
-              <a:t>12/6/2022</a:t>
+              <a:t>12/8/2022</a:t>
             </a:fld>
             <a:endParaRPr lang="en-US"/>
           </a:p>
@@ -10169,7 +10729,37 @@
                   <a:srgbClr val="FFFFFF"/>
                 </a:solidFill>
               </a:rPr>
+              <a:t>CS 5710-</a:t>
+            </a:r>
+            <a:br>
+              <a:rPr lang="en-US" sz="5200" dirty="0">
+                <a:solidFill>
+                  <a:srgbClr val="FFFFFF"/>
+                </a:solidFill>
+              </a:rPr>
+            </a:br>
+            <a:r>
+              <a:rPr lang="en-US" sz="5200" dirty="0">
+                <a:solidFill>
+                  <a:srgbClr val="FFFFFF"/>
+                </a:solidFill>
+              </a:rPr>
               <a:t>Face Emotion Recognition</a:t>
+            </a:r>
+            <a:br>
+              <a:rPr lang="en-US" sz="5200" dirty="0">
+                <a:solidFill>
+                  <a:srgbClr val="FFFFFF"/>
+                </a:solidFill>
+              </a:rPr>
+            </a:br>
+            <a:r>
+              <a:rPr lang="en-US" sz="5200" dirty="0">
+                <a:solidFill>
+                  <a:srgbClr val="FFFFFF"/>
+                </a:solidFill>
+              </a:rPr>
+              <a:t>With Machine Learning</a:t>
             </a:r>
           </a:p>
         </p:txBody>
@@ -10188,6 +10778,503 @@
 </file>
 
 <file path=ppt/slides/slide10.xml><?xml version="1.0" encoding="utf-8"?>
+<p:sld xmlns:a="http://schemas.openxmlformats.org/drawingml/2006/main" xmlns:r="http://schemas.openxmlformats.org/officeDocument/2006/relationships" xmlns:p="http://schemas.openxmlformats.org/presentationml/2006/main">
+  <p:cSld>
+    <p:bg>
+      <p:bgPr>
+        <a:solidFill>
+          <a:schemeClr val="bg1"/>
+        </a:solidFill>
+        <a:effectLst/>
+      </p:bgPr>
+    </p:bg>
+    <p:spTree>
+      <p:nvGrpSpPr>
+        <p:cNvPr id="1" name=""/>
+        <p:cNvGrpSpPr/>
+        <p:nvPr/>
+      </p:nvGrpSpPr>
+      <p:grpSpPr>
+        <a:xfrm>
+          <a:off x="0" y="0"/>
+          <a:ext cx="0" cy="0"/>
+          <a:chOff x="0" y="0"/>
+          <a:chExt cx="0" cy="0"/>
+        </a:xfrm>
+      </p:grpSpPr>
+      <p:sp useBgFill="1">
+        <p:nvSpPr>
+          <p:cNvPr id="24" name="Rectangle 16">
+            <a:extLst>
+              <a:ext uri="{FF2B5EF4-FFF2-40B4-BE49-F238E27FC236}">
+                <a16:creationId xmlns:a16="http://schemas.microsoft.com/office/drawing/2014/main" id="{0671A8AE-40A1-4631-A6B8-581AFF065482}"/>
+              </a:ext>
+              <a:ext uri="{C183D7F6-B498-43B3-948B-1728B52AA6E4}">
+                <adec:decorative xmlns:adec="http://schemas.microsoft.com/office/drawing/2017/decorative" val="1"/>
+              </a:ext>
+            </a:extLst>
+          </p:cNvPr>
+          <p:cNvSpPr>
+            <a:spLocks noGrp="1" noRot="1" noChangeAspect="1" noMove="1" noResize="1" noEditPoints="1" noAdjustHandles="1" noChangeArrowheads="1" noChangeShapeType="1" noTextEdit="1"/>
+          </p:cNvSpPr>
+          <p:nvPr>
+            <p:extLst>
+              <p:ext uri="{386F3935-93C4-4BCD-93E2-E3B085C9AB24}">
+                <p16:designElem xmlns:p16="http://schemas.microsoft.com/office/powerpoint/2015/main" val="1"/>
+              </p:ext>
+            </p:extLst>
+          </p:nvPr>
+        </p:nvSpPr>
+        <p:spPr>
+          <a:xfrm>
+            <a:off x="0" y="0"/>
+            <a:ext cx="12192000" cy="6858000"/>
+          </a:xfrm>
+          <a:prstGeom prst="rect">
+            <a:avLst/>
+          </a:prstGeom>
+          <a:ln>
+            <a:noFill/>
+          </a:ln>
+        </p:spPr>
+        <p:style>
+          <a:lnRef idx="2">
+            <a:schemeClr val="accent1">
+              <a:shade val="50000"/>
+            </a:schemeClr>
+          </a:lnRef>
+          <a:fillRef idx="1">
+            <a:schemeClr val="accent1"/>
+          </a:fillRef>
+          <a:effectRef idx="0">
+            <a:schemeClr val="accent1"/>
+          </a:effectRef>
+          <a:fontRef idx="minor">
+            <a:schemeClr val="lt1"/>
+          </a:fontRef>
+        </p:style>
+        <p:txBody>
+          <a:bodyPr rtlCol="0" anchor="ctr"/>
+          <a:lstStyle/>
+          <a:p>
+            <a:pPr algn="ctr"/>
+            <a:endParaRPr lang="en-US"/>
+          </a:p>
+        </p:txBody>
+      </p:sp>
+      <p:pic>
+        <p:nvPicPr>
+          <p:cNvPr id="4" name="Picture 3">
+            <a:extLst>
+              <a:ext uri="{FF2B5EF4-FFF2-40B4-BE49-F238E27FC236}">
+                <a16:creationId xmlns:a16="http://schemas.microsoft.com/office/drawing/2014/main" id="{B4800664-0910-2604-0CE4-EB48C18A9D43}"/>
+              </a:ext>
+            </a:extLst>
+          </p:cNvPr>
+          <p:cNvPicPr>
+            <a:picLocks noChangeAspect="1"/>
+          </p:cNvPicPr>
+          <p:nvPr/>
+        </p:nvPicPr>
+        <p:blipFill rotWithShape="1">
+          <a:blip r:embed="rId3"/>
+          <a:srcRect t="22025" r="9092" b="33564"/>
+          <a:stretch/>
+        </p:blipFill>
+        <p:spPr>
+          <a:xfrm>
+            <a:off x="3523488" y="10"/>
+            <a:ext cx="8668512" cy="6857990"/>
+          </a:xfrm>
+          <a:prstGeom prst="rect">
+            <a:avLst/>
+          </a:prstGeom>
+        </p:spPr>
+      </p:pic>
+      <p:sp>
+        <p:nvSpPr>
+          <p:cNvPr id="25" name="Rectangle 18">
+            <a:extLst>
+              <a:ext uri="{FF2B5EF4-FFF2-40B4-BE49-F238E27FC236}">
+                <a16:creationId xmlns:a16="http://schemas.microsoft.com/office/drawing/2014/main" id="{AB58EF07-17C2-48CF-ABB0-EEF1F17CB8F0}"/>
+              </a:ext>
+              <a:ext uri="{C183D7F6-B498-43B3-948B-1728B52AA6E4}">
+                <adec:decorative xmlns:adec="http://schemas.microsoft.com/office/drawing/2017/decorative" val="1"/>
+              </a:ext>
+            </a:extLst>
+          </p:cNvPr>
+          <p:cNvSpPr>
+            <a:spLocks noGrp="1" noRot="1" noChangeAspect="1" noMove="1" noResize="1" noEditPoints="1" noAdjustHandles="1" noChangeArrowheads="1" noChangeShapeType="1" noTextEdit="1"/>
+          </p:cNvSpPr>
+          <p:nvPr>
+            <p:extLst>
+              <p:ext uri="{386F3935-93C4-4BCD-93E2-E3B085C9AB24}">
+                <p16:designElem xmlns:p16="http://schemas.microsoft.com/office/powerpoint/2015/main" val="1"/>
+              </p:ext>
+            </p:extLst>
+          </p:nvPr>
+        </p:nvSpPr>
+        <p:spPr>
+          <a:xfrm>
+            <a:off x="3" y="0"/>
+            <a:ext cx="9339206" cy="6858000"/>
+          </a:xfrm>
+          <a:prstGeom prst="rect">
+            <a:avLst/>
+          </a:prstGeom>
+          <a:gradFill>
+            <a:gsLst>
+              <a:gs pos="58000">
+                <a:schemeClr val="bg1"/>
+              </a:gs>
+              <a:gs pos="33000">
+                <a:schemeClr val="bg1">
+                  <a:alpha val="64000"/>
+                </a:schemeClr>
+              </a:gs>
+              <a:gs pos="0">
+                <a:schemeClr val="bg1">
+                  <a:alpha val="0"/>
+                </a:schemeClr>
+              </a:gs>
+              <a:gs pos="100000">
+                <a:schemeClr val="bg1"/>
+              </a:gs>
+            </a:gsLst>
+            <a:lin ang="10800000" scaled="0"/>
+          </a:gradFill>
+          <a:ln>
+            <a:noFill/>
+          </a:ln>
+        </p:spPr>
+        <p:style>
+          <a:lnRef idx="2">
+            <a:schemeClr val="accent1">
+              <a:shade val="50000"/>
+            </a:schemeClr>
+          </a:lnRef>
+          <a:fillRef idx="1">
+            <a:schemeClr val="accent1"/>
+          </a:fillRef>
+          <a:effectRef idx="0">
+            <a:schemeClr val="accent1"/>
+          </a:effectRef>
+          <a:fontRef idx="minor">
+            <a:schemeClr val="lt1"/>
+          </a:fontRef>
+        </p:style>
+        <p:txBody>
+          <a:bodyPr rtlCol="0" anchor="ctr"/>
+          <a:lstStyle/>
+          <a:p>
+            <a:pPr algn="ctr"/>
+            <a:endParaRPr lang="en-US" dirty="0"/>
+          </a:p>
+        </p:txBody>
+      </p:sp>
+      <p:sp>
+        <p:nvSpPr>
+          <p:cNvPr id="5" name="Title 4">
+            <a:extLst>
+              <a:ext uri="{FF2B5EF4-FFF2-40B4-BE49-F238E27FC236}">
+                <a16:creationId xmlns:a16="http://schemas.microsoft.com/office/drawing/2014/main" id="{443DF712-DFBB-B74E-8B6E-4780781B802F}"/>
+              </a:ext>
+            </a:extLst>
+          </p:cNvPr>
+          <p:cNvSpPr>
+            <a:spLocks noGrp="1"/>
+          </p:cNvSpPr>
+          <p:nvPr>
+            <p:ph type="title"/>
+          </p:nvPr>
+        </p:nvSpPr>
+        <p:spPr>
+          <a:xfrm>
+            <a:off x="477981" y="1122363"/>
+            <a:ext cx="4023360" cy="3204134"/>
+          </a:xfrm>
+        </p:spPr>
+        <p:txBody>
+          <a:bodyPr vert="horz" lIns="91440" tIns="45720" rIns="91440" bIns="45720" rtlCol="0" anchor="b">
+            <a:normAutofit/>
+          </a:bodyPr>
+          <a:lstStyle/>
+          <a:p>
+            <a:r>
+              <a:rPr lang="en-US" sz="4800"/>
+              <a:t>Various Expressions used in this model:</a:t>
+            </a:r>
+            <a:endParaRPr lang="en-US" sz="4800" dirty="0"/>
+          </a:p>
+        </p:txBody>
+      </p:sp>
+      <p:sp>
+        <p:nvSpPr>
+          <p:cNvPr id="26" name="Rectangle 20">
+            <a:extLst>
+              <a:ext uri="{FF2B5EF4-FFF2-40B4-BE49-F238E27FC236}">
+                <a16:creationId xmlns:a16="http://schemas.microsoft.com/office/drawing/2014/main" id="{AF2F604E-43BE-4DC3-B983-E071523364F8}"/>
+              </a:ext>
+              <a:ext uri="{C183D7F6-B498-43B3-948B-1728B52AA6E4}">
+                <adec:decorative xmlns:adec="http://schemas.microsoft.com/office/drawing/2017/decorative" val="1"/>
+              </a:ext>
+            </a:extLst>
+          </p:cNvPr>
+          <p:cNvSpPr>
+            <a:spLocks noGrp="1" noRot="1" noChangeAspect="1" noMove="1" noResize="1" noEditPoints="1" noAdjustHandles="1" noChangeArrowheads="1" noChangeShapeType="1" noTextEdit="1"/>
+          </p:cNvSpPr>
+          <p:nvPr>
+            <p:extLst>
+              <p:ext uri="{386F3935-93C4-4BCD-93E2-E3B085C9AB24}">
+                <p16:designElem xmlns:p16="http://schemas.microsoft.com/office/powerpoint/2015/main" val="1"/>
+              </p:ext>
+            </p:extLst>
+          </p:nvPr>
+        </p:nvSpPr>
+        <p:spPr>
+          <a:xfrm rot="5400000">
+            <a:off x="759921" y="346791"/>
+            <a:ext cx="146304" cy="704088"/>
+          </a:xfrm>
+          <a:prstGeom prst="rect">
+            <a:avLst/>
+          </a:prstGeom>
+          <a:solidFill>
+            <a:schemeClr val="accent2"/>
+          </a:solidFill>
+          <a:ln>
+            <a:noFill/>
+          </a:ln>
+        </p:spPr>
+        <p:style>
+          <a:lnRef idx="2">
+            <a:schemeClr val="accent1">
+              <a:shade val="50000"/>
+            </a:schemeClr>
+          </a:lnRef>
+          <a:fillRef idx="1">
+            <a:schemeClr val="accent1"/>
+          </a:fillRef>
+          <a:effectRef idx="0">
+            <a:schemeClr val="accent1"/>
+          </a:effectRef>
+          <a:fontRef idx="minor">
+            <a:schemeClr val="lt1"/>
+          </a:fontRef>
+        </p:style>
+        <p:txBody>
+          <a:bodyPr rtlCol="0" anchor="ctr"/>
+          <a:lstStyle/>
+          <a:p>
+            <a:pPr algn="ctr"/>
+            <a:endParaRPr lang="en-US">
+              <a:solidFill>
+                <a:prstClr val="white"/>
+              </a:solidFill>
+              <a:latin typeface="Calibri" panose="020F0502020204030204"/>
+            </a:endParaRPr>
+          </a:p>
+        </p:txBody>
+      </p:sp>
+      <p:sp>
+        <p:nvSpPr>
+          <p:cNvPr id="23" name="Rectangle 22">
+            <a:extLst>
+              <a:ext uri="{FF2B5EF4-FFF2-40B4-BE49-F238E27FC236}">
+                <a16:creationId xmlns:a16="http://schemas.microsoft.com/office/drawing/2014/main" id="{08C9B587-E65E-4B52-B37C-ABEBB6E87928}"/>
+              </a:ext>
+              <a:ext uri="{C183D7F6-B498-43B3-948B-1728B52AA6E4}">
+                <adec:decorative xmlns:adec="http://schemas.microsoft.com/office/drawing/2017/decorative" val="1"/>
+              </a:ext>
+            </a:extLst>
+          </p:cNvPr>
+          <p:cNvSpPr>
+            <a:spLocks noGrp="1" noRot="1" noChangeAspect="1" noMove="1" noResize="1" noEditPoints="1" noAdjustHandles="1" noChangeArrowheads="1" noChangeShapeType="1" noTextEdit="1"/>
+          </p:cNvSpPr>
+          <p:nvPr>
+            <p:extLst>
+              <p:ext uri="{386F3935-93C4-4BCD-93E2-E3B085C9AB24}">
+                <p16:designElem xmlns:p16="http://schemas.microsoft.com/office/powerpoint/2015/main" val="1"/>
+              </p:ext>
+            </p:extLst>
+          </p:nvPr>
+        </p:nvSpPr>
+        <p:spPr>
+          <a:xfrm>
+            <a:off x="481029" y="4546920"/>
+            <a:ext cx="3977640" cy="18288"/>
+          </a:xfrm>
+          <a:prstGeom prst="rect">
+            <a:avLst/>
+          </a:prstGeom>
+          <a:solidFill>
+            <a:schemeClr val="tx1"/>
+          </a:solidFill>
+          <a:ln w="3175">
+            <a:noFill/>
+          </a:ln>
+          <a:effectLst/>
+        </p:spPr>
+        <p:style>
+          <a:lnRef idx="2">
+            <a:schemeClr val="accent1">
+              <a:shade val="50000"/>
+            </a:schemeClr>
+          </a:lnRef>
+          <a:fillRef idx="1">
+            <a:schemeClr val="accent1"/>
+          </a:fillRef>
+          <a:effectRef idx="0">
+            <a:schemeClr val="accent1"/>
+          </a:effectRef>
+          <a:fontRef idx="minor">
+            <a:schemeClr val="lt1"/>
+          </a:fontRef>
+        </p:style>
+        <p:txBody>
+          <a:bodyPr rtlCol="0" anchor="ctr"/>
+          <a:lstStyle/>
+          <a:p>
+            <a:pPr marL="0" marR="0" lvl="0" indent="0" algn="ctr" defTabSz="914400" rtl="0" eaLnBrk="1" fontAlgn="auto" latinLnBrk="0" hangingPunct="1">
+              <a:lnSpc>
+                <a:spcPct val="100000"/>
+              </a:lnSpc>
+              <a:spcBef>
+                <a:spcPts val="0"/>
+              </a:spcBef>
+              <a:spcAft>
+                <a:spcPts val="0"/>
+              </a:spcAft>
+              <a:buClrTx/>
+              <a:buSzTx/>
+              <a:buFontTx/>
+              <a:buNone/>
+              <a:tabLst/>
+              <a:defRPr/>
+            </a:pPr>
+            <a:endParaRPr kumimoji="0" lang="en-US" sz="1800" b="0" i="0" u="none" strike="noStrike" kern="1200" cap="none" spc="0" normalizeH="0" baseline="0" noProof="0">
+              <a:ln>
+                <a:noFill/>
+              </a:ln>
+              <a:solidFill>
+                <a:prstClr val="white"/>
+              </a:solidFill>
+              <a:effectLst/>
+              <a:uLnTx/>
+              <a:uFillTx/>
+              <a:latin typeface="Calibri" panose="020F0502020204030204"/>
+              <a:ea typeface="+mn-ea"/>
+              <a:cs typeface="+mn-cs"/>
+            </a:endParaRPr>
+          </a:p>
+        </p:txBody>
+      </p:sp>
+    </p:spTree>
+    <p:extLst>
+      <p:ext uri="{BB962C8B-B14F-4D97-AF65-F5344CB8AC3E}">
+        <p14:creationId xmlns:p14="http://schemas.microsoft.com/office/powerpoint/2010/main" val="3954005278"/>
+      </p:ext>
+    </p:extLst>
+  </p:cSld>
+  <p:clrMapOvr>
+    <a:overrideClrMapping bg1="dk1" tx1="lt1" bg2="dk2" tx2="lt2" accent1="accent1" accent2="accent2" accent3="accent3" accent4="accent4" accent5="accent5" accent6="accent6" hlink="hlink" folHlink="folHlink"/>
+  </p:clrMapOvr>
+  <p:timing>
+    <p:tnLst>
+      <p:par>
+        <p:cTn id="1" dur="indefinite" restart="never" nodeType="tmRoot">
+          <p:childTnLst>
+            <p:seq concurrent="1" nextAc="seek">
+              <p:cTn id="2" dur="indefinite" nodeType="mainSeq">
+                <p:childTnLst>
+                  <p:par>
+                    <p:cTn id="3" fill="hold">
+                      <p:stCondLst>
+                        <p:cond delay="indefinite"/>
+                        <p:cond evt="onBegin" delay="0">
+                          <p:tn val="2"/>
+                        </p:cond>
+                      </p:stCondLst>
+                      <p:childTnLst>
+                        <p:par>
+                          <p:cTn id="4" fill="hold">
+                            <p:stCondLst>
+                              <p:cond delay="0"/>
+                            </p:stCondLst>
+                            <p:childTnLst>
+                              <p:par>
+                                <p:cTn id="5" presetID="10" presetClass="entr" presetSubtype="0" fill="hold" grpId="0" nodeType="withEffect">
+                                  <p:stCondLst>
+                                    <p:cond delay="1000"/>
+                                  </p:stCondLst>
+                                  <p:iterate type="lt">
+                                    <p:tmPct val="10000"/>
+                                  </p:iterate>
+                                  <p:childTnLst>
+                                    <p:set>
+                                      <p:cBhvr>
+                                        <p:cTn id="6" dur="1" fill="hold">
+                                          <p:stCondLst>
+                                            <p:cond delay="0"/>
+                                          </p:stCondLst>
+                                        </p:cTn>
+                                        <p:tgtEl>
+                                          <p:spTgt spid="5"/>
+                                        </p:tgtEl>
+                                        <p:attrNameLst>
+                                          <p:attrName>style.visibility</p:attrName>
+                                        </p:attrNameLst>
+                                      </p:cBhvr>
+                                      <p:to>
+                                        <p:strVal val="visible"/>
+                                      </p:to>
+                                    </p:set>
+                                    <p:animEffect transition="in" filter="fade">
+                                      <p:cBhvr>
+                                        <p:cTn id="7" dur="400"/>
+                                        <p:tgtEl>
+                                          <p:spTgt spid="5"/>
+                                        </p:tgtEl>
+                                      </p:cBhvr>
+                                    </p:animEffect>
+                                  </p:childTnLst>
+                                </p:cTn>
+                              </p:par>
+                            </p:childTnLst>
+                          </p:cTn>
+                        </p:par>
+                      </p:childTnLst>
+                    </p:cTn>
+                  </p:par>
+                </p:childTnLst>
+              </p:cTn>
+              <p:prevCondLst>
+                <p:cond evt="onPrev" delay="0">
+                  <p:tgtEl>
+                    <p:sldTgt/>
+                  </p:tgtEl>
+                </p:cond>
+              </p:prevCondLst>
+              <p:nextCondLst>
+                <p:cond evt="onNext" delay="0">
+                  <p:tgtEl>
+                    <p:sldTgt/>
+                  </p:tgtEl>
+                </p:cond>
+              </p:nextCondLst>
+            </p:seq>
+          </p:childTnLst>
+        </p:cTn>
+      </p:par>
+    </p:tnLst>
+    <p:bldLst>
+      <p:bldP spid="5" grpId="0"/>
+    </p:bldLst>
+  </p:timing>
+</p:sld>
+</file>
+
+<file path=ppt/slides/slide11.xml><?xml version="1.0" encoding="utf-8"?>
 <p:sld xmlns:a="http://schemas.openxmlformats.org/drawingml/2006/main" xmlns:r="http://schemas.openxmlformats.org/officeDocument/2006/relationships" xmlns:p="http://schemas.openxmlformats.org/presentationml/2006/main">
   <p:cSld>
     <p:bg>
@@ -10215,12 +11302,195 @@
           <a:chExt cx="0" cy="0"/>
         </a:xfrm>
       </p:grpSpPr>
+      <p:sp useBgFill="1">
+        <p:nvSpPr>
+          <p:cNvPr id="13" name="Rectangle 12">
+            <a:extLst>
+              <a:ext uri="{FF2B5EF4-FFF2-40B4-BE49-F238E27FC236}">
+                <a16:creationId xmlns:a16="http://schemas.microsoft.com/office/drawing/2014/main" id="{8537B233-9CDD-4A90-AABB-A8963DEE4FBC}"/>
+              </a:ext>
+              <a:ext uri="{C183D7F6-B498-43B3-948B-1728B52AA6E4}">
+                <adec:decorative xmlns:adec="http://schemas.microsoft.com/office/drawing/2017/decorative" val="1"/>
+              </a:ext>
+            </a:extLst>
+          </p:cNvPr>
+          <p:cNvSpPr>
+            <a:spLocks noGrp="1" noRot="1" noChangeAspect="1" noMove="1" noResize="1" noEditPoints="1" noAdjustHandles="1" noChangeArrowheads="1" noChangeShapeType="1" noTextEdit="1"/>
+          </p:cNvSpPr>
+          <p:nvPr>
+            <p:extLst>
+              <p:ext uri="{386F3935-93C4-4BCD-93E2-E3B085C9AB24}">
+                <p16:designElem xmlns:p16="http://schemas.microsoft.com/office/powerpoint/2015/main" val="1"/>
+              </p:ext>
+            </p:extLst>
+          </p:nvPr>
+        </p:nvSpPr>
+        <p:spPr>
+          <a:xfrm>
+            <a:off x="0" y="1"/>
+            <a:ext cx="12192000" cy="6858000"/>
+          </a:xfrm>
+          <a:prstGeom prst="rect">
+            <a:avLst/>
+          </a:prstGeom>
+          <a:ln>
+            <a:noFill/>
+          </a:ln>
+        </p:spPr>
+        <p:style>
+          <a:lnRef idx="2">
+            <a:schemeClr val="accent1">
+              <a:shade val="50000"/>
+            </a:schemeClr>
+          </a:lnRef>
+          <a:fillRef idx="1">
+            <a:schemeClr val="accent1"/>
+          </a:fillRef>
+          <a:effectRef idx="0">
+            <a:schemeClr val="accent1"/>
+          </a:effectRef>
+          <a:fontRef idx="minor">
+            <a:schemeClr val="lt1"/>
+          </a:fontRef>
+        </p:style>
+        <p:txBody>
+          <a:bodyPr rtlCol="0" anchor="ctr"/>
+          <a:lstStyle/>
+          <a:p>
+            <a:pPr marL="0" marR="0" lvl="0" indent="0" algn="ctr" defTabSz="914400" rtl="0" eaLnBrk="1" fontAlgn="auto" latinLnBrk="0" hangingPunct="1">
+              <a:lnSpc>
+                <a:spcPct val="100000"/>
+              </a:lnSpc>
+              <a:spcBef>
+                <a:spcPts val="0"/>
+              </a:spcBef>
+              <a:spcAft>
+                <a:spcPts val="0"/>
+              </a:spcAft>
+              <a:buClrTx/>
+              <a:buSzTx/>
+              <a:buFontTx/>
+              <a:buNone/>
+              <a:tabLst/>
+              <a:defRPr/>
+            </a:pPr>
+            <a:endParaRPr kumimoji="0" lang="en-US" sz="1800" b="0" i="0" u="none" strike="noStrike" kern="1200" cap="none" spc="0" normalizeH="0" baseline="0" noProof="0">
+              <a:ln>
+                <a:noFill/>
+              </a:ln>
+              <a:solidFill>
+                <a:prstClr val="white"/>
+              </a:solidFill>
+              <a:effectLst/>
+              <a:uLnTx/>
+              <a:uFillTx/>
+              <a:latin typeface="Tw Cen MT" panose="020B0602020104020603"/>
+              <a:ea typeface="+mn-ea"/>
+              <a:cs typeface="+mn-cs"/>
+            </a:endParaRPr>
+          </a:p>
+        </p:txBody>
+      </p:sp>
+      <p:sp>
+        <p:nvSpPr>
+          <p:cNvPr id="2" name="Title 1">
+            <a:extLst>
+              <a:ext uri="{FF2B5EF4-FFF2-40B4-BE49-F238E27FC236}">
+                <a16:creationId xmlns:a16="http://schemas.microsoft.com/office/drawing/2014/main" id="{A0D7EEC3-4BA3-906A-46B8-36402D253DFD}"/>
+              </a:ext>
+            </a:extLst>
+          </p:cNvPr>
+          <p:cNvSpPr>
+            <a:spLocks noGrp="1"/>
+          </p:cNvSpPr>
+          <p:nvPr>
+            <p:ph type="title"/>
+          </p:nvPr>
+        </p:nvSpPr>
+        <p:spPr>
+          <a:xfrm>
+            <a:off x="841248" y="818457"/>
+            <a:ext cx="3322317" cy="2975876"/>
+          </a:xfrm>
+        </p:spPr>
+        <p:txBody>
+          <a:bodyPr vert="horz" lIns="91440" tIns="45720" rIns="91440" bIns="45720" rtlCol="0" anchor="b">
+            <a:normAutofit/>
+          </a:bodyPr>
+          <a:lstStyle/>
+          <a:p>
+            <a:r>
+              <a:rPr lang="en-US" b="1" u="sng" kern="1200">
+                <a:solidFill>
+                  <a:schemeClr val="tx1"/>
+                </a:solidFill>
+                <a:latin typeface="+mj-lt"/>
+                <a:ea typeface="+mj-ea"/>
+                <a:cs typeface="+mj-cs"/>
+              </a:rPr>
+              <a:t>Logistic Regression</a:t>
+            </a:r>
+          </a:p>
+        </p:txBody>
+      </p:sp>
+      <p:cxnSp>
+        <p:nvCxnSpPr>
+          <p:cNvPr id="15" name="Straight Connector 14">
+            <a:extLst>
+              <a:ext uri="{FF2B5EF4-FFF2-40B4-BE49-F238E27FC236}">
+                <a16:creationId xmlns:a16="http://schemas.microsoft.com/office/drawing/2014/main" id="{040575EE-C594-4566-BC00-663004E52AB5}"/>
+              </a:ext>
+              <a:ext uri="{C183D7F6-B498-43B3-948B-1728B52AA6E4}">
+                <adec:decorative xmlns:adec="http://schemas.microsoft.com/office/drawing/2017/decorative" val="1"/>
+              </a:ext>
+            </a:extLst>
+          </p:cNvPr>
+          <p:cNvCxnSpPr>
+            <a:cxnSpLocks noGrp="1" noRot="1" noChangeAspect="1" noMove="1" noResize="1" noEditPoints="1" noAdjustHandles="1" noChangeArrowheads="1" noChangeShapeType="1"/>
+          </p:cNvCxnSpPr>
+          <p:nvPr>
+            <p:extLst>
+              <p:ext uri="{386F3935-93C4-4BCD-93E2-E3B085C9AB24}">
+                <p16:designElem xmlns:p16="http://schemas.microsoft.com/office/powerpoint/2015/main" val="1"/>
+              </p:ext>
+            </p:extLst>
+          </p:nvPr>
+        </p:nvCxnSpPr>
+        <p:spPr>
+          <a:xfrm>
+            <a:off x="4763566" y="1417320"/>
+            <a:ext cx="0" cy="4023360"/>
+          </a:xfrm>
+          <a:prstGeom prst="line">
+            <a:avLst/>
+          </a:prstGeom>
+          <a:ln w="15875">
+            <a:solidFill>
+              <a:schemeClr val="tx1"/>
+            </a:solidFill>
+          </a:ln>
+        </p:spPr>
+        <p:style>
+          <a:lnRef idx="1">
+            <a:schemeClr val="accent1"/>
+          </a:lnRef>
+          <a:fillRef idx="0">
+            <a:schemeClr val="accent1"/>
+          </a:fillRef>
+          <a:effectRef idx="0">
+            <a:schemeClr val="accent1"/>
+          </a:effectRef>
+          <a:fontRef idx="minor">
+            <a:schemeClr val="tx1"/>
+          </a:fontRef>
+        </p:style>
+      </p:cxnSp>
       <p:pic>
         <p:nvPicPr>
-          <p:cNvPr id="3" name="Picture 2" descr="A collage of a person&#10;&#10;Description automatically generated with medium confidence">
+          <p:cNvPr id="3" name="Picture 2">
             <a:extLst>
               <a:ext uri="{FF2B5EF4-FFF2-40B4-BE49-F238E27FC236}">
-                <a16:creationId xmlns:a16="http://schemas.microsoft.com/office/drawing/2014/main" id="{1584F450-8BB2-C265-C5E7-962916B39A9E}"/>
+                <a16:creationId xmlns:a16="http://schemas.microsoft.com/office/drawing/2014/main" id="{26373725-FD87-3BAF-BC2D-15C48B5B973F}"/>
               </a:ext>
             </a:extLst>
           </p:cNvPr>
@@ -10229,15 +11499,16 @@
           </p:cNvPicPr>
           <p:nvPr/>
         </p:nvPicPr>
-        <p:blipFill rotWithShape="1">
+        <p:blipFill>
           <a:blip r:embed="rId2"/>
-          <a:srcRect t="26878" b="41576"/>
-          <a:stretch/>
+          <a:stretch>
+            <a:fillRect/>
+          </a:stretch>
         </p:blipFill>
         <p:spPr>
           <a:xfrm>
-            <a:off x="643467" y="643467"/>
-            <a:ext cx="10905066" cy="5571066"/>
+            <a:off x="4892731" y="1417320"/>
+            <a:ext cx="7067015" cy="4023360"/>
           </a:xfrm>
           <a:prstGeom prst="rect">
             <a:avLst/>
@@ -10247,7 +11518,7 @@
     </p:spTree>
     <p:extLst>
       <p:ext uri="{BB962C8B-B14F-4D97-AF65-F5344CB8AC3E}">
-        <p14:creationId xmlns:p14="http://schemas.microsoft.com/office/powerpoint/2010/main" val="3954005278"/>
+        <p14:creationId xmlns:p14="http://schemas.microsoft.com/office/powerpoint/2010/main" val="2239813358"/>
       </p:ext>
     </p:extLst>
   </p:cSld>
@@ -10257,7 +11528,7 @@
 </p:sld>
 </file>
 
-<file path=ppt/slides/slide11.xml><?xml version="1.0" encoding="utf-8"?>
+<file path=ppt/slides/slide12.xml><?xml version="1.0" encoding="utf-8"?>
 <p:sld xmlns:a="http://schemas.openxmlformats.org/drawingml/2006/main" xmlns:r="http://schemas.openxmlformats.org/officeDocument/2006/relationships" xmlns:p="http://schemas.openxmlformats.org/presentationml/2006/main">
   <p:cSld>
     <p:bg>
@@ -10453,7 +11724,7 @@
 </p:sld>
 </file>
 
-<file path=ppt/slides/slide12.xml><?xml version="1.0" encoding="utf-8"?>
+<file path=ppt/slides/slide13.xml><?xml version="1.0" encoding="utf-8"?>
 <p:sld xmlns:a="http://schemas.openxmlformats.org/drawingml/2006/main" xmlns:r="http://schemas.openxmlformats.org/officeDocument/2006/relationships" xmlns:p="http://schemas.openxmlformats.org/presentationml/2006/main">
   <p:cSld>
     <p:bg>
@@ -10523,7 +11794,263 @@
 </p:sld>
 </file>
 
-<file path=ppt/slides/slide13.xml><?xml version="1.0" encoding="utf-8"?>
+<file path=ppt/slides/slide14.xml><?xml version="1.0" encoding="utf-8"?>
+<p:sld xmlns:a="http://schemas.openxmlformats.org/drawingml/2006/main" xmlns:r="http://schemas.openxmlformats.org/officeDocument/2006/relationships" xmlns:p="http://schemas.openxmlformats.org/presentationml/2006/main">
+  <p:cSld>
+    <p:bg>
+      <p:bgPr>
+        <a:solidFill>
+          <a:schemeClr val="bg1">
+            <a:tint val="95000"/>
+            <a:satMod val="170000"/>
+          </a:schemeClr>
+        </a:solidFill>
+        <a:effectLst/>
+      </p:bgPr>
+    </p:bg>
+    <p:spTree>
+      <p:nvGrpSpPr>
+        <p:cNvPr id="1" name=""/>
+        <p:cNvGrpSpPr/>
+        <p:nvPr/>
+      </p:nvGrpSpPr>
+      <p:grpSpPr>
+        <a:xfrm>
+          <a:off x="0" y="0"/>
+          <a:ext cx="0" cy="0"/>
+          <a:chOff x="0" y="0"/>
+          <a:chExt cx="0" cy="0"/>
+        </a:xfrm>
+      </p:grpSpPr>
+      <p:sp useBgFill="1">
+        <p:nvSpPr>
+          <p:cNvPr id="10" name="Rectangle 9">
+            <a:extLst>
+              <a:ext uri="{FF2B5EF4-FFF2-40B4-BE49-F238E27FC236}">
+                <a16:creationId xmlns:a16="http://schemas.microsoft.com/office/drawing/2014/main" id="{8537B233-9CDD-4A90-AABB-A8963DEE4FBC}"/>
+              </a:ext>
+              <a:ext uri="{C183D7F6-B498-43B3-948B-1728B52AA6E4}">
+                <adec:decorative xmlns:adec="http://schemas.microsoft.com/office/drawing/2017/decorative" val="1"/>
+              </a:ext>
+            </a:extLst>
+          </p:cNvPr>
+          <p:cNvSpPr>
+            <a:spLocks noGrp="1" noRot="1" noChangeAspect="1" noMove="1" noResize="1" noEditPoints="1" noAdjustHandles="1" noChangeArrowheads="1" noChangeShapeType="1" noTextEdit="1"/>
+          </p:cNvSpPr>
+          <p:nvPr>
+            <p:extLst>
+              <p:ext uri="{386F3935-93C4-4BCD-93E2-E3B085C9AB24}">
+                <p16:designElem xmlns:p16="http://schemas.microsoft.com/office/powerpoint/2015/main" val="1"/>
+              </p:ext>
+            </p:extLst>
+          </p:nvPr>
+        </p:nvSpPr>
+        <p:spPr>
+          <a:xfrm>
+            <a:off x="0" y="1"/>
+            <a:ext cx="12192000" cy="6858000"/>
+          </a:xfrm>
+          <a:prstGeom prst="rect">
+            <a:avLst/>
+          </a:prstGeom>
+          <a:ln>
+            <a:noFill/>
+          </a:ln>
+        </p:spPr>
+        <p:style>
+          <a:lnRef idx="2">
+            <a:schemeClr val="accent1">
+              <a:shade val="50000"/>
+            </a:schemeClr>
+          </a:lnRef>
+          <a:fillRef idx="1">
+            <a:schemeClr val="accent1"/>
+          </a:fillRef>
+          <a:effectRef idx="0">
+            <a:schemeClr val="accent1"/>
+          </a:effectRef>
+          <a:fontRef idx="minor">
+            <a:schemeClr val="lt1"/>
+          </a:fontRef>
+        </p:style>
+        <p:txBody>
+          <a:bodyPr rtlCol="0" anchor="ctr"/>
+          <a:lstStyle/>
+          <a:p>
+            <a:pPr marL="0" marR="0" lvl="0" indent="0" algn="ctr" defTabSz="914400" rtl="0" eaLnBrk="1" fontAlgn="auto" latinLnBrk="0" hangingPunct="1">
+              <a:lnSpc>
+                <a:spcPct val="100000"/>
+              </a:lnSpc>
+              <a:spcBef>
+                <a:spcPts val="0"/>
+              </a:spcBef>
+              <a:spcAft>
+                <a:spcPts val="0"/>
+              </a:spcAft>
+              <a:buClrTx/>
+              <a:buSzTx/>
+              <a:buFontTx/>
+              <a:buNone/>
+              <a:tabLst/>
+              <a:defRPr/>
+            </a:pPr>
+            <a:endParaRPr kumimoji="0" lang="en-US" sz="1800" b="0" i="0" u="none" strike="noStrike" kern="1200" cap="none" spc="0" normalizeH="0" baseline="0" noProof="0">
+              <a:ln>
+                <a:noFill/>
+              </a:ln>
+              <a:solidFill>
+                <a:prstClr val="white"/>
+              </a:solidFill>
+              <a:effectLst/>
+              <a:uLnTx/>
+              <a:uFillTx/>
+              <a:latin typeface="Tw Cen MT" panose="020B0602020104020603"/>
+              <a:ea typeface="+mn-ea"/>
+              <a:cs typeface="+mn-cs"/>
+            </a:endParaRPr>
+          </a:p>
+        </p:txBody>
+      </p:sp>
+      <p:sp>
+        <p:nvSpPr>
+          <p:cNvPr id="2" name="Title 1">
+            <a:extLst>
+              <a:ext uri="{FF2B5EF4-FFF2-40B4-BE49-F238E27FC236}">
+                <a16:creationId xmlns:a16="http://schemas.microsoft.com/office/drawing/2014/main" id="{A32A8018-211D-939B-8A98-76301856DABE}"/>
+              </a:ext>
+            </a:extLst>
+          </p:cNvPr>
+          <p:cNvSpPr>
+            <a:spLocks noGrp="1"/>
+          </p:cNvSpPr>
+          <p:nvPr>
+            <p:ph type="title"/>
+          </p:nvPr>
+        </p:nvSpPr>
+        <p:spPr>
+          <a:xfrm>
+            <a:off x="841248" y="818457"/>
+            <a:ext cx="3322317" cy="2975876"/>
+          </a:xfrm>
+        </p:spPr>
+        <p:txBody>
+          <a:bodyPr vert="horz" lIns="91440" tIns="45720" rIns="91440" bIns="45720" rtlCol="0" anchor="b">
+            <a:normAutofit/>
+          </a:bodyPr>
+          <a:lstStyle/>
+          <a:p>
+            <a:r>
+              <a:rPr lang="en-US" b="1" u="sng" kern="1200">
+                <a:solidFill>
+                  <a:schemeClr val="tx1"/>
+                </a:solidFill>
+                <a:latin typeface="+mj-lt"/>
+                <a:ea typeface="+mj-ea"/>
+                <a:cs typeface="+mj-cs"/>
+              </a:rPr>
+              <a:t>K-Neighbor Classifier</a:t>
+            </a:r>
+          </a:p>
+        </p:txBody>
+      </p:sp>
+      <p:cxnSp>
+        <p:nvCxnSpPr>
+          <p:cNvPr id="12" name="Straight Connector 11">
+            <a:extLst>
+              <a:ext uri="{FF2B5EF4-FFF2-40B4-BE49-F238E27FC236}">
+                <a16:creationId xmlns:a16="http://schemas.microsoft.com/office/drawing/2014/main" id="{040575EE-C594-4566-BC00-663004E52AB5}"/>
+              </a:ext>
+              <a:ext uri="{C183D7F6-B498-43B3-948B-1728B52AA6E4}">
+                <adec:decorative xmlns:adec="http://schemas.microsoft.com/office/drawing/2017/decorative" val="1"/>
+              </a:ext>
+            </a:extLst>
+          </p:cNvPr>
+          <p:cNvCxnSpPr>
+            <a:cxnSpLocks noGrp="1" noRot="1" noChangeAspect="1" noMove="1" noResize="1" noEditPoints="1" noAdjustHandles="1" noChangeArrowheads="1" noChangeShapeType="1"/>
+          </p:cNvCxnSpPr>
+          <p:nvPr>
+            <p:extLst>
+              <p:ext uri="{386F3935-93C4-4BCD-93E2-E3B085C9AB24}">
+                <p16:designElem xmlns:p16="http://schemas.microsoft.com/office/powerpoint/2015/main" val="1"/>
+              </p:ext>
+            </p:extLst>
+          </p:nvPr>
+        </p:nvCxnSpPr>
+        <p:spPr>
+          <a:xfrm>
+            <a:off x="4763566" y="1417320"/>
+            <a:ext cx="0" cy="4023360"/>
+          </a:xfrm>
+          <a:prstGeom prst="line">
+            <a:avLst/>
+          </a:prstGeom>
+          <a:ln w="15875">
+            <a:solidFill>
+              <a:schemeClr val="tx1"/>
+            </a:solidFill>
+          </a:ln>
+        </p:spPr>
+        <p:style>
+          <a:lnRef idx="1">
+            <a:schemeClr val="accent1"/>
+          </a:lnRef>
+          <a:fillRef idx="0">
+            <a:schemeClr val="accent1"/>
+          </a:fillRef>
+          <a:effectRef idx="0">
+            <a:schemeClr val="accent1"/>
+          </a:effectRef>
+          <a:fontRef idx="minor">
+            <a:schemeClr val="tx1"/>
+          </a:fontRef>
+        </p:style>
+      </p:cxnSp>
+      <p:pic>
+        <p:nvPicPr>
+          <p:cNvPr id="5" name="Content Placeholder 4">
+            <a:extLst>
+              <a:ext uri="{FF2B5EF4-FFF2-40B4-BE49-F238E27FC236}">
+                <a16:creationId xmlns:a16="http://schemas.microsoft.com/office/drawing/2014/main" id="{908F02C2-0C5A-56F8-889A-B2D07924B265}"/>
+              </a:ext>
+            </a:extLst>
+          </p:cNvPr>
+          <p:cNvPicPr>
+            <a:picLocks noGrp="1" noChangeAspect="1"/>
+          </p:cNvPicPr>
+          <p:nvPr>
+            <p:ph idx="4294967295"/>
+          </p:nvPr>
+        </p:nvPicPr>
+        <p:blipFill>
+          <a:blip r:embed="rId2"/>
+          <a:stretch>
+            <a:fillRect/>
+          </a:stretch>
+        </p:blipFill>
+        <p:spPr>
+          <a:xfrm>
+            <a:off x="4986631" y="1417320"/>
+            <a:ext cx="6922635" cy="3893982"/>
+          </a:xfrm>
+          <a:prstGeom prst="rect">
+            <a:avLst/>
+          </a:prstGeom>
+        </p:spPr>
+      </p:pic>
+    </p:spTree>
+    <p:extLst>
+      <p:ext uri="{BB962C8B-B14F-4D97-AF65-F5344CB8AC3E}">
+        <p14:creationId xmlns:p14="http://schemas.microsoft.com/office/powerpoint/2010/main" val="2700462306"/>
+      </p:ext>
+    </p:extLst>
+  </p:cSld>
+  <p:clrMapOvr>
+    <a:overrideClrMapping bg1="dk1" tx1="lt1" bg2="dk2" tx2="lt2" accent1="accent1" accent2="accent2" accent3="accent3" accent4="accent4" accent5="accent5" accent6="accent6" hlink="hlink" folHlink="folHlink"/>
+  </p:clrMapOvr>
+</p:sld>
+</file>
+
+<file path=ppt/slides/slide15.xml><?xml version="1.0" encoding="utf-8"?>
 <p:sld xmlns:a="http://schemas.openxmlformats.org/drawingml/2006/main" xmlns:r="http://schemas.openxmlformats.org/officeDocument/2006/relationships" xmlns:p="http://schemas.openxmlformats.org/presentationml/2006/main">
   <p:cSld>
     <p:bg>
@@ -10719,7 +12246,7 @@
 </p:sld>
 </file>
 
-<file path=ppt/slides/slide14.xml><?xml version="1.0" encoding="utf-8"?>
+<file path=ppt/slides/slide16.xml><?xml version="1.0" encoding="utf-8"?>
 <p:sld xmlns:a="http://schemas.openxmlformats.org/drawingml/2006/main" xmlns:r="http://schemas.openxmlformats.org/officeDocument/2006/relationships" xmlns:p="http://schemas.openxmlformats.org/presentationml/2006/main">
   <p:cSld>
     <p:bg>
@@ -10789,7 +12316,269 @@
 </p:sld>
 </file>
 
-<file path=ppt/slides/slide15.xml><?xml version="1.0" encoding="utf-8"?>
+<file path=ppt/slides/slide17.xml><?xml version="1.0" encoding="utf-8"?>
+<p:sld xmlns:a="http://schemas.openxmlformats.org/drawingml/2006/main" xmlns:r="http://schemas.openxmlformats.org/officeDocument/2006/relationships" xmlns:p="http://schemas.openxmlformats.org/presentationml/2006/main">
+  <p:cSld>
+    <p:bg>
+      <p:bgPr>
+        <a:solidFill>
+          <a:schemeClr val="bg1">
+            <a:tint val="95000"/>
+            <a:satMod val="170000"/>
+          </a:schemeClr>
+        </a:solidFill>
+        <a:effectLst/>
+      </p:bgPr>
+    </p:bg>
+    <p:spTree>
+      <p:nvGrpSpPr>
+        <p:cNvPr id="1" name=""/>
+        <p:cNvGrpSpPr/>
+        <p:nvPr/>
+      </p:nvGrpSpPr>
+      <p:grpSpPr>
+        <a:xfrm>
+          <a:off x="0" y="0"/>
+          <a:ext cx="0" cy="0"/>
+          <a:chOff x="0" y="0"/>
+          <a:chExt cx="0" cy="0"/>
+        </a:xfrm>
+      </p:grpSpPr>
+      <p:sp useBgFill="1">
+        <p:nvSpPr>
+          <p:cNvPr id="15" name="Rectangle 14">
+            <a:extLst>
+              <a:ext uri="{FF2B5EF4-FFF2-40B4-BE49-F238E27FC236}">
+                <a16:creationId xmlns:a16="http://schemas.microsoft.com/office/drawing/2014/main" id="{8537B233-9CDD-4A90-AABB-A8963DEE4FBC}"/>
+              </a:ext>
+              <a:ext uri="{C183D7F6-B498-43B3-948B-1728B52AA6E4}">
+                <adec:decorative xmlns:adec="http://schemas.microsoft.com/office/drawing/2017/decorative" val="1"/>
+              </a:ext>
+            </a:extLst>
+          </p:cNvPr>
+          <p:cNvSpPr>
+            <a:spLocks noGrp="1" noRot="1" noChangeAspect="1" noMove="1" noResize="1" noEditPoints="1" noAdjustHandles="1" noChangeArrowheads="1" noChangeShapeType="1" noTextEdit="1"/>
+          </p:cNvSpPr>
+          <p:nvPr>
+            <p:extLst>
+              <p:ext uri="{386F3935-93C4-4BCD-93E2-E3B085C9AB24}">
+                <p16:designElem xmlns:p16="http://schemas.microsoft.com/office/powerpoint/2015/main" val="1"/>
+              </p:ext>
+            </p:extLst>
+          </p:nvPr>
+        </p:nvSpPr>
+        <p:spPr>
+          <a:xfrm>
+            <a:off x="0" y="1"/>
+            <a:ext cx="12192000" cy="6858000"/>
+          </a:xfrm>
+          <a:prstGeom prst="rect">
+            <a:avLst/>
+          </a:prstGeom>
+          <a:ln>
+            <a:noFill/>
+          </a:ln>
+        </p:spPr>
+        <p:style>
+          <a:lnRef idx="2">
+            <a:schemeClr val="accent1">
+              <a:shade val="50000"/>
+            </a:schemeClr>
+          </a:lnRef>
+          <a:fillRef idx="1">
+            <a:schemeClr val="accent1"/>
+          </a:fillRef>
+          <a:effectRef idx="0">
+            <a:schemeClr val="accent1"/>
+          </a:effectRef>
+          <a:fontRef idx="minor">
+            <a:schemeClr val="lt1"/>
+          </a:fontRef>
+        </p:style>
+        <p:txBody>
+          <a:bodyPr rtlCol="0" anchor="ctr"/>
+          <a:lstStyle/>
+          <a:p>
+            <a:pPr marL="0" marR="0" lvl="0" indent="0" algn="ctr" defTabSz="914400" rtl="0" eaLnBrk="1" fontAlgn="auto" latinLnBrk="0" hangingPunct="1">
+              <a:lnSpc>
+                <a:spcPct val="100000"/>
+              </a:lnSpc>
+              <a:spcBef>
+                <a:spcPts val="0"/>
+              </a:spcBef>
+              <a:spcAft>
+                <a:spcPts val="0"/>
+              </a:spcAft>
+              <a:buClrTx/>
+              <a:buSzTx/>
+              <a:buFontTx/>
+              <a:buNone/>
+              <a:tabLst/>
+              <a:defRPr/>
+            </a:pPr>
+            <a:endParaRPr kumimoji="0" lang="en-US" sz="1800" b="0" i="0" u="none" strike="noStrike" kern="1200" cap="none" spc="0" normalizeH="0" baseline="0" noProof="0">
+              <a:ln>
+                <a:noFill/>
+              </a:ln>
+              <a:solidFill>
+                <a:prstClr val="white"/>
+              </a:solidFill>
+              <a:effectLst/>
+              <a:uLnTx/>
+              <a:uFillTx/>
+              <a:latin typeface="Tw Cen MT" panose="020B0602020104020603"/>
+              <a:ea typeface="+mn-ea"/>
+              <a:cs typeface="+mn-cs"/>
+            </a:endParaRPr>
+          </a:p>
+        </p:txBody>
+      </p:sp>
+      <p:sp>
+        <p:nvSpPr>
+          <p:cNvPr id="2" name="Title 1">
+            <a:extLst>
+              <a:ext uri="{FF2B5EF4-FFF2-40B4-BE49-F238E27FC236}">
+                <a16:creationId xmlns:a16="http://schemas.microsoft.com/office/drawing/2014/main" id="{81A1804E-D847-EFED-6C89-22D16C2EA970}"/>
+              </a:ext>
+            </a:extLst>
+          </p:cNvPr>
+          <p:cNvSpPr>
+            <a:spLocks noGrp="1"/>
+          </p:cNvSpPr>
+          <p:nvPr>
+            <p:ph type="title"/>
+          </p:nvPr>
+        </p:nvSpPr>
+        <p:spPr>
+          <a:xfrm>
+            <a:off x="841248" y="818457"/>
+            <a:ext cx="3322317" cy="2975876"/>
+          </a:xfrm>
+        </p:spPr>
+        <p:txBody>
+          <a:bodyPr vert="horz" lIns="91440" tIns="45720" rIns="91440" bIns="45720" rtlCol="0" anchor="b">
+            <a:normAutofit/>
+          </a:bodyPr>
+          <a:lstStyle/>
+          <a:p>
+            <a:r>
+              <a:rPr lang="en-US" b="1" u="sng" kern="1200">
+                <a:solidFill>
+                  <a:schemeClr val="tx1"/>
+                </a:solidFill>
+                <a:latin typeface="+mj-lt"/>
+                <a:ea typeface="+mj-ea"/>
+                <a:cs typeface="+mj-cs"/>
+              </a:rPr>
+              <a:t>Gaussian NB Classifier</a:t>
+            </a:r>
+            <a:endParaRPr lang="en-US" kern="1200">
+              <a:solidFill>
+                <a:schemeClr val="tx1"/>
+              </a:solidFill>
+              <a:latin typeface="+mj-lt"/>
+              <a:ea typeface="+mj-ea"/>
+              <a:cs typeface="+mj-cs"/>
+            </a:endParaRPr>
+          </a:p>
+        </p:txBody>
+      </p:sp>
+      <p:cxnSp>
+        <p:nvCxnSpPr>
+          <p:cNvPr id="17" name="Straight Connector 16">
+            <a:extLst>
+              <a:ext uri="{FF2B5EF4-FFF2-40B4-BE49-F238E27FC236}">
+                <a16:creationId xmlns:a16="http://schemas.microsoft.com/office/drawing/2014/main" id="{040575EE-C594-4566-BC00-663004E52AB5}"/>
+              </a:ext>
+              <a:ext uri="{C183D7F6-B498-43B3-948B-1728B52AA6E4}">
+                <adec:decorative xmlns:adec="http://schemas.microsoft.com/office/drawing/2017/decorative" val="1"/>
+              </a:ext>
+            </a:extLst>
+          </p:cNvPr>
+          <p:cNvCxnSpPr>
+            <a:cxnSpLocks noGrp="1" noRot="1" noChangeAspect="1" noMove="1" noResize="1" noEditPoints="1" noAdjustHandles="1" noChangeArrowheads="1" noChangeShapeType="1"/>
+          </p:cNvCxnSpPr>
+          <p:nvPr>
+            <p:extLst>
+              <p:ext uri="{386F3935-93C4-4BCD-93E2-E3B085C9AB24}">
+                <p16:designElem xmlns:p16="http://schemas.microsoft.com/office/powerpoint/2015/main" val="1"/>
+              </p:ext>
+            </p:extLst>
+          </p:nvPr>
+        </p:nvCxnSpPr>
+        <p:spPr>
+          <a:xfrm>
+            <a:off x="4763566" y="1417320"/>
+            <a:ext cx="0" cy="4023360"/>
+          </a:xfrm>
+          <a:prstGeom prst="line">
+            <a:avLst/>
+          </a:prstGeom>
+          <a:ln w="15875">
+            <a:solidFill>
+              <a:schemeClr val="tx1"/>
+            </a:solidFill>
+          </a:ln>
+        </p:spPr>
+        <p:style>
+          <a:lnRef idx="1">
+            <a:schemeClr val="accent1"/>
+          </a:lnRef>
+          <a:fillRef idx="0">
+            <a:schemeClr val="accent1"/>
+          </a:fillRef>
+          <a:effectRef idx="0">
+            <a:schemeClr val="accent1"/>
+          </a:effectRef>
+          <a:fontRef idx="minor">
+            <a:schemeClr val="tx1"/>
+          </a:fontRef>
+        </p:style>
+      </p:cxnSp>
+      <p:pic>
+        <p:nvPicPr>
+          <p:cNvPr id="5" name="Picture 4">
+            <a:extLst>
+              <a:ext uri="{FF2B5EF4-FFF2-40B4-BE49-F238E27FC236}">
+                <a16:creationId xmlns:a16="http://schemas.microsoft.com/office/drawing/2014/main" id="{CD35475F-0ABA-DEC6-ECD0-F49AEBDD849D}"/>
+              </a:ext>
+            </a:extLst>
+          </p:cNvPr>
+          <p:cNvPicPr>
+            <a:picLocks noChangeAspect="1"/>
+          </p:cNvPicPr>
+          <p:nvPr/>
+        </p:nvPicPr>
+        <p:blipFill>
+          <a:blip r:embed="rId2"/>
+          <a:stretch>
+            <a:fillRect/>
+          </a:stretch>
+        </p:blipFill>
+        <p:spPr>
+          <a:xfrm>
+            <a:off x="5004813" y="1411791"/>
+            <a:ext cx="6936681" cy="4028889"/>
+          </a:xfrm>
+          <a:prstGeom prst="rect">
+            <a:avLst/>
+          </a:prstGeom>
+        </p:spPr>
+      </p:pic>
+    </p:spTree>
+    <p:extLst>
+      <p:ext uri="{BB962C8B-B14F-4D97-AF65-F5344CB8AC3E}">
+        <p14:creationId xmlns:p14="http://schemas.microsoft.com/office/powerpoint/2010/main" val="2685970679"/>
+      </p:ext>
+    </p:extLst>
+  </p:cSld>
+  <p:clrMapOvr>
+    <a:overrideClrMapping bg1="dk1" tx1="lt1" bg2="dk2" tx2="lt2" accent1="accent1" accent2="accent2" accent3="accent3" accent4="accent4" accent5="accent5" accent6="accent6" hlink="hlink" folHlink="folHlink"/>
+  </p:clrMapOvr>
+</p:sld>
+</file>
+
+<file path=ppt/slides/slide18.xml><?xml version="1.0" encoding="utf-8"?>
 <p:sld xmlns:a="http://schemas.openxmlformats.org/drawingml/2006/main" xmlns:r="http://schemas.openxmlformats.org/officeDocument/2006/relationships" xmlns:p="http://schemas.openxmlformats.org/presentationml/2006/main">
   <p:cSld>
     <p:bg>
@@ -10985,7 +12774,7 @@
 </p:sld>
 </file>
 
-<file path=ppt/slides/slide16.xml><?xml version="1.0" encoding="utf-8"?>
+<file path=ppt/slides/slide19.xml><?xml version="1.0" encoding="utf-8"?>
 <p:sld xmlns:a="http://schemas.openxmlformats.org/drawingml/2006/main" xmlns:r="http://schemas.openxmlformats.org/officeDocument/2006/relationships" xmlns:p="http://schemas.openxmlformats.org/presentationml/2006/main">
   <p:cSld>
     <p:bg>
@@ -11055,7 +12844,800 @@
 </p:sld>
 </file>
 
-<file path=ppt/slides/slide17.xml><?xml version="1.0" encoding="utf-8"?>
+<file path=ppt/slides/slide2.xml><?xml version="1.0" encoding="utf-8"?>
+<p:sld xmlns:a="http://schemas.openxmlformats.org/drawingml/2006/main" xmlns:r="http://schemas.openxmlformats.org/officeDocument/2006/relationships" xmlns:p="http://schemas.openxmlformats.org/presentationml/2006/main">
+  <p:cSld>
+    <p:bg>
+      <p:bgPr>
+        <a:solidFill>
+          <a:schemeClr val="bg1"/>
+        </a:solidFill>
+        <a:effectLst/>
+      </p:bgPr>
+    </p:bg>
+    <p:spTree>
+      <p:nvGrpSpPr>
+        <p:cNvPr id="1" name=""/>
+        <p:cNvGrpSpPr/>
+        <p:nvPr/>
+      </p:nvGrpSpPr>
+      <p:grpSpPr>
+        <a:xfrm>
+          <a:off x="0" y="0"/>
+          <a:ext cx="0" cy="0"/>
+          <a:chOff x="0" y="0"/>
+          <a:chExt cx="0" cy="0"/>
+        </a:xfrm>
+      </p:grpSpPr>
+      <p:sp useBgFill="1">
+        <p:nvSpPr>
+          <p:cNvPr id="20" name="Rectangle 14">
+            <a:extLst>
+              <a:ext uri="{FF2B5EF4-FFF2-40B4-BE49-F238E27FC236}">
+                <a16:creationId xmlns:a16="http://schemas.microsoft.com/office/drawing/2014/main" id="{9AA72BD9-2C5A-4EDC-931F-5AA08EACA0F3}"/>
+              </a:ext>
+              <a:ext uri="{C183D7F6-B498-43B3-948B-1728B52AA6E4}">
+                <adec:decorative xmlns:adec="http://schemas.microsoft.com/office/drawing/2017/decorative" val="1"/>
+              </a:ext>
+            </a:extLst>
+          </p:cNvPr>
+          <p:cNvSpPr>
+            <a:spLocks noGrp="1" noRot="1" noChangeAspect="1" noMove="1" noResize="1" noEditPoints="1" noAdjustHandles="1" noChangeArrowheads="1" noChangeShapeType="1" noTextEdit="1"/>
+          </p:cNvSpPr>
+          <p:nvPr>
+            <p:extLst>
+              <p:ext uri="{386F3935-93C4-4BCD-93E2-E3B085C9AB24}">
+                <p16:designElem xmlns:p16="http://schemas.microsoft.com/office/powerpoint/2015/main" val="1"/>
+              </p:ext>
+            </p:extLst>
+          </p:nvPr>
+        </p:nvSpPr>
+        <p:spPr>
+          <a:xfrm>
+            <a:off x="0" y="0"/>
+            <a:ext cx="12192000" cy="6858000"/>
+          </a:xfrm>
+          <a:prstGeom prst="rect">
+            <a:avLst/>
+          </a:prstGeom>
+          <a:ln>
+            <a:noFill/>
+          </a:ln>
+        </p:spPr>
+        <p:style>
+          <a:lnRef idx="2">
+            <a:schemeClr val="accent1">
+              <a:shade val="50000"/>
+            </a:schemeClr>
+          </a:lnRef>
+          <a:fillRef idx="1">
+            <a:schemeClr val="accent1"/>
+          </a:fillRef>
+          <a:effectRef idx="0">
+            <a:schemeClr val="accent1"/>
+          </a:effectRef>
+          <a:fontRef idx="minor">
+            <a:schemeClr val="lt1"/>
+          </a:fontRef>
+        </p:style>
+        <p:txBody>
+          <a:bodyPr rtlCol="0" anchor="ctr"/>
+          <a:lstStyle/>
+          <a:p>
+            <a:pPr algn="ctr"/>
+            <a:endParaRPr lang="en-US"/>
+          </a:p>
+        </p:txBody>
+      </p:sp>
+      <p:pic>
+        <p:nvPicPr>
+          <p:cNvPr id="6" name="Picture 5">
+            <a:extLst>
+              <a:ext uri="{FF2B5EF4-FFF2-40B4-BE49-F238E27FC236}">
+                <a16:creationId xmlns:a16="http://schemas.microsoft.com/office/drawing/2014/main" id="{6B31DD9B-B2B8-DD9A-599D-5531F157BAA3}"/>
+              </a:ext>
+            </a:extLst>
+          </p:cNvPr>
+          <p:cNvPicPr>
+            <a:picLocks noChangeAspect="1"/>
+          </p:cNvPicPr>
+          <p:nvPr/>
+        </p:nvPicPr>
+        <p:blipFill rotWithShape="1">
+          <a:blip r:embed="rId3"/>
+          <a:srcRect l="2658" t="9091" r="28387" b="-1"/>
+          <a:stretch/>
+        </p:blipFill>
+        <p:spPr>
+          <a:xfrm>
+            <a:off x="3599234" y="10"/>
+            <a:ext cx="8592766" cy="6857990"/>
+          </a:xfrm>
+          <a:prstGeom prst="rect">
+            <a:avLst/>
+          </a:prstGeom>
+        </p:spPr>
+      </p:pic>
+      <p:sp>
+        <p:nvSpPr>
+          <p:cNvPr id="22" name="Rectangle 16">
+            <a:extLst>
+              <a:ext uri="{FF2B5EF4-FFF2-40B4-BE49-F238E27FC236}">
+                <a16:creationId xmlns:a16="http://schemas.microsoft.com/office/drawing/2014/main" id="{DD3981AC-7B61-4947-BCF3-F7AA7FA385B9}"/>
+              </a:ext>
+              <a:ext uri="{C183D7F6-B498-43B3-948B-1728B52AA6E4}">
+                <adec:decorative xmlns:adec="http://schemas.microsoft.com/office/drawing/2017/decorative" val="1"/>
+              </a:ext>
+            </a:extLst>
+          </p:cNvPr>
+          <p:cNvSpPr>
+            <a:spLocks noGrp="1" noRot="1" noChangeAspect="1" noMove="1" noResize="1" noEditPoints="1" noAdjustHandles="1" noChangeArrowheads="1" noChangeShapeType="1" noTextEdit="1"/>
+          </p:cNvSpPr>
+          <p:nvPr>
+            <p:extLst>
+              <p:ext uri="{386F3935-93C4-4BCD-93E2-E3B085C9AB24}">
+                <p16:designElem xmlns:p16="http://schemas.microsoft.com/office/powerpoint/2015/main" val="1"/>
+              </p:ext>
+            </p:extLst>
+          </p:nvPr>
+        </p:nvSpPr>
+        <p:spPr>
+          <a:xfrm>
+            <a:off x="2" y="0"/>
+            <a:ext cx="9756601" cy="6858000"/>
+          </a:xfrm>
+          <a:prstGeom prst="rect">
+            <a:avLst/>
+          </a:prstGeom>
+          <a:gradFill>
+            <a:gsLst>
+              <a:gs pos="58000">
+                <a:schemeClr val="bg1"/>
+              </a:gs>
+              <a:gs pos="35000">
+                <a:schemeClr val="bg1">
+                  <a:alpha val="78000"/>
+                </a:schemeClr>
+              </a:gs>
+              <a:gs pos="19000">
+                <a:schemeClr val="bg1">
+                  <a:alpha val="38000"/>
+                </a:schemeClr>
+              </a:gs>
+              <a:gs pos="0">
+                <a:schemeClr val="bg1">
+                  <a:alpha val="0"/>
+                </a:schemeClr>
+              </a:gs>
+              <a:gs pos="100000">
+                <a:schemeClr val="bg1"/>
+              </a:gs>
+            </a:gsLst>
+            <a:lin ang="10800000" scaled="0"/>
+          </a:gradFill>
+          <a:ln>
+            <a:noFill/>
+          </a:ln>
+        </p:spPr>
+        <p:style>
+          <a:lnRef idx="2">
+            <a:schemeClr val="accent1">
+              <a:shade val="50000"/>
+            </a:schemeClr>
+          </a:lnRef>
+          <a:fillRef idx="1">
+            <a:schemeClr val="accent1"/>
+          </a:fillRef>
+          <a:effectRef idx="0">
+            <a:schemeClr val="accent1"/>
+          </a:effectRef>
+          <a:fontRef idx="minor">
+            <a:schemeClr val="lt1"/>
+          </a:fontRef>
+        </p:style>
+        <p:txBody>
+          <a:bodyPr rtlCol="0" anchor="ctr"/>
+          <a:lstStyle/>
+          <a:p>
+            <a:pPr algn="ctr"/>
+            <a:endParaRPr lang="en-US" dirty="0"/>
+          </a:p>
+        </p:txBody>
+      </p:sp>
+      <p:sp>
+        <p:nvSpPr>
+          <p:cNvPr id="2" name="Title 1">
+            <a:extLst>
+              <a:ext uri="{FF2B5EF4-FFF2-40B4-BE49-F238E27FC236}">
+                <a16:creationId xmlns:a16="http://schemas.microsoft.com/office/drawing/2014/main" id="{D73792BF-197D-7A40-B790-B12C6324DC2C}"/>
+              </a:ext>
+            </a:extLst>
+          </p:cNvPr>
+          <p:cNvSpPr>
+            <a:spLocks noGrp="1"/>
+          </p:cNvSpPr>
+          <p:nvPr>
+            <p:ph type="title"/>
+          </p:nvPr>
+        </p:nvSpPr>
+        <p:spPr>
+          <a:xfrm>
+            <a:off x="371094" y="1161288"/>
+            <a:ext cx="3438144" cy="1124712"/>
+          </a:xfrm>
+        </p:spPr>
+        <p:txBody>
+          <a:bodyPr anchor="b">
+            <a:normAutofit/>
+          </a:bodyPr>
+          <a:lstStyle/>
+          <a:p>
+            <a:r>
+              <a:rPr lang="en-US" sz="2800"/>
+              <a:t>Contributors</a:t>
+            </a:r>
+          </a:p>
+        </p:txBody>
+      </p:sp>
+      <p:sp>
+        <p:nvSpPr>
+          <p:cNvPr id="19" name="Rectangle 18">
+            <a:extLst>
+              <a:ext uri="{FF2B5EF4-FFF2-40B4-BE49-F238E27FC236}">
+                <a16:creationId xmlns:a16="http://schemas.microsoft.com/office/drawing/2014/main" id="{55D4142C-5077-457F-A6AD-3FECFDB39685}"/>
+              </a:ext>
+              <a:ext uri="{C183D7F6-B498-43B3-948B-1728B52AA6E4}">
+                <adec:decorative xmlns:adec="http://schemas.microsoft.com/office/drawing/2017/decorative" val="1"/>
+              </a:ext>
+            </a:extLst>
+          </p:cNvPr>
+          <p:cNvSpPr>
+            <a:spLocks noGrp="1" noRot="1" noChangeAspect="1" noMove="1" noResize="1" noEditPoints="1" noAdjustHandles="1" noChangeArrowheads="1" noChangeShapeType="1" noTextEdit="1"/>
+          </p:cNvSpPr>
+          <p:nvPr>
+            <p:extLst>
+              <p:ext uri="{386F3935-93C4-4BCD-93E2-E3B085C9AB24}">
+                <p16:designElem xmlns:p16="http://schemas.microsoft.com/office/powerpoint/2015/main" val="1"/>
+              </p:ext>
+            </p:extLst>
+          </p:nvPr>
+        </p:nvSpPr>
+        <p:spPr>
+          <a:xfrm rot="5400000">
+            <a:off x="662559" y="605790"/>
+            <a:ext cx="73152" cy="548640"/>
+          </a:xfrm>
+          <a:prstGeom prst="rect">
+            <a:avLst/>
+          </a:prstGeom>
+          <a:solidFill>
+            <a:schemeClr val="accent2"/>
+          </a:solidFill>
+          <a:ln>
+            <a:noFill/>
+          </a:ln>
+        </p:spPr>
+        <p:style>
+          <a:lnRef idx="2">
+            <a:schemeClr val="accent1">
+              <a:shade val="50000"/>
+            </a:schemeClr>
+          </a:lnRef>
+          <a:fillRef idx="1">
+            <a:schemeClr val="accent1"/>
+          </a:fillRef>
+          <a:effectRef idx="0">
+            <a:schemeClr val="accent1"/>
+          </a:effectRef>
+          <a:fontRef idx="minor">
+            <a:schemeClr val="lt1"/>
+          </a:fontRef>
+        </p:style>
+        <p:txBody>
+          <a:bodyPr rtlCol="0" anchor="ctr"/>
+          <a:lstStyle/>
+          <a:p>
+            <a:pPr algn="ctr"/>
+            <a:endParaRPr lang="en-US">
+              <a:solidFill>
+                <a:prstClr val="white"/>
+              </a:solidFill>
+              <a:latin typeface="Calibri" panose="020F0502020204030204"/>
+            </a:endParaRPr>
+          </a:p>
+        </p:txBody>
+      </p:sp>
+      <p:sp>
+        <p:nvSpPr>
+          <p:cNvPr id="21" name="Rectangle 20">
+            <a:extLst>
+              <a:ext uri="{FF2B5EF4-FFF2-40B4-BE49-F238E27FC236}">
+                <a16:creationId xmlns:a16="http://schemas.microsoft.com/office/drawing/2014/main" id="{7A5F0580-5EE9-419F-96EE-B6529EF6E7D0}"/>
+              </a:ext>
+              <a:ext uri="{C183D7F6-B498-43B3-948B-1728B52AA6E4}">
+                <adec:decorative xmlns:adec="http://schemas.microsoft.com/office/drawing/2017/decorative" val="1"/>
+              </a:ext>
+            </a:extLst>
+          </p:cNvPr>
+          <p:cNvSpPr>
+            <a:spLocks noGrp="1" noRot="1" noChangeAspect="1" noMove="1" noResize="1" noEditPoints="1" noAdjustHandles="1" noChangeArrowheads="1" noChangeShapeType="1" noTextEdit="1"/>
+          </p:cNvSpPr>
+          <p:nvPr>
+            <p:extLst>
+              <p:ext uri="{386F3935-93C4-4BCD-93E2-E3B085C9AB24}">
+                <p16:designElem xmlns:p16="http://schemas.microsoft.com/office/powerpoint/2015/main" val="1"/>
+              </p:ext>
+            </p:extLst>
+          </p:nvPr>
+        </p:nvSpPr>
+        <p:spPr>
+          <a:xfrm>
+            <a:off x="428244" y="2443480"/>
+            <a:ext cx="3300984" cy="18288"/>
+          </a:xfrm>
+          <a:prstGeom prst="rect">
+            <a:avLst/>
+          </a:prstGeom>
+          <a:solidFill>
+            <a:schemeClr val="tx1"/>
+          </a:solidFill>
+          <a:ln w="3175">
+            <a:noFill/>
+          </a:ln>
+          <a:effectLst/>
+        </p:spPr>
+        <p:style>
+          <a:lnRef idx="2">
+            <a:schemeClr val="accent1">
+              <a:shade val="50000"/>
+            </a:schemeClr>
+          </a:lnRef>
+          <a:fillRef idx="1">
+            <a:schemeClr val="accent1"/>
+          </a:fillRef>
+          <a:effectRef idx="0">
+            <a:schemeClr val="accent1"/>
+          </a:effectRef>
+          <a:fontRef idx="minor">
+            <a:schemeClr val="lt1"/>
+          </a:fontRef>
+        </p:style>
+        <p:txBody>
+          <a:bodyPr rtlCol="0" anchor="ctr"/>
+          <a:lstStyle/>
+          <a:p>
+            <a:pPr marL="0" marR="0" lvl="0" indent="0" algn="ctr" defTabSz="914400" rtl="0" eaLnBrk="1" fontAlgn="auto" latinLnBrk="0" hangingPunct="1">
+              <a:lnSpc>
+                <a:spcPct val="100000"/>
+              </a:lnSpc>
+              <a:spcBef>
+                <a:spcPts val="0"/>
+              </a:spcBef>
+              <a:spcAft>
+                <a:spcPts val="0"/>
+              </a:spcAft>
+              <a:buClrTx/>
+              <a:buSzTx/>
+              <a:buFontTx/>
+              <a:buNone/>
+              <a:tabLst/>
+              <a:defRPr/>
+            </a:pPr>
+            <a:endParaRPr kumimoji="0" lang="en-US" sz="1800" b="0" i="0" u="none" strike="noStrike" kern="1200" cap="none" spc="0" normalizeH="0" baseline="0" noProof="0">
+              <a:ln>
+                <a:noFill/>
+              </a:ln>
+              <a:solidFill>
+                <a:prstClr val="white"/>
+              </a:solidFill>
+              <a:effectLst/>
+              <a:uLnTx/>
+              <a:uFillTx/>
+              <a:latin typeface="Calibri" panose="020F0502020204030204"/>
+              <a:ea typeface="+mn-ea"/>
+              <a:cs typeface="+mn-cs"/>
+            </a:endParaRPr>
+          </a:p>
+        </p:txBody>
+      </p:sp>
+      <p:graphicFrame>
+        <p:nvGraphicFramePr>
+          <p:cNvPr id="5" name="Content Placeholder 2">
+            <a:extLst>
+              <a:ext uri="{FF2B5EF4-FFF2-40B4-BE49-F238E27FC236}">
+                <a16:creationId xmlns:a16="http://schemas.microsoft.com/office/drawing/2014/main" id="{85D20A3E-1DE8-6E33-BAD5-C5983BFBF11E}"/>
+              </a:ext>
+            </a:extLst>
+          </p:cNvPr>
+          <p:cNvGraphicFramePr>
+            <a:graphicFrameLocks noGrp="1"/>
+          </p:cNvGraphicFramePr>
+          <p:nvPr>
+            <p:ph idx="1"/>
+            <p:extLst>
+              <p:ext uri="{D42A27DB-BD31-4B8C-83A1-F6EECF244321}">
+                <p14:modId xmlns:p14="http://schemas.microsoft.com/office/powerpoint/2010/main" val="2854044704"/>
+              </p:ext>
+            </p:extLst>
+          </p:nvPr>
+        </p:nvGraphicFramePr>
+        <p:xfrm>
+          <a:off x="371093" y="2718054"/>
+          <a:ext cx="4969391" cy="3207258"/>
+        </p:xfrm>
+        <a:graphic>
+          <a:graphicData uri="http://schemas.openxmlformats.org/drawingml/2006/diagram">
+            <dgm:relIds xmlns:dgm="http://schemas.openxmlformats.org/drawingml/2006/diagram" xmlns:r="http://schemas.openxmlformats.org/officeDocument/2006/relationships" r:dm="rId4" r:lo="rId5" r:qs="rId6" r:cs="rId7"/>
+          </a:graphicData>
+        </a:graphic>
+      </p:graphicFrame>
+    </p:spTree>
+    <p:extLst>
+      <p:ext uri="{BB962C8B-B14F-4D97-AF65-F5344CB8AC3E}">
+        <p14:creationId xmlns:p14="http://schemas.microsoft.com/office/powerpoint/2010/main" val="1763833914"/>
+      </p:ext>
+    </p:extLst>
+  </p:cSld>
+  <p:clrMapOvr>
+    <a:overrideClrMapping bg1="dk1" tx1="lt1" bg2="dk2" tx2="lt2" accent1="accent1" accent2="accent2" accent3="accent3" accent4="accent4" accent5="accent5" accent6="accent6" hlink="hlink" folHlink="folHlink"/>
+  </p:clrMapOvr>
+</p:sld>
+</file>
+
+<file path=ppt/slides/slide20.xml><?xml version="1.0" encoding="utf-8"?>
+<p:sld xmlns:a="http://schemas.openxmlformats.org/drawingml/2006/main" xmlns:r="http://schemas.openxmlformats.org/officeDocument/2006/relationships" xmlns:p="http://schemas.openxmlformats.org/presentationml/2006/main">
+  <p:cSld>
+    <p:bg>
+      <p:bgPr>
+        <a:solidFill>
+          <a:schemeClr val="bg1">
+            <a:tint val="95000"/>
+            <a:satMod val="170000"/>
+          </a:schemeClr>
+        </a:solidFill>
+        <a:effectLst/>
+      </p:bgPr>
+    </p:bg>
+    <p:spTree>
+      <p:nvGrpSpPr>
+        <p:cNvPr id="1" name=""/>
+        <p:cNvGrpSpPr/>
+        <p:nvPr/>
+      </p:nvGrpSpPr>
+      <p:grpSpPr>
+        <a:xfrm>
+          <a:off x="0" y="0"/>
+          <a:ext cx="0" cy="0"/>
+          <a:chOff x="0" y="0"/>
+          <a:chExt cx="0" cy="0"/>
+        </a:xfrm>
+      </p:grpSpPr>
+      <p:sp useBgFill="1">
+        <p:nvSpPr>
+          <p:cNvPr id="19" name="Rectangle 18">
+            <a:extLst>
+              <a:ext uri="{FF2B5EF4-FFF2-40B4-BE49-F238E27FC236}">
+                <a16:creationId xmlns:a16="http://schemas.microsoft.com/office/drawing/2014/main" id="{8537B233-9CDD-4A90-AABB-A8963DEE4FBC}"/>
+              </a:ext>
+              <a:ext uri="{C183D7F6-B498-43B3-948B-1728B52AA6E4}">
+                <adec:decorative xmlns:adec="http://schemas.microsoft.com/office/drawing/2017/decorative" val="1"/>
+              </a:ext>
+            </a:extLst>
+          </p:cNvPr>
+          <p:cNvSpPr>
+            <a:spLocks noGrp="1" noRot="1" noChangeAspect="1" noMove="1" noResize="1" noEditPoints="1" noAdjustHandles="1" noChangeArrowheads="1" noChangeShapeType="1" noTextEdit="1"/>
+          </p:cNvSpPr>
+          <p:nvPr>
+            <p:extLst>
+              <p:ext uri="{386F3935-93C4-4BCD-93E2-E3B085C9AB24}">
+                <p16:designElem xmlns:p16="http://schemas.microsoft.com/office/powerpoint/2015/main" val="1"/>
+              </p:ext>
+            </p:extLst>
+          </p:nvPr>
+        </p:nvSpPr>
+        <p:spPr>
+          <a:xfrm>
+            <a:off x="0" y="1"/>
+            <a:ext cx="12192000" cy="6858000"/>
+          </a:xfrm>
+          <a:prstGeom prst="rect">
+            <a:avLst/>
+          </a:prstGeom>
+          <a:ln>
+            <a:noFill/>
+          </a:ln>
+        </p:spPr>
+        <p:style>
+          <a:lnRef idx="2">
+            <a:schemeClr val="accent1">
+              <a:shade val="50000"/>
+            </a:schemeClr>
+          </a:lnRef>
+          <a:fillRef idx="1">
+            <a:schemeClr val="accent1"/>
+          </a:fillRef>
+          <a:effectRef idx="0">
+            <a:schemeClr val="accent1"/>
+          </a:effectRef>
+          <a:fontRef idx="minor">
+            <a:schemeClr val="lt1"/>
+          </a:fontRef>
+        </p:style>
+        <p:txBody>
+          <a:bodyPr rtlCol="0" anchor="ctr"/>
+          <a:lstStyle/>
+          <a:p>
+            <a:pPr marL="0" marR="0" lvl="0" indent="0" algn="ctr" defTabSz="914400" rtl="0" eaLnBrk="1" fontAlgn="auto" latinLnBrk="0" hangingPunct="1">
+              <a:lnSpc>
+                <a:spcPct val="100000"/>
+              </a:lnSpc>
+              <a:spcBef>
+                <a:spcPts val="0"/>
+              </a:spcBef>
+              <a:spcAft>
+                <a:spcPts val="0"/>
+              </a:spcAft>
+              <a:buClrTx/>
+              <a:buSzTx/>
+              <a:buFontTx/>
+              <a:buNone/>
+              <a:tabLst/>
+              <a:defRPr/>
+            </a:pPr>
+            <a:endParaRPr kumimoji="0" lang="en-US" sz="1800" b="0" i="0" u="none" strike="noStrike" kern="1200" cap="none" spc="0" normalizeH="0" baseline="0" noProof="0">
+              <a:ln>
+                <a:noFill/>
+              </a:ln>
+              <a:solidFill>
+                <a:prstClr val="white"/>
+              </a:solidFill>
+              <a:effectLst/>
+              <a:uLnTx/>
+              <a:uFillTx/>
+              <a:latin typeface="Tw Cen MT" panose="020B0602020104020603"/>
+              <a:ea typeface="+mn-ea"/>
+              <a:cs typeface="+mn-cs"/>
+            </a:endParaRPr>
+          </a:p>
+        </p:txBody>
+      </p:sp>
+      <p:sp>
+        <p:nvSpPr>
+          <p:cNvPr id="2" name="Title 1">
+            <a:extLst>
+              <a:ext uri="{FF2B5EF4-FFF2-40B4-BE49-F238E27FC236}">
+                <a16:creationId xmlns:a16="http://schemas.microsoft.com/office/drawing/2014/main" id="{2879592A-19B8-7BB7-F9EE-C714588F66DC}"/>
+              </a:ext>
+            </a:extLst>
+          </p:cNvPr>
+          <p:cNvSpPr>
+            <a:spLocks noGrp="1"/>
+          </p:cNvSpPr>
+          <p:nvPr>
+            <p:ph type="title"/>
+          </p:nvPr>
+        </p:nvSpPr>
+        <p:spPr>
+          <a:xfrm>
+            <a:off x="841248" y="818457"/>
+            <a:ext cx="3322317" cy="2975876"/>
+          </a:xfrm>
+        </p:spPr>
+        <p:txBody>
+          <a:bodyPr vert="horz" lIns="91440" tIns="45720" rIns="91440" bIns="45720" rtlCol="0" anchor="b">
+            <a:normAutofit/>
+          </a:bodyPr>
+          <a:lstStyle/>
+          <a:p>
+            <a:r>
+              <a:rPr lang="en-US" b="1" u="sng" kern="1200">
+                <a:solidFill>
+                  <a:schemeClr val="tx1"/>
+                </a:solidFill>
+                <a:latin typeface="+mj-lt"/>
+                <a:ea typeface="+mj-ea"/>
+                <a:cs typeface="+mj-cs"/>
+              </a:rPr>
+              <a:t>Multi Layer Perceptron Classifier</a:t>
+            </a:r>
+            <a:endParaRPr lang="en-US" kern="1200">
+              <a:solidFill>
+                <a:schemeClr val="tx1"/>
+              </a:solidFill>
+              <a:latin typeface="+mj-lt"/>
+              <a:ea typeface="+mj-ea"/>
+              <a:cs typeface="+mj-cs"/>
+            </a:endParaRPr>
+          </a:p>
+        </p:txBody>
+      </p:sp>
+      <p:cxnSp>
+        <p:nvCxnSpPr>
+          <p:cNvPr id="27" name="Straight Connector 20">
+            <a:extLst>
+              <a:ext uri="{FF2B5EF4-FFF2-40B4-BE49-F238E27FC236}">
+                <a16:creationId xmlns:a16="http://schemas.microsoft.com/office/drawing/2014/main" id="{040575EE-C594-4566-BC00-663004E52AB5}"/>
+              </a:ext>
+              <a:ext uri="{C183D7F6-B498-43B3-948B-1728B52AA6E4}">
+                <adec:decorative xmlns:adec="http://schemas.microsoft.com/office/drawing/2017/decorative" val="1"/>
+              </a:ext>
+            </a:extLst>
+          </p:cNvPr>
+          <p:cNvCxnSpPr>
+            <a:cxnSpLocks noGrp="1" noRot="1" noChangeAspect="1" noMove="1" noResize="1" noEditPoints="1" noAdjustHandles="1" noChangeArrowheads="1" noChangeShapeType="1"/>
+          </p:cNvCxnSpPr>
+          <p:nvPr>
+            <p:extLst>
+              <p:ext uri="{386F3935-93C4-4BCD-93E2-E3B085C9AB24}">
+                <p16:designElem xmlns:p16="http://schemas.microsoft.com/office/powerpoint/2015/main" val="1"/>
+              </p:ext>
+            </p:extLst>
+          </p:nvPr>
+        </p:nvCxnSpPr>
+        <p:spPr>
+          <a:xfrm>
+            <a:off x="4763566" y="1417320"/>
+            <a:ext cx="0" cy="4023360"/>
+          </a:xfrm>
+          <a:prstGeom prst="line">
+            <a:avLst/>
+          </a:prstGeom>
+          <a:ln w="15875">
+            <a:solidFill>
+              <a:schemeClr val="tx1"/>
+            </a:solidFill>
+          </a:ln>
+        </p:spPr>
+        <p:style>
+          <a:lnRef idx="1">
+            <a:schemeClr val="accent1"/>
+          </a:lnRef>
+          <a:fillRef idx="0">
+            <a:schemeClr val="accent1"/>
+          </a:fillRef>
+          <a:effectRef idx="0">
+            <a:schemeClr val="accent1"/>
+          </a:effectRef>
+          <a:fontRef idx="minor">
+            <a:schemeClr val="tx1"/>
+          </a:fontRef>
+        </p:style>
+      </p:cxnSp>
+      <p:pic>
+        <p:nvPicPr>
+          <p:cNvPr id="5" name="Picture 4">
+            <a:extLst>
+              <a:ext uri="{FF2B5EF4-FFF2-40B4-BE49-F238E27FC236}">
+                <a16:creationId xmlns:a16="http://schemas.microsoft.com/office/drawing/2014/main" id="{722F3A23-CD9F-A792-3137-9AED88E62337}"/>
+              </a:ext>
+            </a:extLst>
+          </p:cNvPr>
+          <p:cNvPicPr>
+            <a:picLocks noChangeAspect="1"/>
+          </p:cNvPicPr>
+          <p:nvPr/>
+        </p:nvPicPr>
+        <p:blipFill rotWithShape="1">
+          <a:blip r:embed="rId2"/>
+          <a:srcRect r="-2" b="10257"/>
+          <a:stretch/>
+        </p:blipFill>
+        <p:spPr>
+          <a:xfrm>
+            <a:off x="5004813" y="1757789"/>
+            <a:ext cx="6436548" cy="3008765"/>
+          </a:xfrm>
+          <a:prstGeom prst="rect">
+            <a:avLst/>
+          </a:prstGeom>
+        </p:spPr>
+      </p:pic>
+    </p:spTree>
+    <p:extLst>
+      <p:ext uri="{BB962C8B-B14F-4D97-AF65-F5344CB8AC3E}">
+        <p14:creationId xmlns:p14="http://schemas.microsoft.com/office/powerpoint/2010/main" val="1249572064"/>
+      </p:ext>
+    </p:extLst>
+  </p:cSld>
+  <p:clrMapOvr>
+    <a:overrideClrMapping bg1="dk1" tx1="lt1" bg2="dk2" tx2="lt2" accent1="accent1" accent2="accent2" accent3="accent3" accent4="accent4" accent5="accent5" accent6="accent6" hlink="hlink" folHlink="folHlink"/>
+  </p:clrMapOvr>
+  <p:timing>
+    <p:tnLst>
+      <p:par>
+        <p:cTn id="1" dur="indefinite" restart="never" nodeType="tmRoot">
+          <p:childTnLst>
+            <p:seq concurrent="1" nextAc="seek">
+              <p:cTn id="2" dur="indefinite" nodeType="mainSeq">
+                <p:childTnLst>
+                  <p:par>
+                    <p:cTn id="3" fill="hold">
+                      <p:stCondLst>
+                        <p:cond delay="indefinite"/>
+                        <p:cond evt="onBegin" delay="0">
+                          <p:tn val="2"/>
+                        </p:cond>
+                      </p:stCondLst>
+                      <p:childTnLst>
+                        <p:par>
+                          <p:cTn id="4" fill="hold">
+                            <p:stCondLst>
+                              <p:cond delay="0"/>
+                            </p:stCondLst>
+                            <p:childTnLst>
+                              <p:par>
+                                <p:cTn id="5" presetID="10" presetClass="entr" presetSubtype="0" fill="hold" grpId="0" nodeType="withEffect">
+                                  <p:stCondLst>
+                                    <p:cond delay="1000"/>
+                                  </p:stCondLst>
+                                  <p:iterate type="lt">
+                                    <p:tmPct val="10000"/>
+                                  </p:iterate>
+                                  <p:childTnLst>
+                                    <p:set>
+                                      <p:cBhvr>
+                                        <p:cTn id="6" dur="1" fill="hold">
+                                          <p:stCondLst>
+                                            <p:cond delay="0"/>
+                                          </p:stCondLst>
+                                        </p:cTn>
+                                        <p:tgtEl>
+                                          <p:spTgt spid="2"/>
+                                        </p:tgtEl>
+                                        <p:attrNameLst>
+                                          <p:attrName>style.visibility</p:attrName>
+                                        </p:attrNameLst>
+                                      </p:cBhvr>
+                                      <p:to>
+                                        <p:strVal val="visible"/>
+                                      </p:to>
+                                    </p:set>
+                                    <p:animEffect transition="in" filter="fade">
+                                      <p:cBhvr>
+                                        <p:cTn id="7" dur="400"/>
+                                        <p:tgtEl>
+                                          <p:spTgt spid="2"/>
+                                        </p:tgtEl>
+                                      </p:cBhvr>
+                                    </p:animEffect>
+                                  </p:childTnLst>
+                                </p:cTn>
+                              </p:par>
+                            </p:childTnLst>
+                          </p:cTn>
+                        </p:par>
+                      </p:childTnLst>
+                    </p:cTn>
+                  </p:par>
+                </p:childTnLst>
+              </p:cTn>
+              <p:prevCondLst>
+                <p:cond evt="onPrev" delay="0">
+                  <p:tgtEl>
+                    <p:sldTgt/>
+                  </p:tgtEl>
+                </p:cond>
+              </p:prevCondLst>
+              <p:nextCondLst>
+                <p:cond evt="onNext" delay="0">
+                  <p:tgtEl>
+                    <p:sldTgt/>
+                  </p:tgtEl>
+                </p:cond>
+              </p:nextCondLst>
+            </p:seq>
+          </p:childTnLst>
+        </p:cTn>
+      </p:par>
+    </p:tnLst>
+    <p:bldLst>
+      <p:bldP spid="2" grpId="0"/>
+    </p:bldLst>
+  </p:timing>
+</p:sld>
+</file>
+
+<file path=ppt/slides/slide21.xml><?xml version="1.0" encoding="utf-8"?>
 <p:sld xmlns:a="http://schemas.openxmlformats.org/drawingml/2006/main" xmlns:r="http://schemas.openxmlformats.org/officeDocument/2006/relationships" xmlns:p="http://schemas.openxmlformats.org/presentationml/2006/main">
   <p:cSld>
     <p:bg>
@@ -11251,7 +13833,7 @@
 </p:sld>
 </file>
 
-<file path=ppt/slides/slide18.xml><?xml version="1.0" encoding="utf-8"?>
+<file path=ppt/slides/slide22.xml><?xml version="1.0" encoding="utf-8"?>
 <p:sld xmlns:a="http://schemas.openxmlformats.org/drawingml/2006/main" xmlns:r="http://schemas.openxmlformats.org/officeDocument/2006/relationships" xmlns:p="http://schemas.openxmlformats.org/presentationml/2006/main">
   <p:cSld>
     <p:bg>
@@ -11321,7 +13903,7 @@
 </p:sld>
 </file>
 
-<file path=ppt/slides/slide19.xml><?xml version="1.0" encoding="utf-8"?>
+<file path=ppt/slides/slide23.xml><?xml version="1.0" encoding="utf-8"?>
 <p:sld xmlns:a="http://schemas.openxmlformats.org/drawingml/2006/main" xmlns:r="http://schemas.openxmlformats.org/officeDocument/2006/relationships" xmlns:p="http://schemas.openxmlformats.org/presentationml/2006/main">
   <p:cSld>
     <p:bg>
@@ -11576,7 +14158,530 @@
 </p:sld>
 </file>
 
-<file path=ppt/slides/slide2.xml><?xml version="1.0" encoding="utf-8"?>
+<file path=ppt/slides/slide24.xml><?xml version="1.0" encoding="utf-8"?>
+<p:sld xmlns:a="http://schemas.openxmlformats.org/drawingml/2006/main" xmlns:r="http://schemas.openxmlformats.org/officeDocument/2006/relationships" xmlns:p="http://schemas.openxmlformats.org/presentationml/2006/main">
+  <p:cSld>
+    <p:bg>
+      <p:bgPr>
+        <a:solidFill>
+          <a:schemeClr val="bg1">
+            <a:tint val="95000"/>
+            <a:satMod val="170000"/>
+          </a:schemeClr>
+        </a:solidFill>
+        <a:effectLst/>
+      </p:bgPr>
+    </p:bg>
+    <p:spTree>
+      <p:nvGrpSpPr>
+        <p:cNvPr id="1" name=""/>
+        <p:cNvGrpSpPr/>
+        <p:nvPr/>
+      </p:nvGrpSpPr>
+      <p:grpSpPr>
+        <a:xfrm>
+          <a:off x="0" y="0"/>
+          <a:ext cx="0" cy="0"/>
+          <a:chOff x="0" y="0"/>
+          <a:chExt cx="0" cy="0"/>
+        </a:xfrm>
+      </p:grpSpPr>
+      <p:sp>
+        <p:nvSpPr>
+          <p:cNvPr id="3" name="Content Placeholder 2">
+            <a:extLst>
+              <a:ext uri="{FF2B5EF4-FFF2-40B4-BE49-F238E27FC236}">
+                <a16:creationId xmlns:a16="http://schemas.microsoft.com/office/drawing/2014/main" id="{833F79EA-3852-4CDB-C057-480F1D49DEE2}"/>
+              </a:ext>
+            </a:extLst>
+          </p:cNvPr>
+          <p:cNvSpPr>
+            <a:spLocks noGrp="1"/>
+          </p:cNvSpPr>
+          <p:nvPr>
+            <p:ph idx="1"/>
+          </p:nvPr>
+        </p:nvSpPr>
+        <p:spPr>
+          <a:xfrm>
+            <a:off x="805543" y="2871982"/>
+            <a:ext cx="5272888" cy="3181684"/>
+          </a:xfrm>
+        </p:spPr>
+        <p:txBody>
+          <a:bodyPr anchor="t">
+            <a:normAutofit/>
+          </a:bodyPr>
+          <a:lstStyle/>
+          <a:p>
+            <a:pPr marL="0" indent="0">
+              <a:buNone/>
+            </a:pPr>
+            <a:r>
+              <a:rPr lang="en-US" sz="6000" u="sng" dirty="0">
+                <a:latin typeface="Times New Roman" panose="02020603050405020304" pitchFamily="18" charset="0"/>
+                <a:cs typeface="Times New Roman" panose="02020603050405020304" pitchFamily="18" charset="0"/>
+              </a:rPr>
+              <a:t>Thank You</a:t>
+            </a:r>
+          </a:p>
+        </p:txBody>
+      </p:sp>
+      <p:sp>
+        <p:nvSpPr>
+          <p:cNvPr id="17" name="Freeform 49">
+            <a:extLst>
+              <a:ext uri="{FF2B5EF4-FFF2-40B4-BE49-F238E27FC236}">
+                <a16:creationId xmlns:a16="http://schemas.microsoft.com/office/drawing/2014/main" id="{EF9B8DF2-C3F5-49A2-94D2-F7B65A0F1F15}"/>
+              </a:ext>
+              <a:ext uri="{C183D7F6-B498-43B3-948B-1728B52AA6E4}">
+                <adec:decorative xmlns:adec="http://schemas.microsoft.com/office/drawing/2017/decorative" val="1"/>
+              </a:ext>
+            </a:extLst>
+          </p:cNvPr>
+          <p:cNvSpPr>
+            <a:spLocks noGrp="1" noRot="1" noChangeAspect="1" noMove="1" noResize="1" noEditPoints="1" noAdjustHandles="1" noChangeArrowheads="1" noChangeShapeType="1" noTextEdit="1"/>
+          </p:cNvSpPr>
+          <p:nvPr>
+            <p:extLst>
+              <p:ext uri="{386F3935-93C4-4BCD-93E2-E3B085C9AB24}">
+                <p16:designElem xmlns:p16="http://schemas.microsoft.com/office/powerpoint/2015/main" val="1"/>
+              </p:ext>
+            </p:extLst>
+          </p:nvPr>
+        </p:nvSpPr>
+        <p:spPr>
+          <a:xfrm flipH="1">
+            <a:off x="6713914" y="581159"/>
+            <a:ext cx="5478085" cy="6276841"/>
+          </a:xfrm>
+          <a:custGeom>
+            <a:avLst/>
+            <a:gdLst>
+              <a:gd name="connsiteX0" fmla="*/ 2178155 w 5478085"/>
+              <a:gd name="connsiteY0" fmla="*/ 0 h 6276841"/>
+              <a:gd name="connsiteX1" fmla="*/ 5478085 w 5478085"/>
+              <a:gd name="connsiteY1" fmla="*/ 3299930 h 6276841"/>
+              <a:gd name="connsiteX2" fmla="*/ 3751098 w 5478085"/>
+              <a:gd name="connsiteY2" fmla="*/ 6201577 h 6276841"/>
+              <a:gd name="connsiteX3" fmla="*/ 3594858 w 5478085"/>
+              <a:gd name="connsiteY3" fmla="*/ 6276841 h 6276841"/>
+              <a:gd name="connsiteX4" fmla="*/ 761453 w 5478085"/>
+              <a:gd name="connsiteY4" fmla="*/ 6276841 h 6276841"/>
+              <a:gd name="connsiteX5" fmla="*/ 605213 w 5478085"/>
+              <a:gd name="connsiteY5" fmla="*/ 6201577 h 6276841"/>
+              <a:gd name="connsiteX6" fmla="*/ 79093 w 5478085"/>
+              <a:gd name="connsiteY6" fmla="*/ 5846317 h 6276841"/>
+              <a:gd name="connsiteX7" fmla="*/ 0 w 5478085"/>
+              <a:gd name="connsiteY7" fmla="*/ 5774432 h 6276841"/>
+              <a:gd name="connsiteX8" fmla="*/ 0 w 5478085"/>
+              <a:gd name="connsiteY8" fmla="*/ 825429 h 6276841"/>
+              <a:gd name="connsiteX9" fmla="*/ 79093 w 5478085"/>
+              <a:gd name="connsiteY9" fmla="*/ 753544 h 6276841"/>
+              <a:gd name="connsiteX10" fmla="*/ 2178155 w 5478085"/>
+              <a:gd name="connsiteY10" fmla="*/ 0 h 6276841"/>
+            </a:gdLst>
+            <a:ahLst/>
+            <a:cxnLst>
+              <a:cxn ang="0">
+                <a:pos x="connsiteX0" y="connsiteY0"/>
+              </a:cxn>
+              <a:cxn ang="0">
+                <a:pos x="connsiteX1" y="connsiteY1"/>
+              </a:cxn>
+              <a:cxn ang="0">
+                <a:pos x="connsiteX2" y="connsiteY2"/>
+              </a:cxn>
+              <a:cxn ang="0">
+                <a:pos x="connsiteX3" y="connsiteY3"/>
+              </a:cxn>
+              <a:cxn ang="0">
+                <a:pos x="connsiteX4" y="connsiteY4"/>
+              </a:cxn>
+              <a:cxn ang="0">
+                <a:pos x="connsiteX5" y="connsiteY5"/>
+              </a:cxn>
+              <a:cxn ang="0">
+                <a:pos x="connsiteX6" y="connsiteY6"/>
+              </a:cxn>
+              <a:cxn ang="0">
+                <a:pos x="connsiteX7" y="connsiteY7"/>
+              </a:cxn>
+              <a:cxn ang="0">
+                <a:pos x="connsiteX8" y="connsiteY8"/>
+              </a:cxn>
+              <a:cxn ang="0">
+                <a:pos x="connsiteX9" y="connsiteY9"/>
+              </a:cxn>
+              <a:cxn ang="0">
+                <a:pos x="connsiteX10" y="connsiteY10"/>
+              </a:cxn>
+            </a:cxnLst>
+            <a:rect l="l" t="t" r="r" b="b"/>
+            <a:pathLst>
+              <a:path w="5478085" h="6276841">
+                <a:moveTo>
+                  <a:pt x="2178155" y="0"/>
+                </a:moveTo>
+                <a:cubicBezTo>
+                  <a:pt x="4000656" y="0"/>
+                  <a:pt x="5478085" y="1477429"/>
+                  <a:pt x="5478085" y="3299930"/>
+                </a:cubicBezTo>
+                <a:cubicBezTo>
+                  <a:pt x="5478085" y="4552900"/>
+                  <a:pt x="4779769" y="5642769"/>
+                  <a:pt x="3751098" y="6201577"/>
+                </a:cubicBezTo>
+                <a:lnTo>
+                  <a:pt x="3594858" y="6276841"/>
+                </a:lnTo>
+                <a:lnTo>
+                  <a:pt x="761453" y="6276841"/>
+                </a:lnTo>
+                <a:lnTo>
+                  <a:pt x="605213" y="6201577"/>
+                </a:lnTo>
+                <a:cubicBezTo>
+                  <a:pt x="418182" y="6099975"/>
+                  <a:pt x="242071" y="5980818"/>
+                  <a:pt x="79093" y="5846317"/>
+                </a:cubicBezTo>
+                <a:lnTo>
+                  <a:pt x="0" y="5774432"/>
+                </a:lnTo>
+                <a:lnTo>
+                  <a:pt x="0" y="825429"/>
+                </a:lnTo>
+                <a:lnTo>
+                  <a:pt x="79093" y="753544"/>
+                </a:lnTo>
+                <a:cubicBezTo>
+                  <a:pt x="649516" y="282789"/>
+                  <a:pt x="1380811" y="0"/>
+                  <a:pt x="2178155" y="0"/>
+                </a:cubicBezTo>
+                <a:close/>
+              </a:path>
+            </a:pathLst>
+          </a:custGeom>
+          <a:solidFill>
+            <a:srgbClr val="FFFFFF">
+              <a:alpha val="80000"/>
+            </a:srgbClr>
+          </a:solidFill>
+          <a:ln w="31750">
+            <a:noFill/>
+          </a:ln>
+        </p:spPr>
+        <p:style>
+          <a:lnRef idx="2">
+            <a:schemeClr val="accent1">
+              <a:shade val="50000"/>
+            </a:schemeClr>
+          </a:lnRef>
+          <a:fillRef idx="1">
+            <a:schemeClr val="accent1"/>
+          </a:fillRef>
+          <a:effectRef idx="0">
+            <a:schemeClr val="accent1"/>
+          </a:effectRef>
+          <a:fontRef idx="minor">
+            <a:schemeClr val="lt1"/>
+          </a:fontRef>
+        </p:style>
+        <p:txBody>
+          <a:bodyPr wrap="square" rtlCol="0" anchor="ctr">
+            <a:noAutofit/>
+          </a:bodyPr>
+          <a:lstStyle/>
+          <a:p>
+            <a:pPr marL="0" marR="0" lvl="0" indent="0" algn="ctr" defTabSz="914400" rtl="0" eaLnBrk="1" fontAlgn="auto" latinLnBrk="0" hangingPunct="1">
+              <a:lnSpc>
+                <a:spcPct val="100000"/>
+              </a:lnSpc>
+              <a:spcBef>
+                <a:spcPts val="0"/>
+              </a:spcBef>
+              <a:spcAft>
+                <a:spcPts val="0"/>
+              </a:spcAft>
+              <a:buClrTx/>
+              <a:buSzTx/>
+              <a:buFontTx/>
+              <a:buNone/>
+              <a:tabLst/>
+              <a:defRPr/>
+            </a:pPr>
+            <a:endParaRPr kumimoji="0" lang="en-US" sz="1800" b="0" i="0" u="none" strike="noStrike" kern="1200" cap="none" spc="0" normalizeH="0" baseline="0" noProof="0">
+              <a:ln>
+                <a:noFill/>
+              </a:ln>
+              <a:solidFill>
+                <a:prstClr val="white"/>
+              </a:solidFill>
+              <a:effectLst/>
+              <a:uLnTx/>
+              <a:uFillTx/>
+              <a:latin typeface="Calibri" panose="020F0502020204030204"/>
+              <a:ea typeface="+mn-ea"/>
+              <a:cs typeface="+mn-cs"/>
+            </a:endParaRPr>
+          </a:p>
+        </p:txBody>
+      </p:sp>
+      <p:sp>
+        <p:nvSpPr>
+          <p:cNvPr id="19" name="Freeform: Shape 18">
+            <a:extLst>
+              <a:ext uri="{FF2B5EF4-FFF2-40B4-BE49-F238E27FC236}">
+                <a16:creationId xmlns:a16="http://schemas.microsoft.com/office/drawing/2014/main" id="{4330B6AC-E6AB-45E4-A303-C8DE90EB2AAC}"/>
+              </a:ext>
+              <a:ext uri="{C183D7F6-B498-43B3-948B-1728B52AA6E4}">
+                <adec:decorative xmlns:adec="http://schemas.microsoft.com/office/drawing/2017/decorative" val="1"/>
+              </a:ext>
+            </a:extLst>
+          </p:cNvPr>
+          <p:cNvSpPr>
+            <a:spLocks noGrp="1" noRot="1" noChangeAspect="1" noMove="1" noResize="1" noEditPoints="1" noAdjustHandles="1" noChangeArrowheads="1" noChangeShapeType="1" noTextEdit="1"/>
+          </p:cNvSpPr>
+          <p:nvPr>
+            <p:extLst>
+              <p:ext uri="{386F3935-93C4-4BCD-93E2-E3B085C9AB24}">
+                <p16:designElem xmlns:p16="http://schemas.microsoft.com/office/powerpoint/2015/main" val="1"/>
+              </p:ext>
+            </p:extLst>
+          </p:nvPr>
+        </p:nvSpPr>
+        <p:spPr>
+          <a:xfrm>
+            <a:off x="6893318" y="760562"/>
+            <a:ext cx="5298683" cy="6097438"/>
+          </a:xfrm>
+          <a:custGeom>
+            <a:avLst/>
+            <a:gdLst>
+              <a:gd name="connsiteX0" fmla="*/ 3120528 w 5298683"/>
+              <a:gd name="connsiteY0" fmla="*/ 0 h 6097438"/>
+              <a:gd name="connsiteX1" fmla="*/ 5105473 w 5298683"/>
+              <a:gd name="connsiteY1" fmla="*/ 712577 h 6097438"/>
+              <a:gd name="connsiteX2" fmla="*/ 5298683 w 5298683"/>
+              <a:gd name="connsiteY2" fmla="*/ 888178 h 6097438"/>
+              <a:gd name="connsiteX3" fmla="*/ 5298683 w 5298683"/>
+              <a:gd name="connsiteY3" fmla="*/ 5352876 h 6097438"/>
+              <a:gd name="connsiteX4" fmla="*/ 5105473 w 5298683"/>
+              <a:gd name="connsiteY4" fmla="*/ 5528477 h 6097438"/>
+              <a:gd name="connsiteX5" fmla="*/ 4335177 w 5298683"/>
+              <a:gd name="connsiteY5" fmla="*/ 5995828 h 6097438"/>
+              <a:gd name="connsiteX6" fmla="*/ 4057556 w 5298683"/>
+              <a:gd name="connsiteY6" fmla="*/ 6097438 h 6097438"/>
+              <a:gd name="connsiteX7" fmla="*/ 2183499 w 5298683"/>
+              <a:gd name="connsiteY7" fmla="*/ 6097438 h 6097438"/>
+              <a:gd name="connsiteX8" fmla="*/ 1905878 w 5298683"/>
+              <a:gd name="connsiteY8" fmla="*/ 5995828 h 6097438"/>
+              <a:gd name="connsiteX9" fmla="*/ 0 w 5298683"/>
+              <a:gd name="connsiteY9" fmla="*/ 3120527 h 6097438"/>
+              <a:gd name="connsiteX10" fmla="*/ 3120528 w 5298683"/>
+              <a:gd name="connsiteY10" fmla="*/ 0 h 6097438"/>
+            </a:gdLst>
+            <a:ahLst/>
+            <a:cxnLst>
+              <a:cxn ang="0">
+                <a:pos x="connsiteX0" y="connsiteY0"/>
+              </a:cxn>
+              <a:cxn ang="0">
+                <a:pos x="connsiteX1" y="connsiteY1"/>
+              </a:cxn>
+              <a:cxn ang="0">
+                <a:pos x="connsiteX2" y="connsiteY2"/>
+              </a:cxn>
+              <a:cxn ang="0">
+                <a:pos x="connsiteX3" y="connsiteY3"/>
+              </a:cxn>
+              <a:cxn ang="0">
+                <a:pos x="connsiteX4" y="connsiteY4"/>
+              </a:cxn>
+              <a:cxn ang="0">
+                <a:pos x="connsiteX5" y="connsiteY5"/>
+              </a:cxn>
+              <a:cxn ang="0">
+                <a:pos x="connsiteX6" y="connsiteY6"/>
+              </a:cxn>
+              <a:cxn ang="0">
+                <a:pos x="connsiteX7" y="connsiteY7"/>
+              </a:cxn>
+              <a:cxn ang="0">
+                <a:pos x="connsiteX8" y="connsiteY8"/>
+              </a:cxn>
+              <a:cxn ang="0">
+                <a:pos x="connsiteX9" y="connsiteY9"/>
+              </a:cxn>
+              <a:cxn ang="0">
+                <a:pos x="connsiteX10" y="connsiteY10"/>
+              </a:cxn>
+            </a:cxnLst>
+            <a:rect l="l" t="t" r="r" b="b"/>
+            <a:pathLst>
+              <a:path w="5298683" h="6097438">
+                <a:moveTo>
+                  <a:pt x="3120528" y="0"/>
+                </a:moveTo>
+                <a:cubicBezTo>
+                  <a:pt x="3874524" y="0"/>
+                  <a:pt x="4566062" y="267415"/>
+                  <a:pt x="5105473" y="712577"/>
+                </a:cubicBezTo>
+                <a:lnTo>
+                  <a:pt x="5298683" y="888178"/>
+                </a:lnTo>
+                <a:lnTo>
+                  <a:pt x="5298683" y="5352876"/>
+                </a:lnTo>
+                <a:lnTo>
+                  <a:pt x="5105473" y="5528477"/>
+                </a:lnTo>
+                <a:cubicBezTo>
+                  <a:pt x="4874296" y="5719261"/>
+                  <a:pt x="4615179" y="5877397"/>
+                  <a:pt x="4335177" y="5995828"/>
+                </a:cubicBezTo>
+                <a:lnTo>
+                  <a:pt x="4057556" y="6097438"/>
+                </a:lnTo>
+                <a:lnTo>
+                  <a:pt x="2183499" y="6097438"/>
+                </a:lnTo>
+                <a:lnTo>
+                  <a:pt x="1905878" y="5995828"/>
+                </a:lnTo>
+                <a:cubicBezTo>
+                  <a:pt x="785873" y="5522106"/>
+                  <a:pt x="0" y="4413092"/>
+                  <a:pt x="0" y="3120527"/>
+                </a:cubicBezTo>
+                <a:cubicBezTo>
+                  <a:pt x="0" y="1397108"/>
+                  <a:pt x="1397108" y="0"/>
+                  <a:pt x="3120528" y="0"/>
+                </a:cubicBezTo>
+                <a:close/>
+              </a:path>
+            </a:pathLst>
+          </a:custGeom>
+          <a:solidFill>
+            <a:schemeClr val="tx1"/>
+          </a:solidFill>
+          <a:ln>
+            <a:noFill/>
+          </a:ln>
+        </p:spPr>
+        <p:style>
+          <a:lnRef idx="2">
+            <a:schemeClr val="accent1">
+              <a:shade val="50000"/>
+            </a:schemeClr>
+          </a:lnRef>
+          <a:fillRef idx="1">
+            <a:schemeClr val="accent1"/>
+          </a:fillRef>
+          <a:effectRef idx="0">
+            <a:schemeClr val="accent1"/>
+          </a:effectRef>
+          <a:fontRef idx="minor">
+            <a:schemeClr val="lt1"/>
+          </a:fontRef>
+        </p:style>
+        <p:txBody>
+          <a:bodyPr rtlCol="0" anchor="ctr"/>
+          <a:lstStyle/>
+          <a:p>
+            <a:pPr marL="0" marR="0" lvl="0" indent="0" algn="ctr" defTabSz="914400" rtl="0" eaLnBrk="1" fontAlgn="auto" latinLnBrk="0" hangingPunct="1">
+              <a:lnSpc>
+                <a:spcPct val="100000"/>
+              </a:lnSpc>
+              <a:spcBef>
+                <a:spcPts val="0"/>
+              </a:spcBef>
+              <a:spcAft>
+                <a:spcPts val="0"/>
+              </a:spcAft>
+              <a:buClrTx/>
+              <a:buSzTx/>
+              <a:buFontTx/>
+              <a:buNone/>
+              <a:tabLst/>
+              <a:defRPr/>
+            </a:pPr>
+            <a:endParaRPr kumimoji="0" lang="en-US" sz="1800" b="0" i="0" u="none" strike="noStrike" kern="1200" cap="none" spc="0" normalizeH="0" baseline="0" noProof="0">
+              <a:ln>
+                <a:noFill/>
+              </a:ln>
+              <a:solidFill>
+                <a:prstClr val="white"/>
+              </a:solidFill>
+              <a:effectLst/>
+              <a:uLnTx/>
+              <a:uFillTx/>
+              <a:latin typeface="Calibri" panose="020F0502020204030204"/>
+              <a:ea typeface="+mn-ea"/>
+              <a:cs typeface="+mn-cs"/>
+            </a:endParaRPr>
+          </a:p>
+        </p:txBody>
+      </p:sp>
+      <p:pic>
+        <p:nvPicPr>
+          <p:cNvPr id="14" name="Graphic 13" descr="Handshake">
+            <a:extLst>
+              <a:ext uri="{FF2B5EF4-FFF2-40B4-BE49-F238E27FC236}">
+                <a16:creationId xmlns:a16="http://schemas.microsoft.com/office/drawing/2014/main" id="{3600C98C-18AA-958B-DC56-D209C4B086D8}"/>
+              </a:ext>
+            </a:extLst>
+          </p:cNvPr>
+          <p:cNvPicPr>
+            <a:picLocks noChangeAspect="1"/>
+          </p:cNvPicPr>
+          <p:nvPr/>
+        </p:nvPicPr>
+        <p:blipFill>
+          <a:blip r:embed="rId2">
+            <a:extLst>
+              <a:ext uri="{28A0092B-C50C-407E-A947-70E740481C1C}">
+                <a14:useLocalDpi xmlns:a14="http://schemas.microsoft.com/office/drawing/2010/main" val="0"/>
+              </a:ext>
+              <a:ext uri="{96DAC541-7B7A-43D3-8B79-37D633B846F1}">
+                <asvg:svgBlip xmlns:asvg="http://schemas.microsoft.com/office/drawing/2016/SVG/main" r:embed="rId3"/>
+              </a:ext>
+            </a:extLst>
+          </a:blip>
+          <a:stretch>
+            <a:fillRect/>
+          </a:stretch>
+        </p:blipFill>
+        <p:spPr>
+          <a:xfrm>
+            <a:off x="7924800" y="1957050"/>
+            <a:ext cx="3733631" cy="3733631"/>
+          </a:xfrm>
+          <a:prstGeom prst="rect">
+            <a:avLst/>
+          </a:prstGeom>
+        </p:spPr>
+      </p:pic>
+    </p:spTree>
+    <p:extLst>
+      <p:ext uri="{BB962C8B-B14F-4D97-AF65-F5344CB8AC3E}">
+        <p14:creationId xmlns:p14="http://schemas.microsoft.com/office/powerpoint/2010/main" val="3075259649"/>
+      </p:ext>
+    </p:extLst>
+  </p:cSld>
+  <p:clrMapOvr>
+    <a:overrideClrMapping bg1="dk1" tx1="lt1" bg2="dk2" tx2="lt2" accent1="accent1" accent2="accent2" accent3="accent3" accent4="accent4" accent5="accent5" accent6="accent6" hlink="hlink" folHlink="folHlink"/>
+  </p:clrMapOvr>
+</p:sld>
+</file>
+
+<file path=ppt/slides/slide3.xml><?xml version="1.0" encoding="utf-8"?>
 <p:sld xmlns:a="http://schemas.openxmlformats.org/drawingml/2006/main" xmlns:r="http://schemas.openxmlformats.org/officeDocument/2006/relationships" xmlns:p="http://schemas.openxmlformats.org/presentationml/2006/main">
   <p:cSld>
     <p:bg>
@@ -11609,7 +14714,174 @@
           <p:cNvPr id="2" name="Title 1">
             <a:extLst>
               <a:ext uri="{FF2B5EF4-FFF2-40B4-BE49-F238E27FC236}">
-                <a16:creationId xmlns:a16="http://schemas.microsoft.com/office/drawing/2014/main" id="{D73792BF-197D-7A40-B790-B12C6324DC2C}"/>
+                <a16:creationId xmlns:a16="http://schemas.microsoft.com/office/drawing/2014/main" id="{526A3091-F9A2-F14D-9855-4DD218CBEFE4}"/>
+              </a:ext>
+            </a:extLst>
+          </p:cNvPr>
+          <p:cNvSpPr>
+            <a:spLocks noGrp="1"/>
+          </p:cNvSpPr>
+          <p:nvPr>
+            <p:ph type="title"/>
+          </p:nvPr>
+        </p:nvSpPr>
+        <p:spPr/>
+        <p:txBody>
+          <a:bodyPr>
+            <a:normAutofit/>
+          </a:bodyPr>
+          <a:lstStyle/>
+          <a:p>
+            <a:r>
+              <a:rPr lang="en-US" dirty="0"/>
+              <a:t>Contribution</a:t>
+            </a:r>
+          </a:p>
+        </p:txBody>
+      </p:sp>
+      <p:graphicFrame>
+        <p:nvGraphicFramePr>
+          <p:cNvPr id="5" name="Content Placeholder 2">
+            <a:extLst>
+              <a:ext uri="{FF2B5EF4-FFF2-40B4-BE49-F238E27FC236}">
+                <a16:creationId xmlns:a16="http://schemas.microsoft.com/office/drawing/2014/main" id="{EEF9621B-FE23-1617-0E06-408C4C522FF2}"/>
+              </a:ext>
+            </a:extLst>
+          </p:cNvPr>
+          <p:cNvGraphicFramePr>
+            <a:graphicFrameLocks noGrp="1"/>
+          </p:cNvGraphicFramePr>
+          <p:nvPr>
+            <p:ph idx="4294967295"/>
+            <p:extLst>
+              <p:ext uri="{D42A27DB-BD31-4B8C-83A1-F6EECF244321}">
+                <p14:modId xmlns:p14="http://schemas.microsoft.com/office/powerpoint/2010/main" val="390090570"/>
+              </p:ext>
+            </p:extLst>
+          </p:nvPr>
+        </p:nvGraphicFramePr>
+        <p:xfrm>
+          <a:off x="717452" y="2279650"/>
+          <a:ext cx="4597498" cy="3375025"/>
+        </p:xfrm>
+        <a:graphic>
+          <a:graphicData uri="http://schemas.openxmlformats.org/drawingml/2006/diagram">
+            <dgm:relIds xmlns:dgm="http://schemas.openxmlformats.org/drawingml/2006/diagram" xmlns:r="http://schemas.openxmlformats.org/officeDocument/2006/relationships" r:dm="rId2" r:lo="rId3" r:qs="rId4" r:cs="rId5"/>
+          </a:graphicData>
+        </a:graphic>
+      </p:graphicFrame>
+      <p:pic>
+        <p:nvPicPr>
+          <p:cNvPr id="6" name="Picture 5">
+            <a:extLst>
+              <a:ext uri="{FF2B5EF4-FFF2-40B4-BE49-F238E27FC236}">
+                <a16:creationId xmlns:a16="http://schemas.microsoft.com/office/drawing/2014/main" id="{07D1C41B-BCC3-0C18-BC96-68B6D164673B}"/>
+              </a:ext>
+            </a:extLst>
+          </p:cNvPr>
+          <p:cNvPicPr>
+            <a:picLocks noChangeAspect="1"/>
+          </p:cNvPicPr>
+          <p:nvPr/>
+        </p:nvPicPr>
+        <p:blipFill rotWithShape="1">
+          <a:blip r:embed="rId7"/>
+          <a:srcRect l="21196" r="12163"/>
+          <a:stretch/>
+        </p:blipFill>
+        <p:spPr>
+          <a:xfrm>
+            <a:off x="6750141" y="-2"/>
+            <a:ext cx="5441859" cy="5654940"/>
+          </a:xfrm>
+          <a:custGeom>
+            <a:avLst/>
+            <a:gdLst/>
+            <a:ahLst/>
+            <a:cxnLst/>
+            <a:rect l="l" t="t" r="r" b="b"/>
+            <a:pathLst>
+              <a:path w="5441859" h="5654940">
+                <a:moveTo>
+                  <a:pt x="1041368" y="0"/>
+                </a:moveTo>
+                <a:lnTo>
+                  <a:pt x="5441859" y="0"/>
+                </a:lnTo>
+                <a:lnTo>
+                  <a:pt x="5441859" y="4820612"/>
+                </a:lnTo>
+                <a:lnTo>
+                  <a:pt x="5285166" y="4957981"/>
+                </a:lnTo>
+                <a:cubicBezTo>
+                  <a:pt x="4729628" y="5394557"/>
+                  <a:pt x="4029081" y="5654940"/>
+                  <a:pt x="3267719" y="5654940"/>
+                </a:cubicBezTo>
+                <a:cubicBezTo>
+                  <a:pt x="1463008" y="5654940"/>
+                  <a:pt x="0" y="4191932"/>
+                  <a:pt x="0" y="2387221"/>
+                </a:cubicBezTo>
+                <a:cubicBezTo>
+                  <a:pt x="0" y="1484866"/>
+                  <a:pt x="365752" y="667936"/>
+                  <a:pt x="957093" y="76595"/>
+                </a:cubicBezTo>
+                <a:close/>
+              </a:path>
+            </a:pathLst>
+          </a:custGeom>
+        </p:spPr>
+      </p:pic>
+    </p:spTree>
+    <p:extLst>
+      <p:ext uri="{BB962C8B-B14F-4D97-AF65-F5344CB8AC3E}">
+        <p14:creationId xmlns:p14="http://schemas.microsoft.com/office/powerpoint/2010/main" val="1948298550"/>
+      </p:ext>
+    </p:extLst>
+  </p:cSld>
+  <p:clrMapOvr>
+    <a:overrideClrMapping bg1="dk1" tx1="lt1" bg2="dk2" tx2="lt2" accent1="accent1" accent2="accent2" accent3="accent3" accent4="accent4" accent5="accent5" accent6="accent6" hlink="hlink" folHlink="folHlink"/>
+  </p:clrMapOvr>
+</p:sld>
+</file>
+
+<file path=ppt/slides/slide4.xml><?xml version="1.0" encoding="utf-8"?>
+<p:sld xmlns:a="http://schemas.openxmlformats.org/drawingml/2006/main" xmlns:r="http://schemas.openxmlformats.org/officeDocument/2006/relationships" xmlns:p="http://schemas.openxmlformats.org/presentationml/2006/main">
+  <p:cSld>
+    <p:bg>
+      <p:bgPr>
+        <a:solidFill>
+          <a:schemeClr val="bg1">
+            <a:tint val="95000"/>
+            <a:satMod val="170000"/>
+          </a:schemeClr>
+        </a:solidFill>
+        <a:effectLst/>
+      </p:bgPr>
+    </p:bg>
+    <p:spTree>
+      <p:nvGrpSpPr>
+        <p:cNvPr id="1" name=""/>
+        <p:cNvGrpSpPr/>
+        <p:nvPr/>
+      </p:nvGrpSpPr>
+      <p:grpSpPr>
+        <a:xfrm>
+          <a:off x="0" y="0"/>
+          <a:ext cx="0" cy="0"/>
+          <a:chOff x="0" y="0"/>
+          <a:chExt cx="0" cy="0"/>
+        </a:xfrm>
+      </p:grpSpPr>
+      <p:sp>
+        <p:nvSpPr>
+          <p:cNvPr id="2" name="Title 1">
+            <a:extLst>
+              <a:ext uri="{FF2B5EF4-FFF2-40B4-BE49-F238E27FC236}">
+                <a16:creationId xmlns:a16="http://schemas.microsoft.com/office/drawing/2014/main" id="{0FC2BF6B-366E-0943-965B-E7336AD15DC1}"/>
               </a:ext>
             </a:extLst>
           </p:cNvPr>
@@ -11634,14 +14906,73 @@
           <a:p>
             <a:r>
               <a:rPr lang="en-US" dirty="0"/>
-              <a:t>Contributors</a:t>
+              <a:t>Motivation</a:t>
             </a:r>
           </a:p>
         </p:txBody>
       </p:sp>
       <p:sp>
         <p:nvSpPr>
-          <p:cNvPr id="10" name="Freeform: Shape 9">
+          <p:cNvPr id="3" name="Content Placeholder 2">
+            <a:extLst>
+              <a:ext uri="{FF2B5EF4-FFF2-40B4-BE49-F238E27FC236}">
+                <a16:creationId xmlns:a16="http://schemas.microsoft.com/office/drawing/2014/main" id="{53B142A7-0D02-D944-A686-36B449DF93DE}"/>
+              </a:ext>
+            </a:extLst>
+          </p:cNvPr>
+          <p:cNvSpPr>
+            <a:spLocks noGrp="1"/>
+          </p:cNvSpPr>
+          <p:nvPr>
+            <p:ph idx="1"/>
+          </p:nvPr>
+        </p:nvSpPr>
+        <p:spPr>
+          <a:xfrm>
+            <a:off x="762000" y="2279018"/>
+            <a:ext cx="5314543" cy="3375920"/>
+          </a:xfrm>
+        </p:spPr>
+        <p:txBody>
+          <a:bodyPr anchor="t">
+            <a:normAutofit/>
+          </a:bodyPr>
+          <a:lstStyle/>
+          <a:p>
+            <a:r>
+              <a:rPr lang="en-US" sz="1300" dirty="0"/>
+              <a:t>Detection of human emotion is used in a variety of applications where additional security or information about the person is required. </a:t>
+            </a:r>
+          </a:p>
+          <a:p>
+            <a:r>
+              <a:rPr lang="en-US" sz="1300" dirty="0"/>
+              <a:t>It can be thought of as a second step after face detection, in which case we may be necessary to implement a second layer of security in which, in addition to the face, the mood of the person is identified. </a:t>
+            </a:r>
+          </a:p>
+          <a:p>
+            <a:r>
+              <a:rPr lang="en-US" sz="1300" dirty="0"/>
+              <a:t>This can be important for ensuring that the person standing in front of the camera is not merely a 2-dimensional image of themselves on the screen. </a:t>
+            </a:r>
+          </a:p>
+          <a:p>
+            <a:r>
+              <a:rPr lang="en-US" sz="1300" dirty="0"/>
+              <a:t>We will examine and contrast algorithms and feature extraction strategies from a variety of research papers. </a:t>
+            </a:r>
+          </a:p>
+          <a:p>
+            <a:r>
+              <a:rPr lang="en-US" sz="1300" dirty="0"/>
+              <a:t>The human emotion dataset can serve as an excellent case study for investigating the robustness and nature of classification algorithms, as well as how they function when applied to diverse types of datasets.</a:t>
+            </a:r>
+          </a:p>
+        </p:txBody>
+      </p:sp>
+      <p:sp>
+        <p:nvSpPr>
+          <p:cNvPr id="9" name="Freeform: Shape 8">
             <a:extLst>
               <a:ext uri="{FF2B5EF4-FFF2-40B4-BE49-F238E27FC236}">
                 <a16:creationId xmlns:a16="http://schemas.microsoft.com/office/drawing/2014/main" id="{CF62D2A7-8207-488C-9F46-316BA81A16C8}"/>
@@ -11808,743 +15139,6 @@
       </p:sp>
       <p:pic>
         <p:nvPicPr>
-          <p:cNvPr id="6" name="Picture 5">
-            <a:extLst>
-              <a:ext uri="{FF2B5EF4-FFF2-40B4-BE49-F238E27FC236}">
-                <a16:creationId xmlns:a16="http://schemas.microsoft.com/office/drawing/2014/main" id="{6B31DD9B-B2B8-DD9A-599D-5531F157BAA3}"/>
-              </a:ext>
-            </a:extLst>
-          </p:cNvPr>
-          <p:cNvPicPr>
-            <a:picLocks noChangeAspect="1"/>
-          </p:cNvPicPr>
-          <p:nvPr/>
-        </p:nvPicPr>
-        <p:blipFill rotWithShape="1">
-          <a:blip r:embed="rId2"/>
-          <a:srcRect l="19110" r="23151" b="-1"/>
-          <a:stretch/>
-        </p:blipFill>
-        <p:spPr>
-          <a:xfrm>
-            <a:off x="6750141" y="-2"/>
-            <a:ext cx="5441859" cy="5654940"/>
-          </a:xfrm>
-          <a:custGeom>
-            <a:avLst/>
-            <a:gdLst/>
-            <a:ahLst/>
-            <a:cxnLst/>
-            <a:rect l="l" t="t" r="r" b="b"/>
-            <a:pathLst>
-              <a:path w="5441859" h="5654940">
-                <a:moveTo>
-                  <a:pt x="1041368" y="0"/>
-                </a:moveTo>
-                <a:lnTo>
-                  <a:pt x="5441859" y="0"/>
-                </a:lnTo>
-                <a:lnTo>
-                  <a:pt x="5441859" y="4820612"/>
-                </a:lnTo>
-                <a:lnTo>
-                  <a:pt x="5285166" y="4957981"/>
-                </a:lnTo>
-                <a:cubicBezTo>
-                  <a:pt x="4729628" y="5394557"/>
-                  <a:pt x="4029081" y="5654940"/>
-                  <a:pt x="3267719" y="5654940"/>
-                </a:cubicBezTo>
-                <a:cubicBezTo>
-                  <a:pt x="1463008" y="5654940"/>
-                  <a:pt x="0" y="4191932"/>
-                  <a:pt x="0" y="2387221"/>
-                </a:cubicBezTo>
-                <a:cubicBezTo>
-                  <a:pt x="0" y="1484866"/>
-                  <a:pt x="365752" y="667936"/>
-                  <a:pt x="957093" y="76595"/>
-                </a:cubicBezTo>
-                <a:close/>
-              </a:path>
-            </a:pathLst>
-          </a:custGeom>
-        </p:spPr>
-      </p:pic>
-      <p:graphicFrame>
-        <p:nvGraphicFramePr>
-          <p:cNvPr id="5" name="Content Placeholder 2">
-            <a:extLst>
-              <a:ext uri="{FF2B5EF4-FFF2-40B4-BE49-F238E27FC236}">
-                <a16:creationId xmlns:a16="http://schemas.microsoft.com/office/drawing/2014/main" id="{85D20A3E-1DE8-6E33-BAD5-C5983BFBF11E}"/>
-              </a:ext>
-            </a:extLst>
-          </p:cNvPr>
-          <p:cNvGraphicFramePr>
-            <a:graphicFrameLocks noGrp="1"/>
-          </p:cNvGraphicFramePr>
-          <p:nvPr>
-            <p:ph idx="1"/>
-            <p:extLst>
-              <p:ext uri="{D42A27DB-BD31-4B8C-83A1-F6EECF244321}">
-                <p14:modId xmlns:p14="http://schemas.microsoft.com/office/powerpoint/2010/main" val="2358295792"/>
-              </p:ext>
-            </p:extLst>
-          </p:nvPr>
-        </p:nvGraphicFramePr>
-        <p:xfrm>
-          <a:off x="762000" y="2279018"/>
-          <a:ext cx="5314543" cy="3375920"/>
-        </p:xfrm>
-        <a:graphic>
-          <a:graphicData uri="http://schemas.openxmlformats.org/drawingml/2006/diagram">
-            <dgm:relIds xmlns:dgm="http://schemas.openxmlformats.org/drawingml/2006/diagram" xmlns:r="http://schemas.openxmlformats.org/officeDocument/2006/relationships" r:dm="rId3" r:lo="rId4" r:qs="rId5" r:cs="rId6"/>
-          </a:graphicData>
-        </a:graphic>
-      </p:graphicFrame>
-    </p:spTree>
-    <p:extLst>
-      <p:ext uri="{BB962C8B-B14F-4D97-AF65-F5344CB8AC3E}">
-        <p14:creationId xmlns:p14="http://schemas.microsoft.com/office/powerpoint/2010/main" val="1763833914"/>
-      </p:ext>
-    </p:extLst>
-  </p:cSld>
-  <p:clrMapOvr>
-    <a:overrideClrMapping bg1="dk1" tx1="lt1" bg2="dk2" tx2="lt2" accent1="accent1" accent2="accent2" accent3="accent3" accent4="accent4" accent5="accent5" accent6="accent6" hlink="hlink" folHlink="folHlink"/>
-  </p:clrMapOvr>
-</p:sld>
-</file>
-
-<file path=ppt/slides/slide3.xml><?xml version="1.0" encoding="utf-8"?>
-<p:sld xmlns:a="http://schemas.openxmlformats.org/drawingml/2006/main" xmlns:r="http://schemas.openxmlformats.org/officeDocument/2006/relationships" xmlns:p="http://schemas.openxmlformats.org/presentationml/2006/main">
-  <p:cSld>
-    <p:bg>
-      <p:bgPr>
-        <a:solidFill>
-          <a:schemeClr val="bg1">
-            <a:tint val="95000"/>
-            <a:satMod val="170000"/>
-          </a:schemeClr>
-        </a:solidFill>
-        <a:effectLst/>
-      </p:bgPr>
-    </p:bg>
-    <p:spTree>
-      <p:nvGrpSpPr>
-        <p:cNvPr id="1" name=""/>
-        <p:cNvGrpSpPr/>
-        <p:nvPr/>
-      </p:nvGrpSpPr>
-      <p:grpSpPr>
-        <a:xfrm>
-          <a:off x="0" y="0"/>
-          <a:ext cx="0" cy="0"/>
-          <a:chOff x="0" y="0"/>
-          <a:chExt cx="0" cy="0"/>
-        </a:xfrm>
-      </p:grpSpPr>
-      <p:sp>
-        <p:nvSpPr>
-          <p:cNvPr id="2" name="Title 1">
-            <a:extLst>
-              <a:ext uri="{FF2B5EF4-FFF2-40B4-BE49-F238E27FC236}">
-                <a16:creationId xmlns:a16="http://schemas.microsoft.com/office/drawing/2014/main" id="{526A3091-F9A2-F14D-9855-4DD218CBEFE4}"/>
-              </a:ext>
-            </a:extLst>
-          </p:cNvPr>
-          <p:cNvSpPr>
-            <a:spLocks noGrp="1"/>
-          </p:cNvSpPr>
-          <p:nvPr>
-            <p:ph type="title"/>
-          </p:nvPr>
-        </p:nvSpPr>
-        <p:spPr>
-          <a:xfrm>
-            <a:off x="762001" y="803325"/>
-            <a:ext cx="5314536" cy="1325563"/>
-          </a:xfrm>
-        </p:spPr>
-        <p:txBody>
-          <a:bodyPr>
-            <a:normAutofit/>
-          </a:bodyPr>
-          <a:lstStyle/>
-          <a:p>
-            <a:r>
-              <a:rPr lang="en-US" dirty="0"/>
-              <a:t>Contribution</a:t>
-            </a:r>
-          </a:p>
-        </p:txBody>
-      </p:sp>
-      <p:sp>
-        <p:nvSpPr>
-          <p:cNvPr id="10" name="Freeform: Shape 9">
-            <a:extLst>
-              <a:ext uri="{FF2B5EF4-FFF2-40B4-BE49-F238E27FC236}">
-                <a16:creationId xmlns:a16="http://schemas.microsoft.com/office/drawing/2014/main" id="{CF62D2A7-8207-488C-9F46-316BA81A16C8}"/>
-              </a:ext>
-              <a:ext uri="{C183D7F6-B498-43B3-948B-1728B52AA6E4}">
-                <adec:decorative xmlns:adec="http://schemas.microsoft.com/office/drawing/2017/decorative" val="1"/>
-              </a:ext>
-            </a:extLst>
-          </p:cNvPr>
-          <p:cNvSpPr>
-            <a:spLocks noGrp="1" noRot="1" noChangeAspect="1" noMove="1" noResize="1" noEditPoints="1" noAdjustHandles="1" noChangeArrowheads="1" noChangeShapeType="1" noTextEdit="1"/>
-          </p:cNvSpPr>
-          <p:nvPr>
-            <p:extLst>
-              <p:ext uri="{386F3935-93C4-4BCD-93E2-E3B085C9AB24}">
-                <p16:designElem xmlns:p16="http://schemas.microsoft.com/office/powerpoint/2015/main" val="1"/>
-              </p:ext>
-            </p:extLst>
-          </p:nvPr>
-        </p:nvSpPr>
-        <p:spPr>
-          <a:xfrm flipH="1">
-            <a:off x="6582780" y="-2008"/>
-            <a:ext cx="5609220" cy="5840278"/>
-          </a:xfrm>
-          <a:custGeom>
-            <a:avLst/>
-            <a:gdLst>
-              <a:gd name="connsiteX0" fmla="*/ 0 w 5609220"/>
-              <a:gd name="connsiteY0" fmla="*/ 0 h 5840278"/>
-              <a:gd name="connsiteX1" fmla="*/ 4637091 w 5609220"/>
-              <a:gd name="connsiteY1" fmla="*/ 0 h 5840278"/>
-              <a:gd name="connsiteX2" fmla="*/ 4822569 w 5609220"/>
-              <a:gd name="connsiteY2" fmla="*/ 204077 h 5840278"/>
-              <a:gd name="connsiteX3" fmla="*/ 5609220 w 5609220"/>
-              <a:gd name="connsiteY3" fmla="*/ 2395363 h 5840278"/>
-              <a:gd name="connsiteX4" fmla="*/ 2164305 w 5609220"/>
-              <a:gd name="connsiteY4" fmla="*/ 5840278 h 5840278"/>
-              <a:gd name="connsiteX5" fmla="*/ 238220 w 5609220"/>
-              <a:gd name="connsiteY5" fmla="*/ 5251941 h 5840278"/>
-              <a:gd name="connsiteX6" fmla="*/ 0 w 5609220"/>
-              <a:gd name="connsiteY6" fmla="*/ 5073803 h 5840278"/>
-            </a:gdLst>
-            <a:ahLst/>
-            <a:cxnLst>
-              <a:cxn ang="0">
-                <a:pos x="connsiteX0" y="connsiteY0"/>
-              </a:cxn>
-              <a:cxn ang="0">
-                <a:pos x="connsiteX1" y="connsiteY1"/>
-              </a:cxn>
-              <a:cxn ang="0">
-                <a:pos x="connsiteX2" y="connsiteY2"/>
-              </a:cxn>
-              <a:cxn ang="0">
-                <a:pos x="connsiteX3" y="connsiteY3"/>
-              </a:cxn>
-              <a:cxn ang="0">
-                <a:pos x="connsiteX4" y="connsiteY4"/>
-              </a:cxn>
-              <a:cxn ang="0">
-                <a:pos x="connsiteX5" y="connsiteY5"/>
-              </a:cxn>
-              <a:cxn ang="0">
-                <a:pos x="connsiteX6" y="connsiteY6"/>
-              </a:cxn>
-            </a:cxnLst>
-            <a:rect l="l" t="t" r="r" b="b"/>
-            <a:pathLst>
-              <a:path w="5609220" h="5840278">
-                <a:moveTo>
-                  <a:pt x="0" y="0"/>
-                </a:moveTo>
-                <a:lnTo>
-                  <a:pt x="4637091" y="0"/>
-                </a:lnTo>
-                <a:lnTo>
-                  <a:pt x="4822569" y="204077"/>
-                </a:lnTo>
-                <a:cubicBezTo>
-                  <a:pt x="5314007" y="799562"/>
-                  <a:pt x="5609220" y="1562987"/>
-                  <a:pt x="5609220" y="2395363"/>
-                </a:cubicBezTo>
-                <a:cubicBezTo>
-                  <a:pt x="5609220" y="4297937"/>
-                  <a:pt x="4066879" y="5840278"/>
-                  <a:pt x="2164305" y="5840278"/>
-                </a:cubicBezTo>
-                <a:cubicBezTo>
-                  <a:pt x="1450840" y="5840278"/>
-                  <a:pt x="788032" y="5623387"/>
-                  <a:pt x="238220" y="5251941"/>
-                </a:cubicBezTo>
-                <a:lnTo>
-                  <a:pt x="0" y="5073803"/>
-                </a:lnTo>
-                <a:close/>
-              </a:path>
-            </a:pathLst>
-          </a:custGeom>
-          <a:solidFill>
-            <a:srgbClr val="FFFFFF">
-              <a:alpha val="80000"/>
-            </a:srgbClr>
-          </a:solidFill>
-          <a:ln>
-            <a:noFill/>
-          </a:ln>
-        </p:spPr>
-        <p:style>
-          <a:lnRef idx="2">
-            <a:schemeClr val="accent1">
-              <a:shade val="50000"/>
-            </a:schemeClr>
-          </a:lnRef>
-          <a:fillRef idx="1">
-            <a:schemeClr val="accent1"/>
-          </a:fillRef>
-          <a:effectRef idx="0">
-            <a:schemeClr val="accent1"/>
-          </a:effectRef>
-          <a:fontRef idx="minor">
-            <a:schemeClr val="lt1"/>
-          </a:fontRef>
-        </p:style>
-        <p:txBody>
-          <a:bodyPr rtlCol="0" anchor="ctr"/>
-          <a:lstStyle/>
-          <a:p>
-            <a:pPr marL="0" marR="0" lvl="0" indent="0" algn="ctr" defTabSz="914400" rtl="0" eaLnBrk="1" fontAlgn="auto" latinLnBrk="0" hangingPunct="1">
-              <a:lnSpc>
-                <a:spcPct val="100000"/>
-              </a:lnSpc>
-              <a:spcBef>
-                <a:spcPts val="0"/>
-              </a:spcBef>
-              <a:spcAft>
-                <a:spcPts val="0"/>
-              </a:spcAft>
-              <a:buClrTx/>
-              <a:buSzTx/>
-              <a:buFontTx/>
-              <a:buNone/>
-              <a:tabLst/>
-              <a:defRPr/>
-            </a:pPr>
-            <a:endParaRPr kumimoji="0" lang="en-US" sz="1800" b="0" i="0" u="none" strike="noStrike" kern="1200" cap="none" spc="0" normalizeH="0" baseline="0" noProof="0">
-              <a:ln>
-                <a:noFill/>
-              </a:ln>
-              <a:solidFill>
-                <a:prstClr val="white"/>
-              </a:solidFill>
-              <a:effectLst/>
-              <a:uLnTx/>
-              <a:uFillTx/>
-              <a:latin typeface="Calibri" panose="020F0502020204030204"/>
-              <a:ea typeface="+mn-ea"/>
-              <a:cs typeface="+mn-cs"/>
-            </a:endParaRPr>
-          </a:p>
-        </p:txBody>
-      </p:sp>
-      <p:pic>
-        <p:nvPicPr>
-          <p:cNvPr id="6" name="Picture 5">
-            <a:extLst>
-              <a:ext uri="{FF2B5EF4-FFF2-40B4-BE49-F238E27FC236}">
-                <a16:creationId xmlns:a16="http://schemas.microsoft.com/office/drawing/2014/main" id="{07D1C41B-BCC3-0C18-BC96-68B6D164673B}"/>
-              </a:ext>
-            </a:extLst>
-          </p:cNvPr>
-          <p:cNvPicPr>
-            <a:picLocks noChangeAspect="1"/>
-          </p:cNvPicPr>
-          <p:nvPr/>
-        </p:nvPicPr>
-        <p:blipFill rotWithShape="1">
-          <a:blip r:embed="rId2"/>
-          <a:srcRect l="21196" r="12163"/>
-          <a:stretch/>
-        </p:blipFill>
-        <p:spPr>
-          <a:xfrm>
-            <a:off x="6750141" y="-2"/>
-            <a:ext cx="5441859" cy="5654940"/>
-          </a:xfrm>
-          <a:custGeom>
-            <a:avLst/>
-            <a:gdLst/>
-            <a:ahLst/>
-            <a:cxnLst/>
-            <a:rect l="l" t="t" r="r" b="b"/>
-            <a:pathLst>
-              <a:path w="5441859" h="5654940">
-                <a:moveTo>
-                  <a:pt x="1041368" y="0"/>
-                </a:moveTo>
-                <a:lnTo>
-                  <a:pt x="5441859" y="0"/>
-                </a:lnTo>
-                <a:lnTo>
-                  <a:pt x="5441859" y="4820612"/>
-                </a:lnTo>
-                <a:lnTo>
-                  <a:pt x="5285166" y="4957981"/>
-                </a:lnTo>
-                <a:cubicBezTo>
-                  <a:pt x="4729628" y="5394557"/>
-                  <a:pt x="4029081" y="5654940"/>
-                  <a:pt x="3267719" y="5654940"/>
-                </a:cubicBezTo>
-                <a:cubicBezTo>
-                  <a:pt x="1463008" y="5654940"/>
-                  <a:pt x="0" y="4191932"/>
-                  <a:pt x="0" y="2387221"/>
-                </a:cubicBezTo>
-                <a:cubicBezTo>
-                  <a:pt x="0" y="1484866"/>
-                  <a:pt x="365752" y="667936"/>
-                  <a:pt x="957093" y="76595"/>
-                </a:cubicBezTo>
-                <a:close/>
-              </a:path>
-            </a:pathLst>
-          </a:custGeom>
-        </p:spPr>
-      </p:pic>
-      <p:graphicFrame>
-        <p:nvGraphicFramePr>
-          <p:cNvPr id="5" name="Content Placeholder 2">
-            <a:extLst>
-              <a:ext uri="{FF2B5EF4-FFF2-40B4-BE49-F238E27FC236}">
-                <a16:creationId xmlns:a16="http://schemas.microsoft.com/office/drawing/2014/main" id="{EEF9621B-FE23-1617-0E06-408C4C522FF2}"/>
-              </a:ext>
-            </a:extLst>
-          </p:cNvPr>
-          <p:cNvGraphicFramePr>
-            <a:graphicFrameLocks noGrp="1"/>
-          </p:cNvGraphicFramePr>
-          <p:nvPr>
-            <p:ph idx="1"/>
-            <p:extLst>
-              <p:ext uri="{D42A27DB-BD31-4B8C-83A1-F6EECF244321}">
-                <p14:modId xmlns:p14="http://schemas.microsoft.com/office/powerpoint/2010/main" val="4158368024"/>
-              </p:ext>
-            </p:extLst>
-          </p:nvPr>
-        </p:nvGraphicFramePr>
-        <p:xfrm>
-          <a:off x="762000" y="2279018"/>
-          <a:ext cx="5314543" cy="3375920"/>
-        </p:xfrm>
-        <a:graphic>
-          <a:graphicData uri="http://schemas.openxmlformats.org/drawingml/2006/diagram">
-            <dgm:relIds xmlns:dgm="http://schemas.openxmlformats.org/drawingml/2006/diagram" xmlns:r="http://schemas.openxmlformats.org/officeDocument/2006/relationships" r:dm="rId3" r:lo="rId4" r:qs="rId5" r:cs="rId6"/>
-          </a:graphicData>
-        </a:graphic>
-      </p:graphicFrame>
-    </p:spTree>
-    <p:extLst>
-      <p:ext uri="{BB962C8B-B14F-4D97-AF65-F5344CB8AC3E}">
-        <p14:creationId xmlns:p14="http://schemas.microsoft.com/office/powerpoint/2010/main" val="1948298550"/>
-      </p:ext>
-    </p:extLst>
-  </p:cSld>
-  <p:clrMapOvr>
-    <a:overrideClrMapping bg1="dk1" tx1="lt1" bg2="dk2" tx2="lt2" accent1="accent1" accent2="accent2" accent3="accent3" accent4="accent4" accent5="accent5" accent6="accent6" hlink="hlink" folHlink="folHlink"/>
-  </p:clrMapOvr>
-</p:sld>
-</file>
-
-<file path=ppt/slides/slide4.xml><?xml version="1.0" encoding="utf-8"?>
-<p:sld xmlns:a="http://schemas.openxmlformats.org/drawingml/2006/main" xmlns:r="http://schemas.openxmlformats.org/officeDocument/2006/relationships" xmlns:p="http://schemas.openxmlformats.org/presentationml/2006/main">
-  <p:cSld>
-    <p:bg>
-      <p:bgPr>
-        <a:solidFill>
-          <a:schemeClr val="bg1">
-            <a:tint val="95000"/>
-            <a:satMod val="170000"/>
-          </a:schemeClr>
-        </a:solidFill>
-        <a:effectLst/>
-      </p:bgPr>
-    </p:bg>
-    <p:spTree>
-      <p:nvGrpSpPr>
-        <p:cNvPr id="1" name=""/>
-        <p:cNvGrpSpPr/>
-        <p:nvPr/>
-      </p:nvGrpSpPr>
-      <p:grpSpPr>
-        <a:xfrm>
-          <a:off x="0" y="0"/>
-          <a:ext cx="0" cy="0"/>
-          <a:chOff x="0" y="0"/>
-          <a:chExt cx="0" cy="0"/>
-        </a:xfrm>
-      </p:grpSpPr>
-      <p:sp>
-        <p:nvSpPr>
-          <p:cNvPr id="2" name="Title 1">
-            <a:extLst>
-              <a:ext uri="{FF2B5EF4-FFF2-40B4-BE49-F238E27FC236}">
-                <a16:creationId xmlns:a16="http://schemas.microsoft.com/office/drawing/2014/main" id="{0FC2BF6B-366E-0943-965B-E7336AD15DC1}"/>
-              </a:ext>
-            </a:extLst>
-          </p:cNvPr>
-          <p:cNvSpPr>
-            <a:spLocks noGrp="1"/>
-          </p:cNvSpPr>
-          <p:nvPr>
-            <p:ph type="title"/>
-          </p:nvPr>
-        </p:nvSpPr>
-        <p:spPr>
-          <a:xfrm>
-            <a:off x="762001" y="803325"/>
-            <a:ext cx="5314536" cy="1325563"/>
-          </a:xfrm>
-        </p:spPr>
-        <p:txBody>
-          <a:bodyPr>
-            <a:normAutofit/>
-          </a:bodyPr>
-          <a:lstStyle/>
-          <a:p>
-            <a:r>
-              <a:rPr lang="en-US" dirty="0"/>
-              <a:t>Motivation</a:t>
-            </a:r>
-          </a:p>
-        </p:txBody>
-      </p:sp>
-      <p:sp>
-        <p:nvSpPr>
-          <p:cNvPr id="3" name="Content Placeholder 2">
-            <a:extLst>
-              <a:ext uri="{FF2B5EF4-FFF2-40B4-BE49-F238E27FC236}">
-                <a16:creationId xmlns:a16="http://schemas.microsoft.com/office/drawing/2014/main" id="{53B142A7-0D02-D944-A686-36B449DF93DE}"/>
-              </a:ext>
-            </a:extLst>
-          </p:cNvPr>
-          <p:cNvSpPr>
-            <a:spLocks noGrp="1"/>
-          </p:cNvSpPr>
-          <p:nvPr>
-            <p:ph idx="1"/>
-          </p:nvPr>
-        </p:nvSpPr>
-        <p:spPr>
-          <a:xfrm>
-            <a:off x="762000" y="2279018"/>
-            <a:ext cx="5314543" cy="3375920"/>
-          </a:xfrm>
-        </p:spPr>
-        <p:txBody>
-          <a:bodyPr anchor="t">
-            <a:normAutofit/>
-          </a:bodyPr>
-          <a:lstStyle/>
-          <a:p>
-            <a:r>
-              <a:rPr lang="en-US" sz="1300"/>
-              <a:t>Detection of human emotion is used in a variety of applications where additional security or information about the person is required. </a:t>
-            </a:r>
-          </a:p>
-          <a:p>
-            <a:r>
-              <a:rPr lang="en-US" sz="1300"/>
-              <a:t>It can be thought of as a second step after face detection, in which case we may be necessary to implement a second layer of security in which, in addition to the face, the mood of the person is identified. </a:t>
-            </a:r>
-          </a:p>
-          <a:p>
-            <a:r>
-              <a:rPr lang="en-US" sz="1300"/>
-              <a:t>This can be important for ensuring that the person standing in front of the camera is not merely a 2-dimensional image of themselves on the screen. </a:t>
-            </a:r>
-          </a:p>
-          <a:p>
-            <a:r>
-              <a:rPr lang="en-US" sz="1300"/>
-              <a:t>We will examine and contrast algorithms and feature extraction strategies from a variety of research papers. </a:t>
-            </a:r>
-          </a:p>
-          <a:p>
-            <a:r>
-              <a:rPr lang="en-US" sz="1300"/>
-              <a:t>The human emotion dataset can serve as an excellent case study for investigating the robustness and nature of classification algorithms, as well as how they function when applied to diverse types of datasets.</a:t>
-            </a:r>
-          </a:p>
-        </p:txBody>
-      </p:sp>
-      <p:sp>
-        <p:nvSpPr>
-          <p:cNvPr id="9" name="Freeform: Shape 8">
-            <a:extLst>
-              <a:ext uri="{FF2B5EF4-FFF2-40B4-BE49-F238E27FC236}">
-                <a16:creationId xmlns:a16="http://schemas.microsoft.com/office/drawing/2014/main" id="{CF62D2A7-8207-488C-9F46-316BA81A16C8}"/>
-              </a:ext>
-              <a:ext uri="{C183D7F6-B498-43B3-948B-1728B52AA6E4}">
-                <adec:decorative xmlns:adec="http://schemas.microsoft.com/office/drawing/2017/decorative" val="1"/>
-              </a:ext>
-            </a:extLst>
-          </p:cNvPr>
-          <p:cNvSpPr>
-            <a:spLocks noGrp="1" noRot="1" noChangeAspect="1" noMove="1" noResize="1" noEditPoints="1" noAdjustHandles="1" noChangeArrowheads="1" noChangeShapeType="1" noTextEdit="1"/>
-          </p:cNvSpPr>
-          <p:nvPr>
-            <p:extLst>
-              <p:ext uri="{386F3935-93C4-4BCD-93E2-E3B085C9AB24}">
-                <p16:designElem xmlns:p16="http://schemas.microsoft.com/office/powerpoint/2015/main" val="1"/>
-              </p:ext>
-            </p:extLst>
-          </p:nvPr>
-        </p:nvSpPr>
-        <p:spPr>
-          <a:xfrm flipH="1">
-            <a:off x="6582780" y="-2008"/>
-            <a:ext cx="5609220" cy="5840278"/>
-          </a:xfrm>
-          <a:custGeom>
-            <a:avLst/>
-            <a:gdLst>
-              <a:gd name="connsiteX0" fmla="*/ 0 w 5609220"/>
-              <a:gd name="connsiteY0" fmla="*/ 0 h 5840278"/>
-              <a:gd name="connsiteX1" fmla="*/ 4637091 w 5609220"/>
-              <a:gd name="connsiteY1" fmla="*/ 0 h 5840278"/>
-              <a:gd name="connsiteX2" fmla="*/ 4822569 w 5609220"/>
-              <a:gd name="connsiteY2" fmla="*/ 204077 h 5840278"/>
-              <a:gd name="connsiteX3" fmla="*/ 5609220 w 5609220"/>
-              <a:gd name="connsiteY3" fmla="*/ 2395363 h 5840278"/>
-              <a:gd name="connsiteX4" fmla="*/ 2164305 w 5609220"/>
-              <a:gd name="connsiteY4" fmla="*/ 5840278 h 5840278"/>
-              <a:gd name="connsiteX5" fmla="*/ 238220 w 5609220"/>
-              <a:gd name="connsiteY5" fmla="*/ 5251941 h 5840278"/>
-              <a:gd name="connsiteX6" fmla="*/ 0 w 5609220"/>
-              <a:gd name="connsiteY6" fmla="*/ 5073803 h 5840278"/>
-            </a:gdLst>
-            <a:ahLst/>
-            <a:cxnLst>
-              <a:cxn ang="0">
-                <a:pos x="connsiteX0" y="connsiteY0"/>
-              </a:cxn>
-              <a:cxn ang="0">
-                <a:pos x="connsiteX1" y="connsiteY1"/>
-              </a:cxn>
-              <a:cxn ang="0">
-                <a:pos x="connsiteX2" y="connsiteY2"/>
-              </a:cxn>
-              <a:cxn ang="0">
-                <a:pos x="connsiteX3" y="connsiteY3"/>
-              </a:cxn>
-              <a:cxn ang="0">
-                <a:pos x="connsiteX4" y="connsiteY4"/>
-              </a:cxn>
-              <a:cxn ang="0">
-                <a:pos x="connsiteX5" y="connsiteY5"/>
-              </a:cxn>
-              <a:cxn ang="0">
-                <a:pos x="connsiteX6" y="connsiteY6"/>
-              </a:cxn>
-            </a:cxnLst>
-            <a:rect l="l" t="t" r="r" b="b"/>
-            <a:pathLst>
-              <a:path w="5609220" h="5840278">
-                <a:moveTo>
-                  <a:pt x="0" y="0"/>
-                </a:moveTo>
-                <a:lnTo>
-                  <a:pt x="4637091" y="0"/>
-                </a:lnTo>
-                <a:lnTo>
-                  <a:pt x="4822569" y="204077"/>
-                </a:lnTo>
-                <a:cubicBezTo>
-                  <a:pt x="5314007" y="799562"/>
-                  <a:pt x="5609220" y="1562987"/>
-                  <a:pt x="5609220" y="2395363"/>
-                </a:cubicBezTo>
-                <a:cubicBezTo>
-                  <a:pt x="5609220" y="4297937"/>
-                  <a:pt x="4066879" y="5840278"/>
-                  <a:pt x="2164305" y="5840278"/>
-                </a:cubicBezTo>
-                <a:cubicBezTo>
-                  <a:pt x="1450840" y="5840278"/>
-                  <a:pt x="788032" y="5623387"/>
-                  <a:pt x="238220" y="5251941"/>
-                </a:cubicBezTo>
-                <a:lnTo>
-                  <a:pt x="0" y="5073803"/>
-                </a:lnTo>
-                <a:close/>
-              </a:path>
-            </a:pathLst>
-          </a:custGeom>
-          <a:solidFill>
-            <a:srgbClr val="FFFFFF">
-              <a:alpha val="80000"/>
-            </a:srgbClr>
-          </a:solidFill>
-          <a:ln>
-            <a:noFill/>
-          </a:ln>
-        </p:spPr>
-        <p:style>
-          <a:lnRef idx="2">
-            <a:schemeClr val="accent1">
-              <a:shade val="50000"/>
-            </a:schemeClr>
-          </a:lnRef>
-          <a:fillRef idx="1">
-            <a:schemeClr val="accent1"/>
-          </a:fillRef>
-          <a:effectRef idx="0">
-            <a:schemeClr val="accent1"/>
-          </a:effectRef>
-          <a:fontRef idx="minor">
-            <a:schemeClr val="lt1"/>
-          </a:fontRef>
-        </p:style>
-        <p:txBody>
-          <a:bodyPr rtlCol="0" anchor="ctr"/>
-          <a:lstStyle/>
-          <a:p>
-            <a:pPr marL="0" marR="0" lvl="0" indent="0" algn="ctr" defTabSz="914400" rtl="0" eaLnBrk="1" fontAlgn="auto" latinLnBrk="0" hangingPunct="1">
-              <a:lnSpc>
-                <a:spcPct val="100000"/>
-              </a:lnSpc>
-              <a:spcBef>
-                <a:spcPts val="0"/>
-              </a:spcBef>
-              <a:spcAft>
-                <a:spcPts val="0"/>
-              </a:spcAft>
-              <a:buClrTx/>
-              <a:buSzTx/>
-              <a:buFontTx/>
-              <a:buNone/>
-              <a:tabLst/>
-              <a:defRPr/>
-            </a:pPr>
-            <a:endParaRPr kumimoji="0" lang="en-US" sz="1800" b="0" i="0" u="none" strike="noStrike" kern="1200" cap="none" spc="0" normalizeH="0" baseline="0" noProof="0">
-              <a:ln>
-                <a:noFill/>
-              </a:ln>
-              <a:solidFill>
-                <a:prstClr val="white"/>
-              </a:solidFill>
-              <a:effectLst/>
-              <a:uLnTx/>
-              <a:uFillTx/>
-              <a:latin typeface="Calibri" panose="020F0502020204030204"/>
-              <a:ea typeface="+mn-ea"/>
-              <a:cs typeface="+mn-cs"/>
-            </a:endParaRPr>
-          </a:p>
-        </p:txBody>
-      </p:sp>
-      <p:pic>
-        <p:nvPicPr>
           <p:cNvPr id="5" name="Picture 4" descr="Solo journey">
             <a:extLst>
               <a:ext uri="{FF2B5EF4-FFF2-40B4-BE49-F238E27FC236}">
@@ -12888,12 +15482,12 @@
           <a:p>
             <a:pPr algn="r"/>
             <a:r>
-              <a:rPr lang="en-US">
+              <a:rPr lang="en-US" dirty="0">
                 <a:solidFill>
                   <a:schemeClr val="bg1"/>
                 </a:solidFill>
               </a:rPr>
-              <a:t>Objectives</a:t>
+              <a:t>Objective</a:t>
             </a:r>
           </a:p>
         </p:txBody>
@@ -13018,64 +15612,184 @@
           </a:bodyPr>
           <a:lstStyle/>
           <a:p>
+            <a:pPr marL="342900" marR="0" lvl="0" indent="-342900" algn="just">
+              <a:lnSpc>
+                <a:spcPct val="107000"/>
+              </a:lnSpc>
+              <a:spcBef>
+                <a:spcPts val="0"/>
+              </a:spcBef>
+              <a:spcAft>
+                <a:spcPts val="800"/>
+              </a:spcAft>
+              <a:buFont typeface="Symbol" panose="05050102010706020507" pitchFamily="18" charset="2"/>
+              <a:buChar char=""/>
+            </a:pPr>
             <a:r>
-              <a:rPr lang="en-US" sz="1900">
+              <a:rPr lang="en-US" sz="1800" dirty="0">
                 <a:solidFill>
                   <a:schemeClr val="bg1"/>
                 </a:solidFill>
+                <a:effectLst/>
                 <a:latin typeface="Times New Roman" panose="02020603050405020304" pitchFamily="18" charset="0"/>
+                <a:ea typeface="Calibri" panose="020F0502020204030204" pitchFamily="34" charset="0"/>
                 <a:cs typeface="Times New Roman" panose="02020603050405020304" pitchFamily="18" charset="0"/>
               </a:rPr>
-              <a:t>Detection of human emotion is used in a variety of applications where additional security or information about the person is required. </a:t>
+              <a:t>The most important and significant objective of this research is to identify various human expressions with the help of machine learning techniques and algorithms.</a:t>
             </a:r>
-          </a:p>
-          <a:p>
+            <a:endParaRPr lang="en-US" sz="1800" dirty="0">
+              <a:solidFill>
+                <a:schemeClr val="bg1"/>
+              </a:solidFill>
+              <a:effectLst/>
+              <a:latin typeface="Calibri" panose="020F0502020204030204" pitchFamily="34" charset="0"/>
+              <a:ea typeface="Calibri" panose="020F0502020204030204" pitchFamily="34" charset="0"/>
+              <a:cs typeface="Times New Roman" panose="02020603050405020304" pitchFamily="18" charset="0"/>
+            </a:endParaRPr>
+          </a:p>
+          <a:p>
+            <a:pPr marL="342900" marR="0" lvl="0" indent="-342900" algn="just">
+              <a:lnSpc>
+                <a:spcPct val="107000"/>
+              </a:lnSpc>
+              <a:spcBef>
+                <a:spcPts val="0"/>
+              </a:spcBef>
+              <a:spcAft>
+                <a:spcPts val="800"/>
+              </a:spcAft>
+              <a:buFont typeface="Symbol" panose="05050102010706020507" pitchFamily="18" charset="2"/>
+              <a:buChar char=""/>
+            </a:pPr>
             <a:r>
-              <a:rPr lang="en-US" sz="1900">
+              <a:rPr lang="en-US" sz="1800" dirty="0">
                 <a:solidFill>
                   <a:schemeClr val="bg1"/>
                 </a:solidFill>
+                <a:effectLst/>
                 <a:latin typeface="Times New Roman" panose="02020603050405020304" pitchFamily="18" charset="0"/>
+                <a:ea typeface="Calibri" panose="020F0502020204030204" pitchFamily="34" charset="0"/>
                 <a:cs typeface="Times New Roman" panose="02020603050405020304" pitchFamily="18" charset="0"/>
               </a:rPr>
-              <a:t>It can be thought of as a second step after face detection, in which case we may be necessary to implement a second layer of security in which, in addition to the face, the mood of the person is identified. </a:t>
+              <a:t>With the help of such techniques, we aim to reduce the error and recalls while predicting the facial expressions and increase the precision.</a:t>
             </a:r>
-          </a:p>
-          <a:p>
+            <a:endParaRPr lang="en-US" sz="1800" dirty="0">
+              <a:solidFill>
+                <a:schemeClr val="bg1"/>
+              </a:solidFill>
+              <a:effectLst/>
+              <a:latin typeface="Calibri" panose="020F0502020204030204" pitchFamily="34" charset="0"/>
+              <a:ea typeface="Calibri" panose="020F0502020204030204" pitchFamily="34" charset="0"/>
+              <a:cs typeface="Times New Roman" panose="02020603050405020304" pitchFamily="18" charset="0"/>
+            </a:endParaRPr>
+          </a:p>
+          <a:p>
+            <a:pPr marL="342900" marR="0" lvl="0" indent="-342900" algn="just">
+              <a:lnSpc>
+                <a:spcPct val="107000"/>
+              </a:lnSpc>
+              <a:spcBef>
+                <a:spcPts val="0"/>
+              </a:spcBef>
+              <a:spcAft>
+                <a:spcPts val="800"/>
+              </a:spcAft>
+              <a:buFont typeface="Symbol" panose="05050102010706020507" pitchFamily="18" charset="2"/>
+              <a:buChar char=""/>
+            </a:pPr>
             <a:r>
-              <a:rPr lang="en-US" sz="1900">
+              <a:rPr lang="en-US" sz="1800" dirty="0">
                 <a:solidFill>
                   <a:schemeClr val="bg1"/>
                 </a:solidFill>
+                <a:effectLst/>
                 <a:latin typeface="Times New Roman" panose="02020603050405020304" pitchFamily="18" charset="0"/>
+                <a:ea typeface="Calibri" panose="020F0502020204030204" pitchFamily="34" charset="0"/>
                 <a:cs typeface="Times New Roman" panose="02020603050405020304" pitchFamily="18" charset="0"/>
               </a:rPr>
-              <a:t>This can be important for ensuring that the person standing in front of the camera is not merely a 2-dimensional image of themselves on the screen. </a:t>
+              <a:t>As a result of this, we have lesser probability to wrongly identify a mood and at the same time maximize the chances of correct predictions.  </a:t>
             </a:r>
-          </a:p>
-          <a:p>
+            <a:endParaRPr lang="en-US" sz="1800" dirty="0">
+              <a:solidFill>
+                <a:schemeClr val="bg1"/>
+              </a:solidFill>
+              <a:effectLst/>
+              <a:latin typeface="Calibri" panose="020F0502020204030204" pitchFamily="34" charset="0"/>
+              <a:ea typeface="Calibri" panose="020F0502020204030204" pitchFamily="34" charset="0"/>
+              <a:cs typeface="Times New Roman" panose="02020603050405020304" pitchFamily="18" charset="0"/>
+            </a:endParaRPr>
+          </a:p>
+          <a:p>
+            <a:pPr marL="342900" marR="0" lvl="0" indent="-342900" algn="just">
+              <a:lnSpc>
+                <a:spcPct val="107000"/>
+              </a:lnSpc>
+              <a:spcBef>
+                <a:spcPts val="0"/>
+              </a:spcBef>
+              <a:spcAft>
+                <a:spcPts val="800"/>
+              </a:spcAft>
+              <a:buFont typeface="Symbol" panose="05050102010706020507" pitchFamily="18" charset="2"/>
+              <a:buChar char=""/>
+            </a:pPr>
             <a:r>
-              <a:rPr lang="en-US" sz="1900">
+              <a:rPr lang="en-US" sz="1800" dirty="0">
                 <a:solidFill>
                   <a:schemeClr val="bg1"/>
                 </a:solidFill>
+                <a:effectLst/>
                 <a:latin typeface="Times New Roman" panose="02020603050405020304" pitchFamily="18" charset="0"/>
+                <a:ea typeface="Calibri" panose="020F0502020204030204" pitchFamily="34" charset="0"/>
                 <a:cs typeface="Times New Roman" panose="02020603050405020304" pitchFamily="18" charset="0"/>
               </a:rPr>
-              <a:t>We will examine and contrast algorithms and feature extraction strategies from a variety of research papers. </a:t>
+              <a:t>Facial emotion recognition is extremely useful in criminology and identifying related areas.</a:t>
             </a:r>
-          </a:p>
-          <a:p>
+            <a:endParaRPr lang="en-US" sz="1800" dirty="0">
+              <a:solidFill>
+                <a:schemeClr val="bg1"/>
+              </a:solidFill>
+              <a:effectLst/>
+              <a:latin typeface="Calibri" panose="020F0502020204030204" pitchFamily="34" charset="0"/>
+              <a:ea typeface="Calibri" panose="020F0502020204030204" pitchFamily="34" charset="0"/>
+              <a:cs typeface="Times New Roman" panose="02020603050405020304" pitchFamily="18" charset="0"/>
+            </a:endParaRPr>
+          </a:p>
+          <a:p>
+            <a:pPr marL="342900" marR="0" lvl="0" indent="-342900" algn="just">
+              <a:lnSpc>
+                <a:spcPct val="107000"/>
+              </a:lnSpc>
+              <a:spcBef>
+                <a:spcPts val="0"/>
+              </a:spcBef>
+              <a:spcAft>
+                <a:spcPts val="800"/>
+              </a:spcAft>
+              <a:buFont typeface="Symbol" panose="05050102010706020507" pitchFamily="18" charset="2"/>
+              <a:buChar char=""/>
+            </a:pPr>
             <a:r>
-              <a:rPr lang="en-US" sz="1900">
+              <a:rPr lang="en-US" sz="1800" dirty="0">
                 <a:solidFill>
                   <a:schemeClr val="bg1"/>
                 </a:solidFill>
+                <a:effectLst/>
                 <a:latin typeface="Times New Roman" panose="02020603050405020304" pitchFamily="18" charset="0"/>
+                <a:ea typeface="Calibri" panose="020F0502020204030204" pitchFamily="34" charset="0"/>
                 <a:cs typeface="Times New Roman" panose="02020603050405020304" pitchFamily="18" charset="0"/>
               </a:rPr>
-              <a:t>The human emotion dataset can serve as an excellent case study for investigating the robustness and nature of classification algorithms, as well as how they function when applied to diverse types of datasets.</a:t>
+              <a:t>The applications also holds its significant place in medical, technology and armed forces services.</a:t>
             </a:r>
+            <a:endParaRPr lang="en-US" sz="1800" dirty="0">
+              <a:solidFill>
+                <a:schemeClr val="bg1"/>
+              </a:solidFill>
+              <a:effectLst/>
+              <a:latin typeface="Calibri" panose="020F0502020204030204" pitchFamily="34" charset="0"/>
+              <a:ea typeface="Calibri" panose="020F0502020204030204" pitchFamily="34" charset="0"/>
+              <a:cs typeface="Times New Roman" panose="02020603050405020304" pitchFamily="18" charset="0"/>
+            </a:endParaRPr>
           </a:p>
         </p:txBody>
       </p:sp>
@@ -13775,7 +16489,7 @@
           <a:lstStyle/>
           <a:p>
             <a:r>
-              <a:rPr lang="en-US" sz="2400">
+              <a:rPr lang="en-US" sz="2400" dirty="0">
                 <a:effectLst/>
                 <a:latin typeface="Times New Roman" panose="02020603050405020304" pitchFamily="18" charset="0"/>
                 <a:ea typeface="Calibri" panose="020F0502020204030204" pitchFamily="34" charset="0"/>
@@ -13783,7 +16497,7 @@
               </a:rPr>
               <a:t>We developed three models for the analysis and prediction of emotions in this section. Each model has its own data preprocessing and so produces results with varying degrees of accuracy. The three models that we created are as follows:</a:t>
             </a:r>
-            <a:endParaRPr lang="en-US" sz="2400">
+            <a:endParaRPr lang="en-US" sz="2400" dirty="0">
               <a:effectLst/>
               <a:latin typeface="Calibri" panose="020F0502020204030204" pitchFamily="34" charset="0"/>
               <a:ea typeface="Calibri" panose="020F0502020204030204" pitchFamily="34" charset="0"/>
@@ -13815,8 +16529,13 @@
             <a:pPr lvl="1"/>
             <a:r>
               <a:rPr lang="en-US" dirty="0"/>
-              <a:t>Multiplayer Perception</a:t>
+              <a:t>Multilayer </a:t>
             </a:r>
+            <a:r>
+              <a:rPr lang="en-US"/>
+              <a:t>Perceptor</a:t>
+            </a:r>
+            <a:endParaRPr lang="en-US" dirty="0"/>
           </a:p>
         </p:txBody>
       </p:sp>
@@ -13880,7 +16599,7 @@
         <p:spPr>
           <a:xfrm>
             <a:off x="0" y="963613"/>
-            <a:ext cx="3494088" cy="4930775"/>
+            <a:ext cx="8632272" cy="4930775"/>
           </a:xfrm>
         </p:spPr>
         <p:txBody>
@@ -13891,10 +16610,10 @@
           <a:p>
             <a:pPr algn="r"/>
             <a:r>
-              <a:rPr lang="en-US" dirty="0"/>
-              <a:t>Results</a:t>
+              <a:rPr lang="en-US" u="sng"/>
+              <a:t>Different Models and their Results</a:t>
             </a:r>
-            <a:endParaRPr lang="en-US"/>
+            <a:endParaRPr lang="en-US" u="sng" dirty="0"/>
           </a:p>
         </p:txBody>
       </p:sp>
@@ -14204,4 +16923,299 @@
     </a:ext>
   </a:extLst>
 </a:theme>
+</file>
+
+<file path=ppt/theme/theme2.xml><?xml version="1.0" encoding="utf-8"?>
+<a:theme xmlns:a="http://schemas.openxmlformats.org/drawingml/2006/main" name="Office Theme">
+  <a:themeElements>
+    <a:clrScheme name="Office">
+      <a:dk1>
+        <a:sysClr val="windowText" lastClr="000000"/>
+      </a:dk1>
+      <a:lt1>
+        <a:sysClr val="window" lastClr="FFFFFF"/>
+      </a:lt1>
+      <a:dk2>
+        <a:srgbClr val="44546A"/>
+      </a:dk2>
+      <a:lt2>
+        <a:srgbClr val="E7E6E6"/>
+      </a:lt2>
+      <a:accent1>
+        <a:srgbClr val="4472C4"/>
+      </a:accent1>
+      <a:accent2>
+        <a:srgbClr val="ED7D31"/>
+      </a:accent2>
+      <a:accent3>
+        <a:srgbClr val="A5A5A5"/>
+      </a:accent3>
+      <a:accent4>
+        <a:srgbClr val="FFC000"/>
+      </a:accent4>
+      <a:accent5>
+        <a:srgbClr val="5B9BD5"/>
+      </a:accent5>
+      <a:accent6>
+        <a:srgbClr val="70AD47"/>
+      </a:accent6>
+      <a:hlink>
+        <a:srgbClr val="0563C1"/>
+      </a:hlink>
+      <a:folHlink>
+        <a:srgbClr val="954F72"/>
+      </a:folHlink>
+    </a:clrScheme>
+    <a:fontScheme name="Office">
+      <a:majorFont>
+        <a:latin typeface="Calibri Light" panose="020F0302020204030204"/>
+        <a:ea typeface=""/>
+        <a:cs typeface=""/>
+        <a:font script="Jpan" typeface="游ゴシック Light"/>
+        <a:font script="Hang" typeface="맑은 고딕"/>
+        <a:font script="Hans" typeface="等线 Light"/>
+        <a:font script="Hant" typeface="新細明體"/>
+        <a:font script="Arab" typeface="Times New Roman"/>
+        <a:font script="Hebr" typeface="Times New Roman"/>
+        <a:font script="Thai" typeface="Angsana New"/>
+        <a:font script="Ethi" typeface="Nyala"/>
+        <a:font script="Beng" typeface="Vrinda"/>
+        <a:font script="Gujr" typeface="Shruti"/>
+        <a:font script="Khmr" typeface="MoolBoran"/>
+        <a:font script="Knda" typeface="Tunga"/>
+        <a:font script="Guru" typeface="Raavi"/>
+        <a:font script="Cans" typeface="Euphemia"/>
+        <a:font script="Cher" typeface="Plantagenet Cherokee"/>
+        <a:font script="Yiii" typeface="Microsoft Yi Baiti"/>
+        <a:font script="Tibt" typeface="Microsoft Himalaya"/>
+        <a:font script="Thaa" typeface="MV Boli"/>
+        <a:font script="Deva" typeface="Mangal"/>
+        <a:font script="Telu" typeface="Gautami"/>
+        <a:font script="Taml" typeface="Latha"/>
+        <a:font script="Syrc" typeface="Estrangelo Edessa"/>
+        <a:font script="Orya" typeface="Kalinga"/>
+        <a:font script="Mlym" typeface="Kartika"/>
+        <a:font script="Laoo" typeface="DokChampa"/>
+        <a:font script="Sinh" typeface="Iskoola Pota"/>
+        <a:font script="Mong" typeface="Mongolian Baiti"/>
+        <a:font script="Viet" typeface="Times New Roman"/>
+        <a:font script="Uigh" typeface="Microsoft Uighur"/>
+        <a:font script="Geor" typeface="Sylfaen"/>
+        <a:font script="Armn" typeface="Arial"/>
+        <a:font script="Bugi" typeface="Leelawadee UI"/>
+        <a:font script="Bopo" typeface="Microsoft JhengHei"/>
+        <a:font script="Java" typeface="Javanese Text"/>
+        <a:font script="Lisu" typeface="Segoe UI"/>
+        <a:font script="Mymr" typeface="Myanmar Text"/>
+        <a:font script="Nkoo" typeface="Ebrima"/>
+        <a:font script="Olck" typeface="Nirmala UI"/>
+        <a:font script="Osma" typeface="Ebrima"/>
+        <a:font script="Phag" typeface="Phagspa"/>
+        <a:font script="Syrn" typeface="Estrangelo Edessa"/>
+        <a:font script="Syrj" typeface="Estrangelo Edessa"/>
+        <a:font script="Syre" typeface="Estrangelo Edessa"/>
+        <a:font script="Sora" typeface="Nirmala UI"/>
+        <a:font script="Tale" typeface="Microsoft Tai Le"/>
+        <a:font script="Talu" typeface="Microsoft New Tai Lue"/>
+        <a:font script="Tfng" typeface="Ebrima"/>
+      </a:majorFont>
+      <a:minorFont>
+        <a:latin typeface="Calibri" panose="020F0502020204030204"/>
+        <a:ea typeface=""/>
+        <a:cs typeface=""/>
+        <a:font script="Jpan" typeface="游ゴシック"/>
+        <a:font script="Hang" typeface="맑은 고딕"/>
+        <a:font script="Hans" typeface="等线"/>
+        <a:font script="Hant" typeface="新細明體"/>
+        <a:font script="Arab" typeface="Arial"/>
+        <a:font script="Hebr" typeface="Arial"/>
+        <a:font script="Thai" typeface="Cordia New"/>
+        <a:font script="Ethi" typeface="Nyala"/>
+        <a:font script="Beng" typeface="Vrinda"/>
+        <a:font script="Gujr" typeface="Shruti"/>
+        <a:font script="Khmr" typeface="DaunPenh"/>
+        <a:font script="Knda" typeface="Tunga"/>
+        <a:font script="Guru" typeface="Raavi"/>
+        <a:font script="Cans" typeface="Euphemia"/>
+        <a:font script="Cher" typeface="Plantagenet Cherokee"/>
+        <a:font script="Yiii" typeface="Microsoft Yi Baiti"/>
+        <a:font script="Tibt" typeface="Microsoft Himalaya"/>
+        <a:font script="Thaa" typeface="MV Boli"/>
+        <a:font script="Deva" typeface="Mangal"/>
+        <a:font script="Telu" typeface="Gautami"/>
+        <a:font script="Taml" typeface="Latha"/>
+        <a:font script="Syrc" typeface="Estrangelo Edessa"/>
+        <a:font script="Orya" typeface="Kalinga"/>
+        <a:font script="Mlym" typeface="Kartika"/>
+        <a:font script="Laoo" typeface="DokChampa"/>
+        <a:font script="Sinh" typeface="Iskoola Pota"/>
+        <a:font script="Mong" typeface="Mongolian Baiti"/>
+        <a:font script="Viet" typeface="Arial"/>
+        <a:font script="Uigh" typeface="Microsoft Uighur"/>
+        <a:font script="Geor" typeface="Sylfaen"/>
+        <a:font script="Armn" typeface="Arial"/>
+        <a:font script="Bugi" typeface="Leelawadee UI"/>
+        <a:font script="Bopo" typeface="Microsoft JhengHei"/>
+        <a:font script="Java" typeface="Javanese Text"/>
+        <a:font script="Lisu" typeface="Segoe UI"/>
+        <a:font script="Mymr" typeface="Myanmar Text"/>
+        <a:font script="Nkoo" typeface="Ebrima"/>
+        <a:font script="Olck" typeface="Nirmala UI"/>
+        <a:font script="Osma" typeface="Ebrima"/>
+        <a:font script="Phag" typeface="Phagspa"/>
+        <a:font script="Syrn" typeface="Estrangelo Edessa"/>
+        <a:font script="Syrj" typeface="Estrangelo Edessa"/>
+        <a:font script="Syre" typeface="Estrangelo Edessa"/>
+        <a:font script="Sora" typeface="Nirmala UI"/>
+        <a:font script="Tale" typeface="Microsoft Tai Le"/>
+        <a:font script="Talu" typeface="Microsoft New Tai Lue"/>
+        <a:font script="Tfng" typeface="Ebrima"/>
+      </a:minorFont>
+    </a:fontScheme>
+    <a:fmtScheme name="Office">
+      <a:fillStyleLst>
+        <a:solidFill>
+          <a:schemeClr val="phClr"/>
+        </a:solidFill>
+        <a:gradFill rotWithShape="1">
+          <a:gsLst>
+            <a:gs pos="0">
+              <a:schemeClr val="phClr">
+                <a:lumMod val="110000"/>
+                <a:satMod val="105000"/>
+                <a:tint val="67000"/>
+              </a:schemeClr>
+            </a:gs>
+            <a:gs pos="50000">
+              <a:schemeClr val="phClr">
+                <a:lumMod val="105000"/>
+                <a:satMod val="103000"/>
+                <a:tint val="73000"/>
+              </a:schemeClr>
+            </a:gs>
+            <a:gs pos="100000">
+              <a:schemeClr val="phClr">
+                <a:lumMod val="105000"/>
+                <a:satMod val="109000"/>
+                <a:tint val="81000"/>
+              </a:schemeClr>
+            </a:gs>
+          </a:gsLst>
+          <a:lin ang="5400000" scaled="0"/>
+        </a:gradFill>
+        <a:gradFill rotWithShape="1">
+          <a:gsLst>
+            <a:gs pos="0">
+              <a:schemeClr val="phClr">
+                <a:satMod val="103000"/>
+                <a:lumMod val="102000"/>
+                <a:tint val="94000"/>
+              </a:schemeClr>
+            </a:gs>
+            <a:gs pos="50000">
+              <a:schemeClr val="phClr">
+                <a:satMod val="110000"/>
+                <a:lumMod val="100000"/>
+                <a:shade val="100000"/>
+              </a:schemeClr>
+            </a:gs>
+            <a:gs pos="100000">
+              <a:schemeClr val="phClr">
+                <a:lumMod val="99000"/>
+                <a:satMod val="120000"/>
+                <a:shade val="78000"/>
+              </a:schemeClr>
+            </a:gs>
+          </a:gsLst>
+          <a:lin ang="5400000" scaled="0"/>
+        </a:gradFill>
+      </a:fillStyleLst>
+      <a:lnStyleLst>
+        <a:ln w="6350" cap="flat" cmpd="sng" algn="ctr">
+          <a:solidFill>
+            <a:schemeClr val="phClr"/>
+          </a:solidFill>
+          <a:prstDash val="solid"/>
+          <a:miter lim="800000"/>
+        </a:ln>
+        <a:ln w="12700" cap="flat" cmpd="sng" algn="ctr">
+          <a:solidFill>
+            <a:schemeClr val="phClr"/>
+          </a:solidFill>
+          <a:prstDash val="solid"/>
+          <a:miter lim="800000"/>
+        </a:ln>
+        <a:ln w="19050" cap="flat" cmpd="sng" algn="ctr">
+          <a:solidFill>
+            <a:schemeClr val="phClr"/>
+          </a:solidFill>
+          <a:prstDash val="solid"/>
+          <a:miter lim="800000"/>
+        </a:ln>
+      </a:lnStyleLst>
+      <a:effectStyleLst>
+        <a:effectStyle>
+          <a:effectLst/>
+        </a:effectStyle>
+        <a:effectStyle>
+          <a:effectLst/>
+        </a:effectStyle>
+        <a:effectStyle>
+          <a:effectLst>
+            <a:outerShdw blurRad="57150" dist="19050" dir="5400000" algn="ctr" rotWithShape="0">
+              <a:srgbClr val="000000">
+                <a:alpha val="63000"/>
+              </a:srgbClr>
+            </a:outerShdw>
+          </a:effectLst>
+        </a:effectStyle>
+      </a:effectStyleLst>
+      <a:bgFillStyleLst>
+        <a:solidFill>
+          <a:schemeClr val="phClr"/>
+        </a:solidFill>
+        <a:solidFill>
+          <a:schemeClr val="phClr">
+            <a:tint val="95000"/>
+            <a:satMod val="170000"/>
+          </a:schemeClr>
+        </a:solidFill>
+        <a:gradFill rotWithShape="1">
+          <a:gsLst>
+            <a:gs pos="0">
+              <a:schemeClr val="phClr">
+                <a:tint val="93000"/>
+                <a:satMod val="150000"/>
+                <a:shade val="98000"/>
+                <a:lumMod val="102000"/>
+              </a:schemeClr>
+            </a:gs>
+            <a:gs pos="50000">
+              <a:schemeClr val="phClr">
+                <a:tint val="98000"/>
+                <a:satMod val="130000"/>
+                <a:shade val="90000"/>
+                <a:lumMod val="103000"/>
+              </a:schemeClr>
+            </a:gs>
+            <a:gs pos="100000">
+              <a:schemeClr val="phClr">
+                <a:shade val="63000"/>
+                <a:satMod val="120000"/>
+              </a:schemeClr>
+            </a:gs>
+          </a:gsLst>
+          <a:lin ang="5400000" scaled="0"/>
+        </a:gradFill>
+      </a:bgFillStyleLst>
+    </a:fmtScheme>
+  </a:themeElements>
+  <a:objectDefaults/>
+  <a:extraClrSchemeLst/>
+  <a:extLst>
+    <a:ext uri="{05A4C25C-085E-4340-85A3-A5531E510DB2}">
+      <thm15:themeFamily xmlns:thm15="http://schemas.microsoft.com/office/thememl/2012/main" name="Office Theme" id="{62F939B6-93AF-4DB8-9C6B-D6C7DFDC589F}" vid="{4A3C46E8-61CC-4603-A589-7422A47A8E4A}"/>
+    </a:ext>
+  </a:extLst>
+</a:theme>
 </file>